--- a/022_91893+_+91897+Documentation.pptx
+++ b/022_91893+_+91897+Documentation.pptx
@@ -5,7 +5,7 @@
     <p:sldMasterId id="2147483659" r:id="rId1"/>
   </p:sldMasterIdLst>
   <p:notesMasterIdLst>
-    <p:notesMasterId r:id="rId9"/>
+    <p:notesMasterId r:id="rId11"/>
   </p:notesMasterIdLst>
   <p:sldIdLst>
     <p:sldId id="256" r:id="rId2"/>
@@ -13,8 +13,10 @@
     <p:sldId id="258" r:id="rId4"/>
     <p:sldId id="259" r:id="rId5"/>
     <p:sldId id="260" r:id="rId6"/>
-    <p:sldId id="261" r:id="rId7"/>
-    <p:sldId id="262" r:id="rId8"/>
+    <p:sldId id="263" r:id="rId7"/>
+    <p:sldId id="264" r:id="rId8"/>
+    <p:sldId id="261" r:id="rId9"/>
+    <p:sldId id="262" r:id="rId10"/>
   </p:sldIdLst>
   <p:sldSz cx="9144000" cy="5143500" type="screen16x9"/>
   <p:notesSz cx="6858000" cy="9144000"/>
@@ -1265,6 +1267,224 @@
   <p:cSld>
     <p:spTree>
       <p:nvGrpSpPr>
+        <p:cNvPr id="1" name="Shape 69"/>
+        <p:cNvGrpSpPr/>
+        <p:nvPr/>
+      </p:nvGrpSpPr>
+      <p:grpSpPr>
+        <a:xfrm>
+          <a:off x="0" y="0"/>
+          <a:ext cx="0" cy="0"/>
+          <a:chOff x="0" y="0"/>
+          <a:chExt cx="0" cy="0"/>
+        </a:xfrm>
+      </p:grpSpPr>
+      <p:sp>
+        <p:nvSpPr>
+          <p:cNvPr id="70" name="Google Shape;70;gac10fef634_0_16:notes"/>
+          <p:cNvSpPr>
+            <a:spLocks noGrp="1" noRot="1" noChangeAspect="1"/>
+          </p:cNvSpPr>
+          <p:nvPr>
+            <p:ph type="sldImg" idx="2"/>
+          </p:nvPr>
+        </p:nvSpPr>
+        <p:spPr>
+          <a:xfrm>
+            <a:off x="381000" y="685800"/>
+            <a:ext cx="6096000" cy="3429000"/>
+          </a:xfrm>
+          <a:custGeom>
+            <a:avLst/>
+            <a:gdLst/>
+            <a:ahLst/>
+            <a:cxnLst/>
+            <a:rect l="l" t="t" r="r" b="b"/>
+            <a:pathLst>
+              <a:path w="120000" h="120000" extrusionOk="0">
+                <a:moveTo>
+                  <a:pt x="0" y="0"/>
+                </a:moveTo>
+                <a:lnTo>
+                  <a:pt x="120000" y="0"/>
+                </a:lnTo>
+                <a:lnTo>
+                  <a:pt x="120000" y="120000"/>
+                </a:lnTo>
+                <a:lnTo>
+                  <a:pt x="0" y="120000"/>
+                </a:lnTo>
+                <a:close/>
+              </a:path>
+            </a:pathLst>
+          </a:custGeom>
+        </p:spPr>
+      </p:sp>
+      <p:sp>
+        <p:nvSpPr>
+          <p:cNvPr id="71" name="Google Shape;71;gac10fef634_0_16:notes"/>
+          <p:cNvSpPr txBox="1">
+            <a:spLocks noGrp="1"/>
+          </p:cNvSpPr>
+          <p:nvPr>
+            <p:ph type="body" idx="1"/>
+          </p:nvPr>
+        </p:nvSpPr>
+        <p:spPr>
+          <a:xfrm>
+            <a:off x="685800" y="4343400"/>
+            <a:ext cx="5486400" cy="4114800"/>
+          </a:xfrm>
+          <a:prstGeom prst="rect">
+            <a:avLst/>
+          </a:prstGeom>
+        </p:spPr>
+        <p:txBody>
+          <a:bodyPr spcFirstLastPara="1" wrap="square" lIns="91425" tIns="91425" rIns="91425" bIns="91425" anchor="t" anchorCtr="0">
+            <a:noAutofit/>
+          </a:bodyPr>
+          <a:lstStyle/>
+          <a:p>
+            <a:pPr marL="0" lvl="0" indent="0" algn="l" rtl="0">
+              <a:spcBef>
+                <a:spcPts val="0"/>
+              </a:spcBef>
+              <a:spcAft>
+                <a:spcPts val="0"/>
+              </a:spcAft>
+              <a:buNone/>
+            </a:pPr>
+            <a:endParaRPr/>
+          </a:p>
+        </p:txBody>
+      </p:sp>
+    </p:spTree>
+    <p:extLst>
+      <p:ext uri="{BB962C8B-B14F-4D97-AF65-F5344CB8AC3E}">
+        <p14:creationId xmlns:p14="http://schemas.microsoft.com/office/powerpoint/2010/main" val="4100395733"/>
+      </p:ext>
+    </p:extLst>
+  </p:cSld>
+  <p:clrMapOvr>
+    <a:masterClrMapping/>
+  </p:clrMapOvr>
+</p:notes>
+</file>
+
+<file path=ppt/notesSlides/notesSlide7.xml><?xml version="1.0" encoding="utf-8"?>
+<p:notes xmlns:a="http://schemas.openxmlformats.org/drawingml/2006/main" xmlns:r="http://schemas.openxmlformats.org/officeDocument/2006/relationships" xmlns:p="http://schemas.openxmlformats.org/presentationml/2006/main" showMasterSp="0" showMasterPhAnim="0">
+  <p:cSld>
+    <p:spTree>
+      <p:nvGrpSpPr>
+        <p:cNvPr id="1" name="Shape 74"/>
+        <p:cNvGrpSpPr/>
+        <p:nvPr/>
+      </p:nvGrpSpPr>
+      <p:grpSpPr>
+        <a:xfrm>
+          <a:off x="0" y="0"/>
+          <a:ext cx="0" cy="0"/>
+          <a:chOff x="0" y="0"/>
+          <a:chExt cx="0" cy="0"/>
+        </a:xfrm>
+      </p:grpSpPr>
+      <p:sp>
+        <p:nvSpPr>
+          <p:cNvPr id="75" name="Google Shape;75;gac10fef634_0_20:notes"/>
+          <p:cNvSpPr>
+            <a:spLocks noGrp="1" noRot="1" noChangeAspect="1"/>
+          </p:cNvSpPr>
+          <p:nvPr>
+            <p:ph type="sldImg" idx="2"/>
+          </p:nvPr>
+        </p:nvSpPr>
+        <p:spPr>
+          <a:xfrm>
+            <a:off x="381000" y="685800"/>
+            <a:ext cx="6096000" cy="3429000"/>
+          </a:xfrm>
+          <a:custGeom>
+            <a:avLst/>
+            <a:gdLst/>
+            <a:ahLst/>
+            <a:cxnLst/>
+            <a:rect l="l" t="t" r="r" b="b"/>
+            <a:pathLst>
+              <a:path w="120000" h="120000" extrusionOk="0">
+                <a:moveTo>
+                  <a:pt x="0" y="0"/>
+                </a:moveTo>
+                <a:lnTo>
+                  <a:pt x="120000" y="0"/>
+                </a:lnTo>
+                <a:lnTo>
+                  <a:pt x="120000" y="120000"/>
+                </a:lnTo>
+                <a:lnTo>
+                  <a:pt x="0" y="120000"/>
+                </a:lnTo>
+                <a:close/>
+              </a:path>
+            </a:pathLst>
+          </a:custGeom>
+        </p:spPr>
+      </p:sp>
+      <p:sp>
+        <p:nvSpPr>
+          <p:cNvPr id="76" name="Google Shape;76;gac10fef634_0_20:notes"/>
+          <p:cNvSpPr txBox="1">
+            <a:spLocks noGrp="1"/>
+          </p:cNvSpPr>
+          <p:nvPr>
+            <p:ph type="body" idx="1"/>
+          </p:nvPr>
+        </p:nvSpPr>
+        <p:spPr>
+          <a:xfrm>
+            <a:off x="685800" y="4343400"/>
+            <a:ext cx="5486400" cy="4114800"/>
+          </a:xfrm>
+          <a:prstGeom prst="rect">
+            <a:avLst/>
+          </a:prstGeom>
+        </p:spPr>
+        <p:txBody>
+          <a:bodyPr spcFirstLastPara="1" wrap="square" lIns="91425" tIns="91425" rIns="91425" bIns="91425" anchor="t" anchorCtr="0">
+            <a:noAutofit/>
+          </a:bodyPr>
+          <a:lstStyle/>
+          <a:p>
+            <a:pPr marL="0" lvl="0" indent="0" algn="l" rtl="0">
+              <a:spcBef>
+                <a:spcPts val="0"/>
+              </a:spcBef>
+              <a:spcAft>
+                <a:spcPts val="0"/>
+              </a:spcAft>
+              <a:buNone/>
+            </a:pPr>
+            <a:endParaRPr/>
+          </a:p>
+        </p:txBody>
+      </p:sp>
+    </p:spTree>
+    <p:extLst>
+      <p:ext uri="{BB962C8B-B14F-4D97-AF65-F5344CB8AC3E}">
+        <p14:creationId xmlns:p14="http://schemas.microsoft.com/office/powerpoint/2010/main" val="347002473"/>
+      </p:ext>
+    </p:extLst>
+  </p:cSld>
+  <p:clrMapOvr>
+    <a:masterClrMapping/>
+  </p:clrMapOvr>
+</p:notes>
+</file>
+
+<file path=ppt/notesSlides/notesSlide8.xml><?xml version="1.0" encoding="utf-8"?>
+<p:notes xmlns:a="http://schemas.openxmlformats.org/drawingml/2006/main" xmlns:r="http://schemas.openxmlformats.org/officeDocument/2006/relationships" xmlns:p="http://schemas.openxmlformats.org/presentationml/2006/main" showMasterSp="0" showMasterPhAnim="0">
+  <p:cSld>
+    <p:spTree>
+      <p:nvGrpSpPr>
         <p:cNvPr id="1" name="Shape 80"/>
         <p:cNvGrpSpPr/>
         <p:nvPr/>
@@ -1385,7 +1605,7 @@
 </p:notes>
 </file>
 
-<file path=ppt/notesSlides/notesSlide7.xml><?xml version="1.0" encoding="utf-8"?>
+<file path=ppt/notesSlides/notesSlide9.xml><?xml version="1.0" encoding="utf-8"?>
 <p:notes xmlns:a="http://schemas.openxmlformats.org/drawingml/2006/main" xmlns:r="http://schemas.openxmlformats.org/officeDocument/2006/relationships" xmlns:p="http://schemas.openxmlformats.org/presentationml/2006/main" showMasterSp="0" showMasterPhAnim="0">
   <p:cSld>
     <p:spTree>
@@ -6364,13 +6584,13 @@
               <a:t>Link to github Repository: </a:t>
             </a:r>
             <a:r>
-              <a:rPr lang="en-NZ" sz="2000" b="1" dirty="0">
+              <a:rPr lang="en-NZ" sz="2000" b="1" dirty="0" err="1">
                 <a:solidFill>
                   <a:srgbClr val="274E13"/>
                 </a:solidFill>
                 <a:hlinkClick r:id="rId3"/>
               </a:rPr>
-              <a:t>https://github.com/xkiio/desktop-tutorial</a:t>
+              <a:t>Github</a:t>
             </a:r>
             <a:endParaRPr sz="2000" dirty="0">
               <a:solidFill>
@@ -6411,7 +6631,7 @@
                 </a:solidFill>
                 <a:hlinkClick r:id="rId4"/>
               </a:rPr>
-              <a:t>https://trello.com/b/hJTQt39r/pizza-planning</a:t>
+              <a:t>Trello Board</a:t>
             </a:r>
             <a:endParaRPr lang="en-NZ" sz="2000" b="1" dirty="0">
               <a:solidFill>
@@ -6767,14 +6987,40 @@
               </a:spcAft>
               <a:buNone/>
             </a:pPr>
-            <a:r>
-              <a:rPr lang="en" i="1"/>
-              <a:t>Paste screenshots of your initial Trello board / task decomposition on this slide.  If you have a long list, you might need to break it up into several columns.  Delete this instruction when you are done.</a:t>
-            </a:r>
-            <a:endParaRPr i="1"/>
+            <a:endParaRPr i="1" dirty="0"/>
           </a:p>
         </p:txBody>
       </p:sp>
+      <p:pic>
+        <p:nvPicPr>
+          <p:cNvPr id="3" name="Picture 2">
+            <a:extLst>
+              <a:ext uri="{FF2B5EF4-FFF2-40B4-BE49-F238E27FC236}">
+                <a16:creationId xmlns:a16="http://schemas.microsoft.com/office/drawing/2014/main" id="{16883693-4831-406D-AC8A-A33314C0A373}"/>
+              </a:ext>
+            </a:extLst>
+          </p:cNvPr>
+          <p:cNvPicPr>
+            <a:picLocks noChangeAspect="1"/>
+          </p:cNvPicPr>
+          <p:nvPr/>
+        </p:nvPicPr>
+        <p:blipFill>
+          <a:blip r:embed="rId3"/>
+          <a:stretch>
+            <a:fillRect/>
+          </a:stretch>
+        </p:blipFill>
+        <p:spPr>
+          <a:xfrm>
+            <a:off x="311700" y="1152475"/>
+            <a:ext cx="7775944" cy="3644974"/>
+          </a:xfrm>
+          <a:prstGeom prst="rect">
+            <a:avLst/>
+          </a:prstGeom>
+        </p:spPr>
+      </p:pic>
     </p:spTree>
   </p:cSld>
   <p:clrMapOvr>
@@ -6850,6 +7096,36 @@
           </a:p>
         </p:txBody>
       </p:sp>
+      <p:pic>
+        <p:nvPicPr>
+          <p:cNvPr id="3" name="Picture 2">
+            <a:extLst>
+              <a:ext uri="{FF2B5EF4-FFF2-40B4-BE49-F238E27FC236}">
+                <a16:creationId xmlns:a16="http://schemas.microsoft.com/office/drawing/2014/main" id="{91D65FFF-C201-48B6-91BC-9B3B57AD1245}"/>
+              </a:ext>
+            </a:extLst>
+          </p:cNvPr>
+          <p:cNvPicPr>
+            <a:picLocks noChangeAspect="1"/>
+          </p:cNvPicPr>
+          <p:nvPr/>
+        </p:nvPicPr>
+        <p:blipFill>
+          <a:blip r:embed="rId3"/>
+          <a:stretch>
+            <a:fillRect/>
+          </a:stretch>
+        </p:blipFill>
+        <p:spPr>
+          <a:xfrm>
+            <a:off x="241193" y="1562910"/>
+            <a:ext cx="8591107" cy="3050422"/>
+          </a:xfrm>
+          <a:prstGeom prst="rect">
+            <a:avLst/>
+          </a:prstGeom>
+        </p:spPr>
+      </p:pic>
     </p:spTree>
   </p:cSld>
   <p:clrMapOvr>
@@ -6910,10 +7186,373 @@
               <a:buNone/>
             </a:pPr>
             <a:r>
-              <a:rPr lang="en"/>
-              <a:t>Component 1 - Test Plan (?and screenshot)</a:t>
+              <a:rPr lang="en" dirty="0"/>
+              <a:t>Component 1 - Test Plan (and screenshot)</a:t>
             </a:r>
-            <a:endParaRPr/>
+            <a:endParaRPr dirty="0"/>
+          </a:p>
+        </p:txBody>
+      </p:sp>
+      <p:graphicFrame>
+        <p:nvGraphicFramePr>
+          <p:cNvPr id="79" name="Google Shape;79;p17"/>
+          <p:cNvGraphicFramePr/>
+          <p:nvPr>
+            <p:extLst>
+              <p:ext uri="{D42A27DB-BD31-4B8C-83A1-F6EECF244321}">
+                <p14:modId xmlns:p14="http://schemas.microsoft.com/office/powerpoint/2010/main" val="4159269217"/>
+              </p:ext>
+            </p:extLst>
+          </p:nvPr>
+        </p:nvGraphicFramePr>
+        <p:xfrm>
+          <a:off x="382475" y="1267725"/>
+          <a:ext cx="8520600" cy="1188660"/>
+        </p:xfrm>
+        <a:graphic>
+          <a:graphicData uri="http://schemas.openxmlformats.org/drawingml/2006/table">
+            <a:tbl>
+              <a:tblPr>
+                <a:noFill/>
+                <a:tableStyleId>{E1099E06-0E6B-448D-9D27-60429F06E6F4}</a:tableStyleId>
+              </a:tblPr>
+              <a:tblGrid>
+                <a:gridCol w="4260300">
+                  <a:extLst>
+                    <a:ext uri="{9D8B030D-6E8A-4147-A177-3AD203B41FA5}">
+                      <a16:colId xmlns:a16="http://schemas.microsoft.com/office/drawing/2014/main" val="20000"/>
+                    </a:ext>
+                  </a:extLst>
+                </a:gridCol>
+                <a:gridCol w="4260300">
+                  <a:extLst>
+                    <a:ext uri="{9D8B030D-6E8A-4147-A177-3AD203B41FA5}">
+                      <a16:colId xmlns:a16="http://schemas.microsoft.com/office/drawing/2014/main" val="20001"/>
+                    </a:ext>
+                  </a:extLst>
+                </a:gridCol>
+              </a:tblGrid>
+              <a:tr h="381000">
+                <a:tc>
+                  <a:txBody>
+                    <a:bodyPr/>
+                    <a:lstStyle/>
+                    <a:p>
+                      <a:pPr marL="0" lvl="0" indent="0" algn="l" rtl="0">
+                        <a:spcBef>
+                          <a:spcPts val="0"/>
+                        </a:spcBef>
+                        <a:spcAft>
+                          <a:spcPts val="0"/>
+                        </a:spcAft>
+                        <a:buNone/>
+                      </a:pPr>
+                      <a:r>
+                        <a:rPr lang="en" sz="1800" b="1"/>
+                        <a:t>Test Case</a:t>
+                      </a:r>
+                      <a:endParaRPr sz="1800" b="1"/>
+                    </a:p>
+                  </a:txBody>
+                  <a:tcPr marL="91425" marR="91425" marT="91425" marB="91425">
+                    <a:solidFill>
+                      <a:srgbClr val="CCCCCC"/>
+                    </a:solidFill>
+                  </a:tcPr>
+                </a:tc>
+                <a:tc>
+                  <a:txBody>
+                    <a:bodyPr/>
+                    <a:lstStyle/>
+                    <a:p>
+                      <a:pPr marL="0" lvl="0" indent="0" algn="l" rtl="0">
+                        <a:spcBef>
+                          <a:spcPts val="0"/>
+                        </a:spcBef>
+                        <a:spcAft>
+                          <a:spcPts val="0"/>
+                        </a:spcAft>
+                        <a:buNone/>
+                      </a:pPr>
+                      <a:r>
+                        <a:rPr lang="en" sz="1800" b="1"/>
+                        <a:t>Expected Values</a:t>
+                      </a:r>
+                      <a:endParaRPr sz="1800" b="1"/>
+                    </a:p>
+                  </a:txBody>
+                  <a:tcPr marL="91425" marR="91425" marT="91425" marB="91425">
+                    <a:solidFill>
+                      <a:srgbClr val="CCCCCC"/>
+                    </a:solidFill>
+                  </a:tcPr>
+                </a:tc>
+                <a:extLst>
+                  <a:ext uri="{0D108BD9-81ED-4DB2-BD59-A6C34878D82A}">
+                    <a16:rowId xmlns:a16="http://schemas.microsoft.com/office/drawing/2014/main" val="10000"/>
+                  </a:ext>
+                </a:extLst>
+              </a:tr>
+              <a:tr h="396200">
+                <a:tc>
+                  <a:txBody>
+                    <a:bodyPr/>
+                    <a:lstStyle/>
+                    <a:p>
+                      <a:pPr marL="0" lvl="0" indent="0" algn="l" rtl="0">
+                        <a:spcBef>
+                          <a:spcPts val="0"/>
+                        </a:spcBef>
+                        <a:spcAft>
+                          <a:spcPts val="0"/>
+                        </a:spcAft>
+                        <a:buNone/>
+                      </a:pPr>
+                      <a:r>
+                        <a:rPr lang="en-NZ" sz="1800" dirty="0"/>
+                        <a:t>Print Program</a:t>
+                      </a:r>
+                      <a:endParaRPr sz="1800" dirty="0"/>
+                    </a:p>
+                  </a:txBody>
+                  <a:tcPr marL="91425" marR="91425" marT="91425" marB="91425"/>
+                </a:tc>
+                <a:tc>
+                  <a:txBody>
+                    <a:bodyPr/>
+                    <a:lstStyle/>
+                    <a:p>
+                      <a:pPr marL="0" lvl="0" indent="0" algn="l" rtl="0">
+                        <a:spcBef>
+                          <a:spcPts val="0"/>
+                        </a:spcBef>
+                        <a:spcAft>
+                          <a:spcPts val="0"/>
+                        </a:spcAft>
+                        <a:buNone/>
+                      </a:pPr>
+                      <a:r>
+                        <a:rPr lang="en-NZ" sz="1800" dirty="0"/>
+                        <a:t>Print welcome message with random name from list of names—runs correctly</a:t>
+                      </a:r>
+                    </a:p>
+                  </a:txBody>
+                  <a:tcPr marL="91425" marR="91425" marT="91425" marB="91425"/>
+                </a:tc>
+                <a:extLst>
+                  <a:ext uri="{0D108BD9-81ED-4DB2-BD59-A6C34878D82A}">
+                    <a16:rowId xmlns:a16="http://schemas.microsoft.com/office/drawing/2014/main" val="10001"/>
+                  </a:ext>
+                </a:extLst>
+              </a:tr>
+            </a:tbl>
+          </a:graphicData>
+        </a:graphic>
+      </p:graphicFrame>
+      <p:pic>
+        <p:nvPicPr>
+          <p:cNvPr id="3" name="Picture 2">
+            <a:extLst>
+              <a:ext uri="{FF2B5EF4-FFF2-40B4-BE49-F238E27FC236}">
+                <a16:creationId xmlns:a16="http://schemas.microsoft.com/office/drawing/2014/main" id="{370C1AE2-A99E-43E4-8411-7F337E61E7BF}"/>
+              </a:ext>
+            </a:extLst>
+          </p:cNvPr>
+          <p:cNvPicPr>
+            <a:picLocks noChangeAspect="1"/>
+          </p:cNvPicPr>
+          <p:nvPr/>
+        </p:nvPicPr>
+        <p:blipFill>
+          <a:blip r:embed="rId3"/>
+          <a:stretch>
+            <a:fillRect/>
+          </a:stretch>
+        </p:blipFill>
+        <p:spPr>
+          <a:xfrm>
+            <a:off x="382475" y="2687116"/>
+            <a:ext cx="5579005" cy="2222294"/>
+          </a:xfrm>
+          <a:prstGeom prst="rect">
+            <a:avLst/>
+          </a:prstGeom>
+        </p:spPr>
+      </p:pic>
+      <p:pic>
+        <p:nvPicPr>
+          <p:cNvPr id="5" name="Picture 4">
+            <a:extLst>
+              <a:ext uri="{FF2B5EF4-FFF2-40B4-BE49-F238E27FC236}">
+                <a16:creationId xmlns:a16="http://schemas.microsoft.com/office/drawing/2014/main" id="{465EC0DC-0CEF-4915-AE4B-42C7FBB37F30}"/>
+              </a:ext>
+            </a:extLst>
+          </p:cNvPr>
+          <p:cNvPicPr>
+            <a:picLocks noChangeAspect="1"/>
+          </p:cNvPicPr>
+          <p:nvPr/>
+        </p:nvPicPr>
+        <p:blipFill>
+          <a:blip r:embed="rId4"/>
+          <a:stretch>
+            <a:fillRect/>
+          </a:stretch>
+        </p:blipFill>
+        <p:spPr>
+          <a:xfrm>
+            <a:off x="4515293" y="3798263"/>
+            <a:ext cx="3847581" cy="752251"/>
+          </a:xfrm>
+          <a:prstGeom prst="rect">
+            <a:avLst/>
+          </a:prstGeom>
+        </p:spPr>
+      </p:pic>
+    </p:spTree>
+  </p:cSld>
+  <p:clrMapOvr>
+    <a:masterClrMapping/>
+  </p:clrMapOvr>
+</p:sld>
+</file>
+
+<file path=ppt/slides/slide6.xml><?xml version="1.0" encoding="utf-8"?>
+<p:sld xmlns:a="http://schemas.openxmlformats.org/drawingml/2006/main" xmlns:r="http://schemas.openxmlformats.org/officeDocument/2006/relationships" xmlns:p="http://schemas.openxmlformats.org/presentationml/2006/main">
+  <p:cSld>
+    <p:bg>
+      <p:bgPr>
+        <a:solidFill>
+          <a:srgbClr val="D9EAD3"/>
+        </a:solidFill>
+        <a:effectLst/>
+      </p:bgPr>
+    </p:bg>
+    <p:spTree>
+      <p:nvGrpSpPr>
+        <p:cNvPr id="1" name="Shape 72"/>
+        <p:cNvGrpSpPr/>
+        <p:nvPr/>
+      </p:nvGrpSpPr>
+      <p:grpSpPr>
+        <a:xfrm>
+          <a:off x="0" y="0"/>
+          <a:ext cx="0" cy="0"/>
+          <a:chOff x="0" y="0"/>
+          <a:chExt cx="0" cy="0"/>
+        </a:xfrm>
+      </p:grpSpPr>
+      <p:sp>
+        <p:nvSpPr>
+          <p:cNvPr id="73" name="Google Shape;73;p16"/>
+          <p:cNvSpPr txBox="1">
+            <a:spLocks noGrp="1"/>
+          </p:cNvSpPr>
+          <p:nvPr>
+            <p:ph type="title"/>
+          </p:nvPr>
+        </p:nvSpPr>
+        <p:spPr>
+          <a:xfrm>
+            <a:off x="311700" y="445025"/>
+            <a:ext cx="8520600" cy="572700"/>
+          </a:xfrm>
+          <a:prstGeom prst="rect">
+            <a:avLst/>
+          </a:prstGeom>
+        </p:spPr>
+        <p:txBody>
+          <a:bodyPr spcFirstLastPara="1" wrap="square" lIns="91425" tIns="91425" rIns="91425" bIns="91425" anchor="t" anchorCtr="0">
+            <a:noAutofit/>
+          </a:bodyPr>
+          <a:lstStyle/>
+          <a:p>
+            <a:pPr marL="0" lvl="0" indent="0" algn="l" rtl="0">
+              <a:spcBef>
+                <a:spcPts val="0"/>
+              </a:spcBef>
+              <a:spcAft>
+                <a:spcPts val="0"/>
+              </a:spcAft>
+              <a:buNone/>
+            </a:pPr>
+            <a:r>
+              <a:rPr lang="en" dirty="0"/>
+              <a:t>Component 2 (Trello screenshot)</a:t>
+            </a:r>
+            <a:endParaRPr dirty="0"/>
+          </a:p>
+        </p:txBody>
+      </p:sp>
+    </p:spTree>
+    <p:extLst>
+      <p:ext uri="{BB962C8B-B14F-4D97-AF65-F5344CB8AC3E}">
+        <p14:creationId xmlns:p14="http://schemas.microsoft.com/office/powerpoint/2010/main" val="7398528"/>
+      </p:ext>
+    </p:extLst>
+  </p:cSld>
+  <p:clrMapOvr>
+    <a:masterClrMapping/>
+  </p:clrMapOvr>
+</p:sld>
+</file>
+
+<file path=ppt/slides/slide7.xml><?xml version="1.0" encoding="utf-8"?>
+<p:sld xmlns:a="http://schemas.openxmlformats.org/drawingml/2006/main" xmlns:r="http://schemas.openxmlformats.org/officeDocument/2006/relationships" xmlns:p="http://schemas.openxmlformats.org/presentationml/2006/main">
+  <p:cSld>
+    <p:spTree>
+      <p:nvGrpSpPr>
+        <p:cNvPr id="1" name="Shape 77"/>
+        <p:cNvGrpSpPr/>
+        <p:nvPr/>
+      </p:nvGrpSpPr>
+      <p:grpSpPr>
+        <a:xfrm>
+          <a:off x="0" y="0"/>
+          <a:ext cx="0" cy="0"/>
+          <a:chOff x="0" y="0"/>
+          <a:chExt cx="0" cy="0"/>
+        </a:xfrm>
+      </p:grpSpPr>
+      <p:sp>
+        <p:nvSpPr>
+          <p:cNvPr id="78" name="Google Shape;78;p17"/>
+          <p:cNvSpPr txBox="1">
+            <a:spLocks noGrp="1"/>
+          </p:cNvSpPr>
+          <p:nvPr>
+            <p:ph type="title"/>
+          </p:nvPr>
+        </p:nvSpPr>
+        <p:spPr>
+          <a:xfrm>
+            <a:off x="311700" y="445025"/>
+            <a:ext cx="8520600" cy="572700"/>
+          </a:xfrm>
+          <a:prstGeom prst="rect">
+            <a:avLst/>
+          </a:prstGeom>
+        </p:spPr>
+        <p:txBody>
+          <a:bodyPr spcFirstLastPara="1" wrap="square" lIns="91425" tIns="91425" rIns="91425" bIns="91425" anchor="t" anchorCtr="0">
+            <a:noAutofit/>
+          </a:bodyPr>
+          <a:lstStyle/>
+          <a:p>
+            <a:pPr marL="0" lvl="0" indent="0" algn="l" rtl="0">
+              <a:spcBef>
+                <a:spcPts val="0"/>
+              </a:spcBef>
+              <a:spcAft>
+                <a:spcPts val="0"/>
+              </a:spcAft>
+              <a:buNone/>
+            </a:pPr>
+            <a:r>
+              <a:rPr lang="en" dirty="0"/>
+              <a:t>Component 2 - Test Plan (and screenshot)</a:t>
+            </a:r>
+            <a:endParaRPr dirty="0"/>
           </a:p>
         </p:txBody>
       </p:sp>
@@ -7061,6 +7700,11 @@
         </a:graphic>
       </p:graphicFrame>
     </p:spTree>
+    <p:extLst>
+      <p:ext uri="{BB962C8B-B14F-4D97-AF65-F5344CB8AC3E}">
+        <p14:creationId xmlns:p14="http://schemas.microsoft.com/office/powerpoint/2010/main" val="544123854"/>
+      </p:ext>
+    </p:extLst>
   </p:cSld>
   <p:clrMapOvr>
     <a:masterClrMapping/>
@@ -7068,7 +7712,7 @@
 </p:sld>
 </file>
 
-<file path=ppt/slides/slide6.xml><?xml version="1.0" encoding="utf-8"?>
+<file path=ppt/slides/slide8.xml><?xml version="1.0" encoding="utf-8"?>
 <p:sld xmlns:a="http://schemas.openxmlformats.org/drawingml/2006/main" xmlns:r="http://schemas.openxmlformats.org/officeDocument/2006/relationships" xmlns:p="http://schemas.openxmlformats.org/presentationml/2006/main">
   <p:cSld>
     <p:bg>
@@ -7185,7 +7829,7 @@
 </p:sld>
 </file>
 
-<file path=ppt/slides/slide7.xml><?xml version="1.0" encoding="utf-8"?>
+<file path=ppt/slides/slide9.xml><?xml version="1.0" encoding="utf-8"?>
 <p:sld xmlns:a="http://schemas.openxmlformats.org/drawingml/2006/main" xmlns:r="http://schemas.openxmlformats.org/officeDocument/2006/relationships" xmlns:p="http://schemas.openxmlformats.org/presentationml/2006/main">
   <p:cSld>
     <p:bg>

--- a/022_91893+_+91897+Documentation.pptx
+++ b/022_91893+_+91897+Documentation.pptx
@@ -5,7 +5,7 @@
     <p:sldMasterId id="2147483659" r:id="rId1"/>
   </p:sldMasterIdLst>
   <p:notesMasterIdLst>
-    <p:notesMasterId r:id="rId11"/>
+    <p:notesMasterId r:id="rId12"/>
   </p:notesMasterIdLst>
   <p:sldIdLst>
     <p:sldId id="256" r:id="rId2"/>
@@ -13,10 +13,11 @@
     <p:sldId id="258" r:id="rId4"/>
     <p:sldId id="259" r:id="rId5"/>
     <p:sldId id="260" r:id="rId6"/>
-    <p:sldId id="263" r:id="rId7"/>
-    <p:sldId id="264" r:id="rId8"/>
-    <p:sldId id="261" r:id="rId9"/>
-    <p:sldId id="262" r:id="rId10"/>
+    <p:sldId id="265" r:id="rId7"/>
+    <p:sldId id="263" r:id="rId8"/>
+    <p:sldId id="264" r:id="rId9"/>
+    <p:sldId id="261" r:id="rId10"/>
+    <p:sldId id="262" r:id="rId11"/>
   </p:sldIdLst>
   <p:sldSz cx="9144000" cy="5143500" type="screen16x9"/>
   <p:notesSz cx="6858000" cy="9144000"/>
@@ -821,6 +822,114 @@
 </p:notes>
 </file>
 
+<file path=ppt/notesSlides/notesSlide10.xml><?xml version="1.0" encoding="utf-8"?>
+<p:notes xmlns:a="http://schemas.openxmlformats.org/drawingml/2006/main" xmlns:r="http://schemas.openxmlformats.org/officeDocument/2006/relationships" xmlns:p="http://schemas.openxmlformats.org/presentationml/2006/main" showMasterSp="0" showMasterPhAnim="0">
+  <p:cSld>
+    <p:spTree>
+      <p:nvGrpSpPr>
+        <p:cNvPr id="1" name="Shape 86"/>
+        <p:cNvGrpSpPr/>
+        <p:nvPr/>
+      </p:nvGrpSpPr>
+      <p:grpSpPr>
+        <a:xfrm>
+          <a:off x="0" y="0"/>
+          <a:ext cx="0" cy="0"/>
+          <a:chOff x="0" y="0"/>
+          <a:chExt cx="0" cy="0"/>
+        </a:xfrm>
+      </p:grpSpPr>
+      <p:sp>
+        <p:nvSpPr>
+          <p:cNvPr id="87" name="Google Shape;87;gac10fef634_0_30:notes"/>
+          <p:cNvSpPr>
+            <a:spLocks noGrp="1" noRot="1" noChangeAspect="1"/>
+          </p:cNvSpPr>
+          <p:nvPr>
+            <p:ph type="sldImg" idx="2"/>
+          </p:nvPr>
+        </p:nvSpPr>
+        <p:spPr>
+          <a:xfrm>
+            <a:off x="381000" y="685800"/>
+            <a:ext cx="6096000" cy="3429000"/>
+          </a:xfrm>
+          <a:custGeom>
+            <a:avLst/>
+            <a:gdLst/>
+            <a:ahLst/>
+            <a:cxnLst/>
+            <a:rect l="l" t="t" r="r" b="b"/>
+            <a:pathLst>
+              <a:path w="120000" h="120000" extrusionOk="0">
+                <a:moveTo>
+                  <a:pt x="0" y="0"/>
+                </a:moveTo>
+                <a:lnTo>
+                  <a:pt x="120000" y="0"/>
+                </a:lnTo>
+                <a:lnTo>
+                  <a:pt x="120000" y="120000"/>
+                </a:lnTo>
+                <a:lnTo>
+                  <a:pt x="0" y="120000"/>
+                </a:lnTo>
+                <a:close/>
+              </a:path>
+            </a:pathLst>
+          </a:custGeom>
+        </p:spPr>
+      </p:sp>
+      <p:sp>
+        <p:nvSpPr>
+          <p:cNvPr id="88" name="Google Shape;88;gac10fef634_0_30:notes"/>
+          <p:cNvSpPr txBox="1">
+            <a:spLocks noGrp="1"/>
+          </p:cNvSpPr>
+          <p:nvPr>
+            <p:ph type="body" idx="1"/>
+          </p:nvPr>
+        </p:nvSpPr>
+        <p:spPr>
+          <a:xfrm>
+            <a:off x="685800" y="4343400"/>
+            <a:ext cx="5486400" cy="4114800"/>
+          </a:xfrm>
+          <a:prstGeom prst="rect">
+            <a:avLst/>
+          </a:prstGeom>
+        </p:spPr>
+        <p:txBody>
+          <a:bodyPr spcFirstLastPara="1" wrap="square" lIns="91425" tIns="91425" rIns="91425" bIns="91425" anchor="t" anchorCtr="0">
+            <a:noAutofit/>
+          </a:bodyPr>
+          <a:lstStyle/>
+          <a:p>
+            <a:pPr marL="0" lvl="0" indent="0" algn="l" rtl="0">
+              <a:spcBef>
+                <a:spcPts val="0"/>
+              </a:spcBef>
+              <a:spcAft>
+                <a:spcPts val="0"/>
+              </a:spcAft>
+              <a:buNone/>
+            </a:pPr>
+            <a:r>
+              <a:rPr lang="en"/>
+              <a:t>Discusses how the information from planning, testing and trialling of components assisted in the development of a high-quality outcome</a:t>
+            </a:r>
+            <a:endParaRPr/>
+          </a:p>
+        </p:txBody>
+      </p:sp>
+    </p:spTree>
+  </p:cSld>
+  <p:clrMapOvr>
+    <a:masterClrMapping/>
+  </p:clrMapOvr>
+</p:notes>
+</file>
+
 <file path=ppt/notesSlides/notesSlide2.xml><?xml version="1.0" encoding="utf-8"?>
 <p:notes xmlns:a="http://schemas.openxmlformats.org/drawingml/2006/main" xmlns:r="http://schemas.openxmlformats.org/officeDocument/2006/relationships" xmlns:p="http://schemas.openxmlformats.org/presentationml/2006/main" showMasterSp="0" showMasterPhAnim="0">
   <p:cSld>
@@ -1267,6 +1376,115 @@
   <p:cSld>
     <p:spTree>
       <p:nvGrpSpPr>
+        <p:cNvPr id="1" name="Shape 74"/>
+        <p:cNvGrpSpPr/>
+        <p:nvPr/>
+      </p:nvGrpSpPr>
+      <p:grpSpPr>
+        <a:xfrm>
+          <a:off x="0" y="0"/>
+          <a:ext cx="0" cy="0"/>
+          <a:chOff x="0" y="0"/>
+          <a:chExt cx="0" cy="0"/>
+        </a:xfrm>
+      </p:grpSpPr>
+      <p:sp>
+        <p:nvSpPr>
+          <p:cNvPr id="75" name="Google Shape;75;gac10fef634_0_20:notes"/>
+          <p:cNvSpPr>
+            <a:spLocks noGrp="1" noRot="1" noChangeAspect="1"/>
+          </p:cNvSpPr>
+          <p:nvPr>
+            <p:ph type="sldImg" idx="2"/>
+          </p:nvPr>
+        </p:nvSpPr>
+        <p:spPr>
+          <a:xfrm>
+            <a:off x="381000" y="685800"/>
+            <a:ext cx="6096000" cy="3429000"/>
+          </a:xfrm>
+          <a:custGeom>
+            <a:avLst/>
+            <a:gdLst/>
+            <a:ahLst/>
+            <a:cxnLst/>
+            <a:rect l="l" t="t" r="r" b="b"/>
+            <a:pathLst>
+              <a:path w="120000" h="120000" extrusionOk="0">
+                <a:moveTo>
+                  <a:pt x="0" y="0"/>
+                </a:moveTo>
+                <a:lnTo>
+                  <a:pt x="120000" y="0"/>
+                </a:lnTo>
+                <a:lnTo>
+                  <a:pt x="120000" y="120000"/>
+                </a:lnTo>
+                <a:lnTo>
+                  <a:pt x="0" y="120000"/>
+                </a:lnTo>
+                <a:close/>
+              </a:path>
+            </a:pathLst>
+          </a:custGeom>
+        </p:spPr>
+      </p:sp>
+      <p:sp>
+        <p:nvSpPr>
+          <p:cNvPr id="76" name="Google Shape;76;gac10fef634_0_20:notes"/>
+          <p:cNvSpPr txBox="1">
+            <a:spLocks noGrp="1"/>
+          </p:cNvSpPr>
+          <p:nvPr>
+            <p:ph type="body" idx="1"/>
+          </p:nvPr>
+        </p:nvSpPr>
+        <p:spPr>
+          <a:xfrm>
+            <a:off x="685800" y="4343400"/>
+            <a:ext cx="5486400" cy="4114800"/>
+          </a:xfrm>
+          <a:prstGeom prst="rect">
+            <a:avLst/>
+          </a:prstGeom>
+        </p:spPr>
+        <p:txBody>
+          <a:bodyPr spcFirstLastPara="1" wrap="square" lIns="91425" tIns="91425" rIns="91425" bIns="91425" anchor="t" anchorCtr="0">
+            <a:noAutofit/>
+          </a:bodyPr>
+          <a:lstStyle/>
+          <a:p>
+            <a:pPr marL="0" lvl="0" indent="0" algn="l" rtl="0">
+              <a:spcBef>
+                <a:spcPts val="0"/>
+              </a:spcBef>
+              <a:spcAft>
+                <a:spcPts val="0"/>
+              </a:spcAft>
+              <a:buNone/>
+            </a:pPr>
+            <a:endParaRPr/>
+          </a:p>
+        </p:txBody>
+      </p:sp>
+    </p:spTree>
+    <p:extLst>
+      <p:ext uri="{BB962C8B-B14F-4D97-AF65-F5344CB8AC3E}">
+        <p14:creationId xmlns:p14="http://schemas.microsoft.com/office/powerpoint/2010/main" val="604057595"/>
+      </p:ext>
+    </p:extLst>
+  </p:cSld>
+  <p:clrMapOvr>
+    <a:masterClrMapping/>
+  </p:clrMapOvr>
+</p:notes>
+</file>
+
+<file path=ppt/notesSlides/notesSlide7.xml><?xml version="1.0" encoding="utf-8"?>
+<p:notes xmlns:a="http://schemas.openxmlformats.org/drawingml/2006/main" xmlns:r="http://schemas.openxmlformats.org/officeDocument/2006/relationships" xmlns:p="http://schemas.openxmlformats.org/presentationml/2006/main" showMasterSp="0" showMasterPhAnim="0">
+  <p:cSld>
+    <p:spTree>
+      <p:nvGrpSpPr>
         <p:cNvPr id="1" name="Shape 69"/>
         <p:cNvGrpSpPr/>
         <p:nvPr/>
@@ -1371,7 +1589,7 @@
 </p:notes>
 </file>
 
-<file path=ppt/notesSlides/notesSlide7.xml><?xml version="1.0" encoding="utf-8"?>
+<file path=ppt/notesSlides/notesSlide8.xml><?xml version="1.0" encoding="utf-8"?>
 <p:notes xmlns:a="http://schemas.openxmlformats.org/drawingml/2006/main" xmlns:r="http://schemas.openxmlformats.org/officeDocument/2006/relationships" xmlns:p="http://schemas.openxmlformats.org/presentationml/2006/main" showMasterSp="0" showMasterPhAnim="0">
   <p:cSld>
     <p:spTree>
@@ -1480,7 +1698,7 @@
 </p:notes>
 </file>
 
-<file path=ppt/notesSlides/notesSlide8.xml><?xml version="1.0" encoding="utf-8"?>
+<file path=ppt/notesSlides/notesSlide9.xml><?xml version="1.0" encoding="utf-8"?>
 <p:notes xmlns:a="http://schemas.openxmlformats.org/drawingml/2006/main" xmlns:r="http://schemas.openxmlformats.org/officeDocument/2006/relationships" xmlns:p="http://schemas.openxmlformats.org/presentationml/2006/main" showMasterSp="0" showMasterPhAnim="0">
   <p:cSld>
     <p:spTree>
@@ -1593,114 +1811,6 @@
               </a:spcAft>
               <a:buNone/>
             </a:pPr>
-            <a:endParaRPr/>
-          </a:p>
-        </p:txBody>
-      </p:sp>
-    </p:spTree>
-  </p:cSld>
-  <p:clrMapOvr>
-    <a:masterClrMapping/>
-  </p:clrMapOvr>
-</p:notes>
-</file>
-
-<file path=ppt/notesSlides/notesSlide9.xml><?xml version="1.0" encoding="utf-8"?>
-<p:notes xmlns:a="http://schemas.openxmlformats.org/drawingml/2006/main" xmlns:r="http://schemas.openxmlformats.org/officeDocument/2006/relationships" xmlns:p="http://schemas.openxmlformats.org/presentationml/2006/main" showMasterSp="0" showMasterPhAnim="0">
-  <p:cSld>
-    <p:spTree>
-      <p:nvGrpSpPr>
-        <p:cNvPr id="1" name="Shape 86"/>
-        <p:cNvGrpSpPr/>
-        <p:nvPr/>
-      </p:nvGrpSpPr>
-      <p:grpSpPr>
-        <a:xfrm>
-          <a:off x="0" y="0"/>
-          <a:ext cx="0" cy="0"/>
-          <a:chOff x="0" y="0"/>
-          <a:chExt cx="0" cy="0"/>
-        </a:xfrm>
-      </p:grpSpPr>
-      <p:sp>
-        <p:nvSpPr>
-          <p:cNvPr id="87" name="Google Shape;87;gac10fef634_0_30:notes"/>
-          <p:cNvSpPr>
-            <a:spLocks noGrp="1" noRot="1" noChangeAspect="1"/>
-          </p:cNvSpPr>
-          <p:nvPr>
-            <p:ph type="sldImg" idx="2"/>
-          </p:nvPr>
-        </p:nvSpPr>
-        <p:spPr>
-          <a:xfrm>
-            <a:off x="381000" y="685800"/>
-            <a:ext cx="6096000" cy="3429000"/>
-          </a:xfrm>
-          <a:custGeom>
-            <a:avLst/>
-            <a:gdLst/>
-            <a:ahLst/>
-            <a:cxnLst/>
-            <a:rect l="l" t="t" r="r" b="b"/>
-            <a:pathLst>
-              <a:path w="120000" h="120000" extrusionOk="0">
-                <a:moveTo>
-                  <a:pt x="0" y="0"/>
-                </a:moveTo>
-                <a:lnTo>
-                  <a:pt x="120000" y="0"/>
-                </a:lnTo>
-                <a:lnTo>
-                  <a:pt x="120000" y="120000"/>
-                </a:lnTo>
-                <a:lnTo>
-                  <a:pt x="0" y="120000"/>
-                </a:lnTo>
-                <a:close/>
-              </a:path>
-            </a:pathLst>
-          </a:custGeom>
-        </p:spPr>
-      </p:sp>
-      <p:sp>
-        <p:nvSpPr>
-          <p:cNvPr id="88" name="Google Shape;88;gac10fef634_0_30:notes"/>
-          <p:cNvSpPr txBox="1">
-            <a:spLocks noGrp="1"/>
-          </p:cNvSpPr>
-          <p:nvPr>
-            <p:ph type="body" idx="1"/>
-          </p:nvPr>
-        </p:nvSpPr>
-        <p:spPr>
-          <a:xfrm>
-            <a:off x="685800" y="4343400"/>
-            <a:ext cx="5486400" cy="4114800"/>
-          </a:xfrm>
-          <a:prstGeom prst="rect">
-            <a:avLst/>
-          </a:prstGeom>
-        </p:spPr>
-        <p:txBody>
-          <a:bodyPr spcFirstLastPara="1" wrap="square" lIns="91425" tIns="91425" rIns="91425" bIns="91425" anchor="t" anchorCtr="0">
-            <a:noAutofit/>
-          </a:bodyPr>
-          <a:lstStyle/>
-          <a:p>
-            <a:pPr marL="0" lvl="0" indent="0" algn="l" rtl="0">
-              <a:spcBef>
-                <a:spcPts val="0"/>
-              </a:spcBef>
-              <a:spcAft>
-                <a:spcPts val="0"/>
-              </a:spcAft>
-              <a:buNone/>
-            </a:pPr>
-            <a:r>
-              <a:rPr lang="en"/>
-              <a:t>Discusses how the information from planning, testing and trialling of components assisted in the development of a high-quality outcome</a:t>
-            </a:r>
             <a:endParaRPr/>
           </a:p>
         </p:txBody>
@@ -6724,6 +6834,85 @@
 </p:sld>
 </file>
 
+<file path=ppt/slides/slide10.xml><?xml version="1.0" encoding="utf-8"?>
+<p:sld xmlns:a="http://schemas.openxmlformats.org/drawingml/2006/main" xmlns:r="http://schemas.openxmlformats.org/officeDocument/2006/relationships" xmlns:p="http://schemas.openxmlformats.org/presentationml/2006/main">
+  <p:cSld>
+    <p:bg>
+      <p:bgPr>
+        <a:solidFill>
+          <a:srgbClr val="FFE599"/>
+        </a:solidFill>
+        <a:effectLst/>
+      </p:bgPr>
+    </p:bg>
+    <p:spTree>
+      <p:nvGrpSpPr>
+        <p:cNvPr id="1" name="Shape 89"/>
+        <p:cNvGrpSpPr/>
+        <p:nvPr/>
+      </p:nvGrpSpPr>
+      <p:grpSpPr>
+        <a:xfrm>
+          <a:off x="0" y="0"/>
+          <a:ext cx="0" cy="0"/>
+          <a:chOff x="0" y="0"/>
+          <a:chExt cx="0" cy="0"/>
+        </a:xfrm>
+      </p:grpSpPr>
+      <p:sp>
+        <p:nvSpPr>
+          <p:cNvPr id="90" name="Google Shape;90;p19"/>
+          <p:cNvSpPr txBox="1">
+            <a:spLocks noGrp="1"/>
+          </p:cNvSpPr>
+          <p:nvPr>
+            <p:ph type="body" idx="1"/>
+          </p:nvPr>
+        </p:nvSpPr>
+        <p:spPr>
+          <a:xfrm>
+            <a:off x="311700" y="397700"/>
+            <a:ext cx="8520600" cy="4171200"/>
+          </a:xfrm>
+          <a:prstGeom prst="rect">
+            <a:avLst/>
+          </a:prstGeom>
+        </p:spPr>
+        <p:txBody>
+          <a:bodyPr spcFirstLastPara="1" wrap="square" lIns="91425" tIns="91425" rIns="91425" bIns="91425" anchor="t" anchorCtr="0">
+            <a:noAutofit/>
+          </a:bodyPr>
+          <a:lstStyle/>
+          <a:p>
+            <a:pPr marL="0" lvl="0" indent="0" algn="l" rtl="0">
+              <a:spcBef>
+                <a:spcPts val="0"/>
+              </a:spcBef>
+              <a:spcAft>
+                <a:spcPts val="1600"/>
+              </a:spcAft>
+              <a:buNone/>
+            </a:pPr>
+            <a:r>
+              <a:rPr lang="en" b="1" i="1">
+                <a:solidFill>
+                  <a:srgbClr val="595959"/>
+                </a:solidFill>
+              </a:rPr>
+              <a:t>Discusses how the information from planning, testing and trialling of components assisted in the development of a high-quality outcome</a:t>
+            </a:r>
+            <a:endParaRPr/>
+          </a:p>
+        </p:txBody>
+      </p:sp>
+    </p:spTree>
+  </p:cSld>
+  <p:clrMapOvr>
+    <a:masterClrMapping/>
+  </p:clrMapOvr>
+</p:sld>
+</file>
+
 <file path=ppt/slides/slide2.xml><?xml version="1.0" encoding="utf-8"?>
 <p:sld xmlns:a="http://schemas.openxmlformats.org/drawingml/2006/main" xmlns:r="http://schemas.openxmlformats.org/officeDocument/2006/relationships" xmlns:p="http://schemas.openxmlformats.org/presentationml/2006/main">
   <p:cSld>
@@ -7420,6 +7609,294 @@
 <file path=ppt/slides/slide6.xml><?xml version="1.0" encoding="utf-8"?>
 <p:sld xmlns:a="http://schemas.openxmlformats.org/drawingml/2006/main" xmlns:r="http://schemas.openxmlformats.org/officeDocument/2006/relationships" xmlns:p="http://schemas.openxmlformats.org/presentationml/2006/main">
   <p:cSld>
+    <p:spTree>
+      <p:nvGrpSpPr>
+        <p:cNvPr id="1" name="Shape 77"/>
+        <p:cNvGrpSpPr/>
+        <p:nvPr/>
+      </p:nvGrpSpPr>
+      <p:grpSpPr>
+        <a:xfrm>
+          <a:off x="0" y="0"/>
+          <a:ext cx="0" cy="0"/>
+          <a:chOff x="0" y="0"/>
+          <a:chExt cx="0" cy="0"/>
+        </a:xfrm>
+      </p:grpSpPr>
+      <p:sp>
+        <p:nvSpPr>
+          <p:cNvPr id="78" name="Google Shape;78;p17"/>
+          <p:cNvSpPr txBox="1">
+            <a:spLocks noGrp="1"/>
+          </p:cNvSpPr>
+          <p:nvPr>
+            <p:ph type="title"/>
+          </p:nvPr>
+        </p:nvSpPr>
+        <p:spPr>
+          <a:xfrm>
+            <a:off x="311700" y="445025"/>
+            <a:ext cx="8520600" cy="572700"/>
+          </a:xfrm>
+          <a:prstGeom prst="rect">
+            <a:avLst/>
+          </a:prstGeom>
+        </p:spPr>
+        <p:txBody>
+          <a:bodyPr spcFirstLastPara="1" wrap="square" lIns="91425" tIns="91425" rIns="91425" bIns="91425" anchor="t" anchorCtr="0">
+            <a:noAutofit/>
+          </a:bodyPr>
+          <a:lstStyle/>
+          <a:p>
+            <a:pPr marL="0" lvl="0" indent="0" algn="l" rtl="0">
+              <a:spcBef>
+                <a:spcPts val="0"/>
+              </a:spcBef>
+              <a:spcAft>
+                <a:spcPts val="0"/>
+              </a:spcAft>
+              <a:buNone/>
+            </a:pPr>
+            <a:r>
+              <a:rPr lang="en" dirty="0"/>
+              <a:t>Component 1 v2 - Test Plan (and screenshot)</a:t>
+            </a:r>
+            <a:endParaRPr dirty="0"/>
+          </a:p>
+        </p:txBody>
+      </p:sp>
+      <p:graphicFrame>
+        <p:nvGraphicFramePr>
+          <p:cNvPr id="79" name="Google Shape;79;p17"/>
+          <p:cNvGraphicFramePr/>
+          <p:nvPr>
+            <p:extLst>
+              <p:ext uri="{D42A27DB-BD31-4B8C-83A1-F6EECF244321}">
+                <p14:modId xmlns:p14="http://schemas.microsoft.com/office/powerpoint/2010/main" val="1546857089"/>
+              </p:ext>
+            </p:extLst>
+          </p:nvPr>
+        </p:nvGraphicFramePr>
+        <p:xfrm>
+          <a:off x="382475" y="1267725"/>
+          <a:ext cx="8520600" cy="1462980"/>
+        </p:xfrm>
+        <a:graphic>
+          <a:graphicData uri="http://schemas.openxmlformats.org/drawingml/2006/table">
+            <a:tbl>
+              <a:tblPr>
+                <a:noFill/>
+                <a:tableStyleId>{E1099E06-0E6B-448D-9D27-60429F06E6F4}</a:tableStyleId>
+              </a:tblPr>
+              <a:tblGrid>
+                <a:gridCol w="4260300">
+                  <a:extLst>
+                    <a:ext uri="{9D8B030D-6E8A-4147-A177-3AD203B41FA5}">
+                      <a16:colId xmlns:a16="http://schemas.microsoft.com/office/drawing/2014/main" val="20000"/>
+                    </a:ext>
+                  </a:extLst>
+                </a:gridCol>
+                <a:gridCol w="4260300">
+                  <a:extLst>
+                    <a:ext uri="{9D8B030D-6E8A-4147-A177-3AD203B41FA5}">
+                      <a16:colId xmlns:a16="http://schemas.microsoft.com/office/drawing/2014/main" val="20001"/>
+                    </a:ext>
+                  </a:extLst>
+                </a:gridCol>
+              </a:tblGrid>
+              <a:tr h="381000">
+                <a:tc>
+                  <a:txBody>
+                    <a:bodyPr/>
+                    <a:lstStyle/>
+                    <a:p>
+                      <a:pPr marL="0" lvl="0" indent="0" algn="l" rtl="0">
+                        <a:spcBef>
+                          <a:spcPts val="0"/>
+                        </a:spcBef>
+                        <a:spcAft>
+                          <a:spcPts val="0"/>
+                        </a:spcAft>
+                        <a:buNone/>
+                      </a:pPr>
+                      <a:r>
+                        <a:rPr lang="en" sz="1800" b="1"/>
+                        <a:t>Test Case</a:t>
+                      </a:r>
+                      <a:endParaRPr sz="1800" b="1"/>
+                    </a:p>
+                  </a:txBody>
+                  <a:tcPr marL="91425" marR="91425" marT="91425" marB="91425">
+                    <a:solidFill>
+                      <a:srgbClr val="CCCCCC"/>
+                    </a:solidFill>
+                  </a:tcPr>
+                </a:tc>
+                <a:tc>
+                  <a:txBody>
+                    <a:bodyPr/>
+                    <a:lstStyle/>
+                    <a:p>
+                      <a:pPr marL="0" lvl="0" indent="0" algn="l" rtl="0">
+                        <a:spcBef>
+                          <a:spcPts val="0"/>
+                        </a:spcBef>
+                        <a:spcAft>
+                          <a:spcPts val="0"/>
+                        </a:spcAft>
+                        <a:buNone/>
+                      </a:pPr>
+                      <a:r>
+                        <a:rPr lang="en" sz="1800" b="1"/>
+                        <a:t>Expected Values</a:t>
+                      </a:r>
+                      <a:endParaRPr sz="1800" b="1"/>
+                    </a:p>
+                  </a:txBody>
+                  <a:tcPr marL="91425" marR="91425" marT="91425" marB="91425">
+                    <a:solidFill>
+                      <a:srgbClr val="CCCCCC"/>
+                    </a:solidFill>
+                  </a:tcPr>
+                </a:tc>
+                <a:extLst>
+                  <a:ext uri="{0D108BD9-81ED-4DB2-BD59-A6C34878D82A}">
+                    <a16:rowId xmlns:a16="http://schemas.microsoft.com/office/drawing/2014/main" val="10000"/>
+                  </a:ext>
+                </a:extLst>
+              </a:tr>
+              <a:tr h="396200">
+                <a:tc>
+                  <a:txBody>
+                    <a:bodyPr/>
+                    <a:lstStyle/>
+                    <a:p>
+                      <a:pPr marL="0" lvl="0" indent="0" algn="l" rtl="0">
+                        <a:spcBef>
+                          <a:spcPts val="0"/>
+                        </a:spcBef>
+                        <a:spcAft>
+                          <a:spcPts val="0"/>
+                        </a:spcAft>
+                        <a:buNone/>
+                      </a:pPr>
+                      <a:r>
+                        <a:rPr lang="en-NZ" sz="1800" dirty="0"/>
+                        <a:t>Print Program</a:t>
+                      </a:r>
+                      <a:endParaRPr sz="1800" dirty="0"/>
+                    </a:p>
+                  </a:txBody>
+                  <a:tcPr marL="91425" marR="91425" marT="91425" marB="91425"/>
+                </a:tc>
+                <a:tc>
+                  <a:txBody>
+                    <a:bodyPr/>
+                    <a:lstStyle/>
+                    <a:p>
+                      <a:pPr marL="0" lvl="0" indent="0" algn="l" rtl="0">
+                        <a:spcBef>
+                          <a:spcPts val="0"/>
+                        </a:spcBef>
+                        <a:spcAft>
+                          <a:spcPts val="0"/>
+                        </a:spcAft>
+                        <a:buNone/>
+                      </a:pPr>
+                      <a:r>
+                        <a:rPr lang="en-NZ" sz="1800" dirty="0"/>
+                        <a:t>Main and welcome message run correctly. Welcome message runs with random name.</a:t>
+                      </a:r>
+                    </a:p>
+                  </a:txBody>
+                  <a:tcPr marL="91425" marR="91425" marT="91425" marB="91425"/>
+                </a:tc>
+                <a:extLst>
+                  <a:ext uri="{0D108BD9-81ED-4DB2-BD59-A6C34878D82A}">
+                    <a16:rowId xmlns:a16="http://schemas.microsoft.com/office/drawing/2014/main" val="10001"/>
+                  </a:ext>
+                </a:extLst>
+              </a:tr>
+            </a:tbl>
+          </a:graphicData>
+        </a:graphic>
+      </p:graphicFrame>
+      <p:pic>
+        <p:nvPicPr>
+          <p:cNvPr id="4" name="Picture 3">
+            <a:extLst>
+              <a:ext uri="{FF2B5EF4-FFF2-40B4-BE49-F238E27FC236}">
+                <a16:creationId xmlns:a16="http://schemas.microsoft.com/office/drawing/2014/main" id="{82134D7E-B319-43A6-B718-A59A042BD4E5}"/>
+              </a:ext>
+            </a:extLst>
+          </p:cNvPr>
+          <p:cNvPicPr>
+            <a:picLocks noChangeAspect="1"/>
+          </p:cNvPicPr>
+          <p:nvPr/>
+        </p:nvPicPr>
+        <p:blipFill>
+          <a:blip r:embed="rId3"/>
+          <a:stretch>
+            <a:fillRect/>
+          </a:stretch>
+        </p:blipFill>
+        <p:spPr>
+          <a:xfrm>
+            <a:off x="5961321" y="2827870"/>
+            <a:ext cx="2941754" cy="2209406"/>
+          </a:xfrm>
+          <a:prstGeom prst="rect">
+            <a:avLst/>
+          </a:prstGeom>
+        </p:spPr>
+      </p:pic>
+      <p:pic>
+        <p:nvPicPr>
+          <p:cNvPr id="7" name="Picture 6">
+            <a:extLst>
+              <a:ext uri="{FF2B5EF4-FFF2-40B4-BE49-F238E27FC236}">
+                <a16:creationId xmlns:a16="http://schemas.microsoft.com/office/drawing/2014/main" id="{6A166EDE-7685-4A85-A33B-EFAE452FD0FB}"/>
+              </a:ext>
+            </a:extLst>
+          </p:cNvPr>
+          <p:cNvPicPr>
+            <a:picLocks noChangeAspect="1"/>
+          </p:cNvPicPr>
+          <p:nvPr/>
+        </p:nvPicPr>
+        <p:blipFill>
+          <a:blip r:embed="rId4"/>
+          <a:stretch>
+            <a:fillRect/>
+          </a:stretch>
+        </p:blipFill>
+        <p:spPr>
+          <a:xfrm>
+            <a:off x="382475" y="2829400"/>
+            <a:ext cx="5156024" cy="2182444"/>
+          </a:xfrm>
+          <a:prstGeom prst="rect">
+            <a:avLst/>
+          </a:prstGeom>
+        </p:spPr>
+      </p:pic>
+    </p:spTree>
+    <p:extLst>
+      <p:ext uri="{BB962C8B-B14F-4D97-AF65-F5344CB8AC3E}">
+        <p14:creationId xmlns:p14="http://schemas.microsoft.com/office/powerpoint/2010/main" val="2011143989"/>
+      </p:ext>
+    </p:extLst>
+  </p:cSld>
+  <p:clrMapOvr>
+    <a:masterClrMapping/>
+  </p:clrMapOvr>
+</p:sld>
+</file>
+
+<file path=ppt/slides/slide7.xml><?xml version="1.0" encoding="utf-8"?>
+<p:sld xmlns:a="http://schemas.openxmlformats.org/drawingml/2006/main" xmlns:r="http://schemas.openxmlformats.org/officeDocument/2006/relationships" xmlns:p="http://schemas.openxmlformats.org/presentationml/2006/main">
+  <p:cSld>
     <p:bg>
       <p:bgPr>
         <a:solidFill>
@@ -7484,6 +7961,36 @@
           </a:p>
         </p:txBody>
       </p:sp>
+      <p:pic>
+        <p:nvPicPr>
+          <p:cNvPr id="3" name="Picture 2">
+            <a:extLst>
+              <a:ext uri="{FF2B5EF4-FFF2-40B4-BE49-F238E27FC236}">
+                <a16:creationId xmlns:a16="http://schemas.microsoft.com/office/drawing/2014/main" id="{8657A4F1-6CB4-422A-8C2C-EDE02CFC480A}"/>
+              </a:ext>
+            </a:extLst>
+          </p:cNvPr>
+          <p:cNvPicPr>
+            <a:picLocks noChangeAspect="1"/>
+          </p:cNvPicPr>
+          <p:nvPr/>
+        </p:nvPicPr>
+        <p:blipFill>
+          <a:blip r:embed="rId3"/>
+          <a:stretch>
+            <a:fillRect/>
+          </a:stretch>
+        </p:blipFill>
+        <p:spPr>
+          <a:xfrm>
+            <a:off x="311700" y="1333334"/>
+            <a:ext cx="8343014" cy="2476832"/>
+          </a:xfrm>
+          <a:prstGeom prst="rect">
+            <a:avLst/>
+          </a:prstGeom>
+        </p:spPr>
+      </p:pic>
     </p:spTree>
     <p:extLst>
       <p:ext uri="{BB962C8B-B14F-4D97-AF65-F5344CB8AC3E}">
@@ -7497,7 +8004,7 @@
 </p:sld>
 </file>
 
-<file path=ppt/slides/slide7.xml><?xml version="1.0" encoding="utf-8"?>
+<file path=ppt/slides/slide8.xml><?xml version="1.0" encoding="utf-8"?>
 <p:sld xmlns:a="http://schemas.openxmlformats.org/drawingml/2006/main" xmlns:r="http://schemas.openxmlformats.org/officeDocument/2006/relationships" xmlns:p="http://schemas.openxmlformats.org/presentationml/2006/main">
   <p:cSld>
     <p:spTree>
@@ -7712,7 +8219,7 @@
 </p:sld>
 </file>
 
-<file path=ppt/slides/slide8.xml><?xml version="1.0" encoding="utf-8"?>
+<file path=ppt/slides/slide9.xml><?xml version="1.0" encoding="utf-8"?>
 <p:sld xmlns:a="http://schemas.openxmlformats.org/drawingml/2006/main" xmlns:r="http://schemas.openxmlformats.org/officeDocument/2006/relationships" xmlns:p="http://schemas.openxmlformats.org/presentationml/2006/main">
   <p:cSld>
     <p:bg>
@@ -7818,85 +8325,6 @@
               <a:t>Your version control evidence should go here.  This could be in the form of annotated screenshots which show you you managed this process or you could make a brief screencast explaining how you implemented version control.</a:t>
             </a:r>
             <a:endParaRPr i="1"/>
-          </a:p>
-        </p:txBody>
-      </p:sp>
-    </p:spTree>
-  </p:cSld>
-  <p:clrMapOvr>
-    <a:masterClrMapping/>
-  </p:clrMapOvr>
-</p:sld>
-</file>
-
-<file path=ppt/slides/slide9.xml><?xml version="1.0" encoding="utf-8"?>
-<p:sld xmlns:a="http://schemas.openxmlformats.org/drawingml/2006/main" xmlns:r="http://schemas.openxmlformats.org/officeDocument/2006/relationships" xmlns:p="http://schemas.openxmlformats.org/presentationml/2006/main">
-  <p:cSld>
-    <p:bg>
-      <p:bgPr>
-        <a:solidFill>
-          <a:srgbClr val="FFE599"/>
-        </a:solidFill>
-        <a:effectLst/>
-      </p:bgPr>
-    </p:bg>
-    <p:spTree>
-      <p:nvGrpSpPr>
-        <p:cNvPr id="1" name="Shape 89"/>
-        <p:cNvGrpSpPr/>
-        <p:nvPr/>
-      </p:nvGrpSpPr>
-      <p:grpSpPr>
-        <a:xfrm>
-          <a:off x="0" y="0"/>
-          <a:ext cx="0" cy="0"/>
-          <a:chOff x="0" y="0"/>
-          <a:chExt cx="0" cy="0"/>
-        </a:xfrm>
-      </p:grpSpPr>
-      <p:sp>
-        <p:nvSpPr>
-          <p:cNvPr id="90" name="Google Shape;90;p19"/>
-          <p:cNvSpPr txBox="1">
-            <a:spLocks noGrp="1"/>
-          </p:cNvSpPr>
-          <p:nvPr>
-            <p:ph type="body" idx="1"/>
-          </p:nvPr>
-        </p:nvSpPr>
-        <p:spPr>
-          <a:xfrm>
-            <a:off x="311700" y="397700"/>
-            <a:ext cx="8520600" cy="4171200"/>
-          </a:xfrm>
-          <a:prstGeom prst="rect">
-            <a:avLst/>
-          </a:prstGeom>
-        </p:spPr>
-        <p:txBody>
-          <a:bodyPr spcFirstLastPara="1" wrap="square" lIns="91425" tIns="91425" rIns="91425" bIns="91425" anchor="t" anchorCtr="0">
-            <a:noAutofit/>
-          </a:bodyPr>
-          <a:lstStyle/>
-          <a:p>
-            <a:pPr marL="0" lvl="0" indent="0" algn="l" rtl="0">
-              <a:spcBef>
-                <a:spcPts val="0"/>
-              </a:spcBef>
-              <a:spcAft>
-                <a:spcPts val="1600"/>
-              </a:spcAft>
-              <a:buNone/>
-            </a:pPr>
-            <a:r>
-              <a:rPr lang="en" b="1" i="1">
-                <a:solidFill>
-                  <a:srgbClr val="595959"/>
-                </a:solidFill>
-              </a:rPr>
-              <a:t>Discusses how the information from planning, testing and trialling of components assisted in the development of a high-quality outcome</a:t>
-            </a:r>
-            <a:endParaRPr/>
           </a:p>
         </p:txBody>
       </p:sp>

--- a/022_91893+_+91897+Documentation.pptx
+++ b/022_91893+_+91897+Documentation.pptx
@@ -7307,14 +7307,114 @@
         </p:blipFill>
         <p:spPr>
           <a:xfrm>
-            <a:off x="241193" y="1562910"/>
-            <a:ext cx="8591107" cy="3050422"/>
+            <a:off x="113225" y="1116023"/>
+            <a:ext cx="6308463" cy="2239930"/>
           </a:xfrm>
           <a:prstGeom prst="rect">
             <a:avLst/>
           </a:prstGeom>
         </p:spPr>
       </p:pic>
+      <p:pic>
+        <p:nvPicPr>
+          <p:cNvPr id="4" name="Picture 3">
+            <a:extLst>
+              <a:ext uri="{FF2B5EF4-FFF2-40B4-BE49-F238E27FC236}">
+                <a16:creationId xmlns:a16="http://schemas.microsoft.com/office/drawing/2014/main" id="{F2230FE8-B340-4D32-893D-6A747B195443}"/>
+              </a:ext>
+            </a:extLst>
+          </p:cNvPr>
+          <p:cNvPicPr>
+            <a:picLocks noChangeAspect="1"/>
+          </p:cNvPicPr>
+          <p:nvPr/>
+        </p:nvPicPr>
+        <p:blipFill>
+          <a:blip r:embed="rId4"/>
+          <a:stretch>
+            <a:fillRect/>
+          </a:stretch>
+        </p:blipFill>
+        <p:spPr>
+          <a:xfrm>
+            <a:off x="2410234" y="3163628"/>
+            <a:ext cx="6308464" cy="1872825"/>
+          </a:xfrm>
+          <a:prstGeom prst="rect">
+            <a:avLst/>
+          </a:prstGeom>
+        </p:spPr>
+      </p:pic>
+      <p:sp>
+        <p:nvSpPr>
+          <p:cNvPr id="2" name="TextBox 1">
+            <a:extLst>
+              <a:ext uri="{FF2B5EF4-FFF2-40B4-BE49-F238E27FC236}">
+                <a16:creationId xmlns:a16="http://schemas.microsoft.com/office/drawing/2014/main" id="{D50310D1-DAFB-42FC-BBB9-DCF8318AEE40}"/>
+              </a:ext>
+            </a:extLst>
+          </p:cNvPr>
+          <p:cNvSpPr txBox="1"/>
+          <p:nvPr/>
+        </p:nvSpPr>
+        <p:spPr>
+          <a:xfrm>
+            <a:off x="6925340" y="1594884"/>
+            <a:ext cx="964018" cy="307777"/>
+          </a:xfrm>
+          <a:prstGeom prst="rect">
+            <a:avLst/>
+          </a:prstGeom>
+          <a:noFill/>
+        </p:spPr>
+        <p:txBody>
+          <a:bodyPr wrap="square" rtlCol="0">
+            <a:spAutoFit/>
+          </a:bodyPr>
+          <a:lstStyle/>
+          <a:p>
+            <a:r>
+              <a:rPr lang="en-NZ" dirty="0"/>
+              <a:t>V1</a:t>
+            </a:r>
+          </a:p>
+        </p:txBody>
+      </p:sp>
+      <p:sp>
+        <p:nvSpPr>
+          <p:cNvPr id="5" name="TextBox 4">
+            <a:extLst>
+              <a:ext uri="{FF2B5EF4-FFF2-40B4-BE49-F238E27FC236}">
+                <a16:creationId xmlns:a16="http://schemas.microsoft.com/office/drawing/2014/main" id="{5686CA55-4C02-4BA2-BB99-5378E9294B2B}"/>
+              </a:ext>
+            </a:extLst>
+          </p:cNvPr>
+          <p:cNvSpPr txBox="1"/>
+          <p:nvPr/>
+        </p:nvSpPr>
+        <p:spPr>
+          <a:xfrm>
+            <a:off x="687572" y="4401879"/>
+            <a:ext cx="808075" cy="307777"/>
+          </a:xfrm>
+          <a:prstGeom prst="rect">
+            <a:avLst/>
+          </a:prstGeom>
+          <a:noFill/>
+        </p:spPr>
+        <p:txBody>
+          <a:bodyPr wrap="square" rtlCol="0">
+            <a:spAutoFit/>
+          </a:bodyPr>
+          <a:lstStyle/>
+          <a:p>
+            <a:r>
+              <a:rPr lang="en-NZ" dirty="0"/>
+              <a:t>V2</a:t>
+            </a:r>
+          </a:p>
+        </p:txBody>
+      </p:sp>
     </p:spTree>
   </p:cSld>
   <p:clrMapOvr>
@@ -7961,36 +8061,6 @@
           </a:p>
         </p:txBody>
       </p:sp>
-      <p:pic>
-        <p:nvPicPr>
-          <p:cNvPr id="3" name="Picture 2">
-            <a:extLst>
-              <a:ext uri="{FF2B5EF4-FFF2-40B4-BE49-F238E27FC236}">
-                <a16:creationId xmlns:a16="http://schemas.microsoft.com/office/drawing/2014/main" id="{8657A4F1-6CB4-422A-8C2C-EDE02CFC480A}"/>
-              </a:ext>
-            </a:extLst>
-          </p:cNvPr>
-          <p:cNvPicPr>
-            <a:picLocks noChangeAspect="1"/>
-          </p:cNvPicPr>
-          <p:nvPr/>
-        </p:nvPicPr>
-        <p:blipFill>
-          <a:blip r:embed="rId3"/>
-          <a:stretch>
-            <a:fillRect/>
-          </a:stretch>
-        </p:blipFill>
-        <p:spPr>
-          <a:xfrm>
-            <a:off x="311700" y="1333334"/>
-            <a:ext cx="8343014" cy="2476832"/>
-          </a:xfrm>
-          <a:prstGeom prst="rect">
-            <a:avLst/>
-          </a:prstGeom>
-        </p:spPr>
-      </p:pic>
     </p:spTree>
     <p:extLst>
       <p:ext uri="{BB962C8B-B14F-4D97-AF65-F5344CB8AC3E}">

--- a/022_91893+_+91897+Documentation.pptx
+++ b/022_91893+_+91897+Documentation.pptx
@@ -5,7 +5,7 @@
     <p:sldMasterId id="2147483659" r:id="rId1"/>
   </p:sldMasterIdLst>
   <p:notesMasterIdLst>
-    <p:notesMasterId r:id="rId12"/>
+    <p:notesMasterId r:id="rId16"/>
   </p:notesMasterIdLst>
   <p:sldIdLst>
     <p:sldId id="256" r:id="rId2"/>
@@ -16,8 +16,12 @@
     <p:sldId id="265" r:id="rId7"/>
     <p:sldId id="263" r:id="rId8"/>
     <p:sldId id="264" r:id="rId9"/>
-    <p:sldId id="261" r:id="rId10"/>
-    <p:sldId id="262" r:id="rId11"/>
+    <p:sldId id="266" r:id="rId10"/>
+    <p:sldId id="267" r:id="rId11"/>
+    <p:sldId id="268" r:id="rId12"/>
+    <p:sldId id="269" r:id="rId13"/>
+    <p:sldId id="261" r:id="rId14"/>
+    <p:sldId id="262" r:id="rId15"/>
   </p:sldIdLst>
   <p:sldSz cx="9144000" cy="5143500" type="screen16x9"/>
   <p:notesSz cx="6858000" cy="9144000"/>
@@ -827,6 +831,458 @@
   <p:cSld>
     <p:spTree>
       <p:nvGrpSpPr>
+        <p:cNvPr id="1" name="Shape 74"/>
+        <p:cNvGrpSpPr/>
+        <p:nvPr/>
+      </p:nvGrpSpPr>
+      <p:grpSpPr>
+        <a:xfrm>
+          <a:off x="0" y="0"/>
+          <a:ext cx="0" cy="0"/>
+          <a:chOff x="0" y="0"/>
+          <a:chExt cx="0" cy="0"/>
+        </a:xfrm>
+      </p:grpSpPr>
+      <p:sp>
+        <p:nvSpPr>
+          <p:cNvPr id="75" name="Google Shape;75;gac10fef634_0_20:notes"/>
+          <p:cNvSpPr>
+            <a:spLocks noGrp="1" noRot="1" noChangeAspect="1"/>
+          </p:cNvSpPr>
+          <p:nvPr>
+            <p:ph type="sldImg" idx="2"/>
+          </p:nvPr>
+        </p:nvSpPr>
+        <p:spPr>
+          <a:xfrm>
+            <a:off x="381000" y="685800"/>
+            <a:ext cx="6096000" cy="3429000"/>
+          </a:xfrm>
+          <a:custGeom>
+            <a:avLst/>
+            <a:gdLst/>
+            <a:ahLst/>
+            <a:cxnLst/>
+            <a:rect l="l" t="t" r="r" b="b"/>
+            <a:pathLst>
+              <a:path w="120000" h="120000" extrusionOk="0">
+                <a:moveTo>
+                  <a:pt x="0" y="0"/>
+                </a:moveTo>
+                <a:lnTo>
+                  <a:pt x="120000" y="0"/>
+                </a:lnTo>
+                <a:lnTo>
+                  <a:pt x="120000" y="120000"/>
+                </a:lnTo>
+                <a:lnTo>
+                  <a:pt x="0" y="120000"/>
+                </a:lnTo>
+                <a:close/>
+              </a:path>
+            </a:pathLst>
+          </a:custGeom>
+        </p:spPr>
+      </p:sp>
+      <p:sp>
+        <p:nvSpPr>
+          <p:cNvPr id="76" name="Google Shape;76;gac10fef634_0_20:notes"/>
+          <p:cNvSpPr txBox="1">
+            <a:spLocks noGrp="1"/>
+          </p:cNvSpPr>
+          <p:nvPr>
+            <p:ph type="body" idx="1"/>
+          </p:nvPr>
+        </p:nvSpPr>
+        <p:spPr>
+          <a:xfrm>
+            <a:off x="685800" y="4343400"/>
+            <a:ext cx="5486400" cy="4114800"/>
+          </a:xfrm>
+          <a:prstGeom prst="rect">
+            <a:avLst/>
+          </a:prstGeom>
+        </p:spPr>
+        <p:txBody>
+          <a:bodyPr spcFirstLastPara="1" wrap="square" lIns="91425" tIns="91425" rIns="91425" bIns="91425" anchor="t" anchorCtr="0">
+            <a:noAutofit/>
+          </a:bodyPr>
+          <a:lstStyle/>
+          <a:p>
+            <a:pPr marL="0" lvl="0" indent="0" algn="l" rtl="0">
+              <a:spcBef>
+                <a:spcPts val="0"/>
+              </a:spcBef>
+              <a:spcAft>
+                <a:spcPts val="0"/>
+              </a:spcAft>
+              <a:buNone/>
+            </a:pPr>
+            <a:endParaRPr/>
+          </a:p>
+        </p:txBody>
+      </p:sp>
+    </p:spTree>
+    <p:extLst>
+      <p:ext uri="{BB962C8B-B14F-4D97-AF65-F5344CB8AC3E}">
+        <p14:creationId xmlns:p14="http://schemas.microsoft.com/office/powerpoint/2010/main" val="1852984617"/>
+      </p:ext>
+    </p:extLst>
+  </p:cSld>
+  <p:clrMapOvr>
+    <a:masterClrMapping/>
+  </p:clrMapOvr>
+</p:notes>
+</file>
+
+<file path=ppt/notesSlides/notesSlide11.xml><?xml version="1.0" encoding="utf-8"?>
+<p:notes xmlns:a="http://schemas.openxmlformats.org/drawingml/2006/main" xmlns:r="http://schemas.openxmlformats.org/officeDocument/2006/relationships" xmlns:p="http://schemas.openxmlformats.org/presentationml/2006/main" showMasterSp="0" showMasterPhAnim="0">
+  <p:cSld>
+    <p:spTree>
+      <p:nvGrpSpPr>
+        <p:cNvPr id="1" name="Shape 74"/>
+        <p:cNvGrpSpPr/>
+        <p:nvPr/>
+      </p:nvGrpSpPr>
+      <p:grpSpPr>
+        <a:xfrm>
+          <a:off x="0" y="0"/>
+          <a:ext cx="0" cy="0"/>
+          <a:chOff x="0" y="0"/>
+          <a:chExt cx="0" cy="0"/>
+        </a:xfrm>
+      </p:grpSpPr>
+      <p:sp>
+        <p:nvSpPr>
+          <p:cNvPr id="75" name="Google Shape;75;gac10fef634_0_20:notes"/>
+          <p:cNvSpPr>
+            <a:spLocks noGrp="1" noRot="1" noChangeAspect="1"/>
+          </p:cNvSpPr>
+          <p:nvPr>
+            <p:ph type="sldImg" idx="2"/>
+          </p:nvPr>
+        </p:nvSpPr>
+        <p:spPr>
+          <a:xfrm>
+            <a:off x="381000" y="685800"/>
+            <a:ext cx="6096000" cy="3429000"/>
+          </a:xfrm>
+          <a:custGeom>
+            <a:avLst/>
+            <a:gdLst/>
+            <a:ahLst/>
+            <a:cxnLst/>
+            <a:rect l="l" t="t" r="r" b="b"/>
+            <a:pathLst>
+              <a:path w="120000" h="120000" extrusionOk="0">
+                <a:moveTo>
+                  <a:pt x="0" y="0"/>
+                </a:moveTo>
+                <a:lnTo>
+                  <a:pt x="120000" y="0"/>
+                </a:lnTo>
+                <a:lnTo>
+                  <a:pt x="120000" y="120000"/>
+                </a:lnTo>
+                <a:lnTo>
+                  <a:pt x="0" y="120000"/>
+                </a:lnTo>
+                <a:close/>
+              </a:path>
+            </a:pathLst>
+          </a:custGeom>
+        </p:spPr>
+      </p:sp>
+      <p:sp>
+        <p:nvSpPr>
+          <p:cNvPr id="76" name="Google Shape;76;gac10fef634_0_20:notes"/>
+          <p:cNvSpPr txBox="1">
+            <a:spLocks noGrp="1"/>
+          </p:cNvSpPr>
+          <p:nvPr>
+            <p:ph type="body" idx="1"/>
+          </p:nvPr>
+        </p:nvSpPr>
+        <p:spPr>
+          <a:xfrm>
+            <a:off x="685800" y="4343400"/>
+            <a:ext cx="5486400" cy="4114800"/>
+          </a:xfrm>
+          <a:prstGeom prst="rect">
+            <a:avLst/>
+          </a:prstGeom>
+        </p:spPr>
+        <p:txBody>
+          <a:bodyPr spcFirstLastPara="1" wrap="square" lIns="91425" tIns="91425" rIns="91425" bIns="91425" anchor="t" anchorCtr="0">
+            <a:noAutofit/>
+          </a:bodyPr>
+          <a:lstStyle/>
+          <a:p>
+            <a:pPr marL="0" lvl="0" indent="0" algn="l" rtl="0">
+              <a:spcBef>
+                <a:spcPts val="0"/>
+              </a:spcBef>
+              <a:spcAft>
+                <a:spcPts val="0"/>
+              </a:spcAft>
+              <a:buNone/>
+            </a:pPr>
+            <a:endParaRPr/>
+          </a:p>
+        </p:txBody>
+      </p:sp>
+    </p:spTree>
+    <p:extLst>
+      <p:ext uri="{BB962C8B-B14F-4D97-AF65-F5344CB8AC3E}">
+        <p14:creationId xmlns:p14="http://schemas.microsoft.com/office/powerpoint/2010/main" val="2954001945"/>
+      </p:ext>
+    </p:extLst>
+  </p:cSld>
+  <p:clrMapOvr>
+    <a:masterClrMapping/>
+  </p:clrMapOvr>
+</p:notes>
+</file>
+
+<file path=ppt/notesSlides/notesSlide12.xml><?xml version="1.0" encoding="utf-8"?>
+<p:notes xmlns:a="http://schemas.openxmlformats.org/drawingml/2006/main" xmlns:r="http://schemas.openxmlformats.org/officeDocument/2006/relationships" xmlns:p="http://schemas.openxmlformats.org/presentationml/2006/main" showMasterSp="0" showMasterPhAnim="0">
+  <p:cSld>
+    <p:spTree>
+      <p:nvGrpSpPr>
+        <p:cNvPr id="1" name="Shape 74"/>
+        <p:cNvGrpSpPr/>
+        <p:nvPr/>
+      </p:nvGrpSpPr>
+      <p:grpSpPr>
+        <a:xfrm>
+          <a:off x="0" y="0"/>
+          <a:ext cx="0" cy="0"/>
+          <a:chOff x="0" y="0"/>
+          <a:chExt cx="0" cy="0"/>
+        </a:xfrm>
+      </p:grpSpPr>
+      <p:sp>
+        <p:nvSpPr>
+          <p:cNvPr id="75" name="Google Shape;75;gac10fef634_0_20:notes"/>
+          <p:cNvSpPr>
+            <a:spLocks noGrp="1" noRot="1" noChangeAspect="1"/>
+          </p:cNvSpPr>
+          <p:nvPr>
+            <p:ph type="sldImg" idx="2"/>
+          </p:nvPr>
+        </p:nvSpPr>
+        <p:spPr>
+          <a:xfrm>
+            <a:off x="381000" y="685800"/>
+            <a:ext cx="6096000" cy="3429000"/>
+          </a:xfrm>
+          <a:custGeom>
+            <a:avLst/>
+            <a:gdLst/>
+            <a:ahLst/>
+            <a:cxnLst/>
+            <a:rect l="l" t="t" r="r" b="b"/>
+            <a:pathLst>
+              <a:path w="120000" h="120000" extrusionOk="0">
+                <a:moveTo>
+                  <a:pt x="0" y="0"/>
+                </a:moveTo>
+                <a:lnTo>
+                  <a:pt x="120000" y="0"/>
+                </a:lnTo>
+                <a:lnTo>
+                  <a:pt x="120000" y="120000"/>
+                </a:lnTo>
+                <a:lnTo>
+                  <a:pt x="0" y="120000"/>
+                </a:lnTo>
+                <a:close/>
+              </a:path>
+            </a:pathLst>
+          </a:custGeom>
+        </p:spPr>
+      </p:sp>
+      <p:sp>
+        <p:nvSpPr>
+          <p:cNvPr id="76" name="Google Shape;76;gac10fef634_0_20:notes"/>
+          <p:cNvSpPr txBox="1">
+            <a:spLocks noGrp="1"/>
+          </p:cNvSpPr>
+          <p:nvPr>
+            <p:ph type="body" idx="1"/>
+          </p:nvPr>
+        </p:nvSpPr>
+        <p:spPr>
+          <a:xfrm>
+            <a:off x="685800" y="4343400"/>
+            <a:ext cx="5486400" cy="4114800"/>
+          </a:xfrm>
+          <a:prstGeom prst="rect">
+            <a:avLst/>
+          </a:prstGeom>
+        </p:spPr>
+        <p:txBody>
+          <a:bodyPr spcFirstLastPara="1" wrap="square" lIns="91425" tIns="91425" rIns="91425" bIns="91425" anchor="t" anchorCtr="0">
+            <a:noAutofit/>
+          </a:bodyPr>
+          <a:lstStyle/>
+          <a:p>
+            <a:pPr marL="0" lvl="0" indent="0" algn="l" rtl="0">
+              <a:spcBef>
+                <a:spcPts val="0"/>
+              </a:spcBef>
+              <a:spcAft>
+                <a:spcPts val="0"/>
+              </a:spcAft>
+              <a:buNone/>
+            </a:pPr>
+            <a:endParaRPr/>
+          </a:p>
+        </p:txBody>
+      </p:sp>
+    </p:spTree>
+    <p:extLst>
+      <p:ext uri="{BB962C8B-B14F-4D97-AF65-F5344CB8AC3E}">
+        <p14:creationId xmlns:p14="http://schemas.microsoft.com/office/powerpoint/2010/main" val="2396005522"/>
+      </p:ext>
+    </p:extLst>
+  </p:cSld>
+  <p:clrMapOvr>
+    <a:masterClrMapping/>
+  </p:clrMapOvr>
+</p:notes>
+</file>
+
+<file path=ppt/notesSlides/notesSlide13.xml><?xml version="1.0" encoding="utf-8"?>
+<p:notes xmlns:a="http://schemas.openxmlformats.org/drawingml/2006/main" xmlns:r="http://schemas.openxmlformats.org/officeDocument/2006/relationships" xmlns:p="http://schemas.openxmlformats.org/presentationml/2006/main" showMasterSp="0" showMasterPhAnim="0">
+  <p:cSld>
+    <p:spTree>
+      <p:nvGrpSpPr>
+        <p:cNvPr id="1" name="Shape 80"/>
+        <p:cNvGrpSpPr/>
+        <p:nvPr/>
+      </p:nvGrpSpPr>
+      <p:grpSpPr>
+        <a:xfrm>
+          <a:off x="0" y="0"/>
+          <a:ext cx="0" cy="0"/>
+          <a:chOff x="0" y="0"/>
+          <a:chExt cx="0" cy="0"/>
+        </a:xfrm>
+      </p:grpSpPr>
+      <p:sp>
+        <p:nvSpPr>
+          <p:cNvPr id="81" name="Google Shape;81;gac10fef634_0_25:notes"/>
+          <p:cNvSpPr>
+            <a:spLocks noGrp="1" noRot="1" noChangeAspect="1"/>
+          </p:cNvSpPr>
+          <p:nvPr>
+            <p:ph type="sldImg" idx="2"/>
+          </p:nvPr>
+        </p:nvSpPr>
+        <p:spPr>
+          <a:xfrm>
+            <a:off x="381000" y="685800"/>
+            <a:ext cx="6096000" cy="3429000"/>
+          </a:xfrm>
+          <a:custGeom>
+            <a:avLst/>
+            <a:gdLst/>
+            <a:ahLst/>
+            <a:cxnLst/>
+            <a:rect l="l" t="t" r="r" b="b"/>
+            <a:pathLst>
+              <a:path w="120000" h="120000" extrusionOk="0">
+                <a:moveTo>
+                  <a:pt x="0" y="0"/>
+                </a:moveTo>
+                <a:lnTo>
+                  <a:pt x="120000" y="0"/>
+                </a:lnTo>
+                <a:lnTo>
+                  <a:pt x="120000" y="120000"/>
+                </a:lnTo>
+                <a:lnTo>
+                  <a:pt x="0" y="120000"/>
+                </a:lnTo>
+                <a:close/>
+              </a:path>
+            </a:pathLst>
+          </a:custGeom>
+        </p:spPr>
+      </p:sp>
+      <p:sp>
+        <p:nvSpPr>
+          <p:cNvPr id="82" name="Google Shape;82;gac10fef634_0_25:notes"/>
+          <p:cNvSpPr txBox="1">
+            <a:spLocks noGrp="1"/>
+          </p:cNvSpPr>
+          <p:nvPr>
+            <p:ph type="body" idx="1"/>
+          </p:nvPr>
+        </p:nvSpPr>
+        <p:spPr>
+          <a:xfrm>
+            <a:off x="685800" y="4343400"/>
+            <a:ext cx="5486400" cy="4114800"/>
+          </a:xfrm>
+          <a:prstGeom prst="rect">
+            <a:avLst/>
+          </a:prstGeom>
+        </p:spPr>
+        <p:txBody>
+          <a:bodyPr spcFirstLastPara="1" wrap="square" lIns="91425" tIns="91425" rIns="91425" bIns="91425" anchor="t" anchorCtr="0">
+            <a:noAutofit/>
+          </a:bodyPr>
+          <a:lstStyle/>
+          <a:p>
+            <a:pPr marL="0" lvl="0" indent="0" algn="l" rtl="0">
+              <a:spcBef>
+                <a:spcPts val="0"/>
+              </a:spcBef>
+              <a:spcAft>
+                <a:spcPts val="0"/>
+              </a:spcAft>
+              <a:buClr>
+                <a:schemeClr val="dk1"/>
+              </a:buClr>
+              <a:buSzPts val="1100"/>
+              <a:buFont typeface="Arial"/>
+              <a:buNone/>
+            </a:pPr>
+            <a:r>
+              <a:rPr lang="en"/>
+              <a:t>Your version control evidence should go here.  This could be in the form of annotated screenshots which show you you managed this process or you could make a brief screencast explaining how you implemented version control.</a:t>
+            </a:r>
+            <a:endParaRPr/>
+          </a:p>
+          <a:p>
+            <a:pPr marL="0" lvl="0" indent="0" algn="l" rtl="0">
+              <a:spcBef>
+                <a:spcPts val="0"/>
+              </a:spcBef>
+              <a:spcAft>
+                <a:spcPts val="0"/>
+              </a:spcAft>
+              <a:buNone/>
+            </a:pPr>
+            <a:endParaRPr/>
+          </a:p>
+        </p:txBody>
+      </p:sp>
+    </p:spTree>
+  </p:cSld>
+  <p:clrMapOvr>
+    <a:masterClrMapping/>
+  </p:clrMapOvr>
+</p:notes>
+</file>
+
+<file path=ppt/notesSlides/notesSlide14.xml><?xml version="1.0" encoding="utf-8"?>
+<p:notes xmlns:a="http://schemas.openxmlformats.org/drawingml/2006/main" xmlns:r="http://schemas.openxmlformats.org/officeDocument/2006/relationships" xmlns:p="http://schemas.openxmlformats.org/presentationml/2006/main" showMasterSp="0" showMasterPhAnim="0">
+  <p:cSld>
+    <p:spTree>
+      <p:nvGrpSpPr>
         <p:cNvPr id="1" name="Shape 86"/>
         <p:cNvGrpSpPr/>
         <p:nvPr/>
@@ -1703,7 +2159,7 @@
   <p:cSld>
     <p:spTree>
       <p:nvGrpSpPr>
-        <p:cNvPr id="1" name="Shape 80"/>
+        <p:cNvPr id="1" name="Shape 74"/>
         <p:cNvGrpSpPr/>
         <p:nvPr/>
       </p:nvGrpSpPr>
@@ -1717,7 +2173,7 @@
       </p:grpSpPr>
       <p:sp>
         <p:nvSpPr>
-          <p:cNvPr id="81" name="Google Shape;81;gac10fef634_0_25:notes"/>
+          <p:cNvPr id="75" name="Google Shape;75;gac10fef634_0_20:notes"/>
           <p:cNvSpPr>
             <a:spLocks noGrp="1" noRot="1" noChangeAspect="1"/>
           </p:cNvSpPr>
@@ -1758,7 +2214,7 @@
       </p:sp>
       <p:sp>
         <p:nvSpPr>
-          <p:cNvPr id="82" name="Google Shape;82;gac10fef634_0_25:notes"/>
+          <p:cNvPr id="76" name="Google Shape;76;gac10fef634_0_20:notes"/>
           <p:cNvSpPr txBox="1">
             <a:spLocks noGrp="1"/>
           </p:cNvSpPr>
@@ -1788,27 +2244,6 @@
               <a:spcAft>
                 <a:spcPts val="0"/>
               </a:spcAft>
-              <a:buClr>
-                <a:schemeClr val="dk1"/>
-              </a:buClr>
-              <a:buSzPts val="1100"/>
-              <a:buFont typeface="Arial"/>
-              <a:buNone/>
-            </a:pPr>
-            <a:r>
-              <a:rPr lang="en"/>
-              <a:t>Your version control evidence should go here.  This could be in the form of annotated screenshots which show you you managed this process or you could make a brief screencast explaining how you implemented version control.</a:t>
-            </a:r>
-            <a:endParaRPr/>
-          </a:p>
-          <a:p>
-            <a:pPr marL="0" lvl="0" indent="0" algn="l" rtl="0">
-              <a:spcBef>
-                <a:spcPts val="0"/>
-              </a:spcBef>
-              <a:spcAft>
-                <a:spcPts val="0"/>
-              </a:spcAft>
               <a:buNone/>
             </a:pPr>
             <a:endParaRPr/>
@@ -1816,6 +2251,11 @@
         </p:txBody>
       </p:sp>
     </p:spTree>
+    <p:extLst>
+      <p:ext uri="{BB962C8B-B14F-4D97-AF65-F5344CB8AC3E}">
+        <p14:creationId xmlns:p14="http://schemas.microsoft.com/office/powerpoint/2010/main" val="204345211"/>
+      </p:ext>
+    </p:extLst>
   </p:cSld>
   <p:clrMapOvr>
     <a:masterClrMapping/>
@@ -6837,6 +7277,1107 @@
 <file path=ppt/slides/slide10.xml><?xml version="1.0" encoding="utf-8"?>
 <p:sld xmlns:a="http://schemas.openxmlformats.org/drawingml/2006/main" xmlns:r="http://schemas.openxmlformats.org/officeDocument/2006/relationships" xmlns:p="http://schemas.openxmlformats.org/presentationml/2006/main">
   <p:cSld>
+    <p:spTree>
+      <p:nvGrpSpPr>
+        <p:cNvPr id="1" name="Shape 77"/>
+        <p:cNvGrpSpPr/>
+        <p:nvPr/>
+      </p:nvGrpSpPr>
+      <p:grpSpPr>
+        <a:xfrm>
+          <a:off x="0" y="0"/>
+          <a:ext cx="0" cy="0"/>
+          <a:chOff x="0" y="0"/>
+          <a:chExt cx="0" cy="0"/>
+        </a:xfrm>
+      </p:grpSpPr>
+      <p:sp>
+        <p:nvSpPr>
+          <p:cNvPr id="78" name="Google Shape;78;p17"/>
+          <p:cNvSpPr txBox="1">
+            <a:spLocks noGrp="1"/>
+          </p:cNvSpPr>
+          <p:nvPr>
+            <p:ph type="title"/>
+          </p:nvPr>
+        </p:nvSpPr>
+        <p:spPr>
+          <a:xfrm>
+            <a:off x="311700" y="445025"/>
+            <a:ext cx="8520600" cy="572700"/>
+          </a:xfrm>
+          <a:prstGeom prst="rect">
+            <a:avLst/>
+          </a:prstGeom>
+        </p:spPr>
+        <p:txBody>
+          <a:bodyPr spcFirstLastPara="1" wrap="square" lIns="91425" tIns="91425" rIns="91425" bIns="91425" anchor="t" anchorCtr="0">
+            <a:noAutofit/>
+          </a:bodyPr>
+          <a:lstStyle/>
+          <a:p>
+            <a:pPr marL="0" lvl="0" indent="0" algn="l" rtl="0">
+              <a:spcBef>
+                <a:spcPts val="0"/>
+              </a:spcBef>
+              <a:spcAft>
+                <a:spcPts val="0"/>
+              </a:spcAft>
+              <a:buNone/>
+            </a:pPr>
+            <a:r>
+              <a:rPr lang="en" dirty="0"/>
+              <a:t>Component 2 v3 - Test Plan (and screenshot)</a:t>
+            </a:r>
+            <a:endParaRPr dirty="0"/>
+          </a:p>
+        </p:txBody>
+      </p:sp>
+      <p:graphicFrame>
+        <p:nvGraphicFramePr>
+          <p:cNvPr id="79" name="Google Shape;79;p17"/>
+          <p:cNvGraphicFramePr/>
+          <p:nvPr>
+            <p:extLst>
+              <p:ext uri="{D42A27DB-BD31-4B8C-83A1-F6EECF244321}">
+                <p14:modId xmlns:p14="http://schemas.microsoft.com/office/powerpoint/2010/main" val="4288776094"/>
+              </p:ext>
+            </p:extLst>
+          </p:nvPr>
+        </p:nvGraphicFramePr>
+        <p:xfrm>
+          <a:off x="382475" y="1267725"/>
+          <a:ext cx="8520600" cy="1737300"/>
+        </p:xfrm>
+        <a:graphic>
+          <a:graphicData uri="http://schemas.openxmlformats.org/drawingml/2006/table">
+            <a:tbl>
+              <a:tblPr>
+                <a:noFill/>
+                <a:tableStyleId>{E1099E06-0E6B-448D-9D27-60429F06E6F4}</a:tableStyleId>
+              </a:tblPr>
+              <a:tblGrid>
+                <a:gridCol w="4260300">
+                  <a:extLst>
+                    <a:ext uri="{9D8B030D-6E8A-4147-A177-3AD203B41FA5}">
+                      <a16:colId xmlns:a16="http://schemas.microsoft.com/office/drawing/2014/main" val="20000"/>
+                    </a:ext>
+                  </a:extLst>
+                </a:gridCol>
+                <a:gridCol w="4260300">
+                  <a:extLst>
+                    <a:ext uri="{9D8B030D-6E8A-4147-A177-3AD203B41FA5}">
+                      <a16:colId xmlns:a16="http://schemas.microsoft.com/office/drawing/2014/main" val="20001"/>
+                    </a:ext>
+                  </a:extLst>
+                </a:gridCol>
+              </a:tblGrid>
+              <a:tr h="381000">
+                <a:tc>
+                  <a:txBody>
+                    <a:bodyPr/>
+                    <a:lstStyle/>
+                    <a:p>
+                      <a:pPr marL="0" lvl="0" indent="0" algn="l" rtl="0">
+                        <a:spcBef>
+                          <a:spcPts val="0"/>
+                        </a:spcBef>
+                        <a:spcAft>
+                          <a:spcPts val="0"/>
+                        </a:spcAft>
+                        <a:buNone/>
+                      </a:pPr>
+                      <a:r>
+                        <a:rPr lang="en" sz="1800" b="1"/>
+                        <a:t>Test Case</a:t>
+                      </a:r>
+                      <a:endParaRPr sz="1800" b="1"/>
+                    </a:p>
+                  </a:txBody>
+                  <a:tcPr marL="91425" marR="91425" marT="91425" marB="91425">
+                    <a:solidFill>
+                      <a:srgbClr val="CCCCCC"/>
+                    </a:solidFill>
+                  </a:tcPr>
+                </a:tc>
+                <a:tc>
+                  <a:txBody>
+                    <a:bodyPr/>
+                    <a:lstStyle/>
+                    <a:p>
+                      <a:pPr marL="0" lvl="0" indent="0" algn="l" rtl="0">
+                        <a:spcBef>
+                          <a:spcPts val="0"/>
+                        </a:spcBef>
+                        <a:spcAft>
+                          <a:spcPts val="0"/>
+                        </a:spcAft>
+                        <a:buNone/>
+                      </a:pPr>
+                      <a:r>
+                        <a:rPr lang="en" sz="1800" b="1"/>
+                        <a:t>Expected Values</a:t>
+                      </a:r>
+                      <a:endParaRPr sz="1800" b="1"/>
+                    </a:p>
+                  </a:txBody>
+                  <a:tcPr marL="91425" marR="91425" marT="91425" marB="91425">
+                    <a:solidFill>
+                      <a:srgbClr val="CCCCCC"/>
+                    </a:solidFill>
+                  </a:tcPr>
+                </a:tc>
+                <a:extLst>
+                  <a:ext uri="{0D108BD9-81ED-4DB2-BD59-A6C34878D82A}">
+                    <a16:rowId xmlns:a16="http://schemas.microsoft.com/office/drawing/2014/main" val="10000"/>
+                  </a:ext>
+                </a:extLst>
+              </a:tr>
+              <a:tr h="396200">
+                <a:tc>
+                  <a:txBody>
+                    <a:bodyPr/>
+                    <a:lstStyle/>
+                    <a:p>
+                      <a:pPr marL="0" lvl="0" indent="0" algn="l" rtl="0">
+                        <a:spcBef>
+                          <a:spcPts val="0"/>
+                        </a:spcBef>
+                        <a:spcAft>
+                          <a:spcPts val="0"/>
+                        </a:spcAft>
+                        <a:buNone/>
+                      </a:pPr>
+                      <a:r>
+                        <a:rPr lang="en-NZ" sz="1800" dirty="0"/>
+                        <a:t>Run program</a:t>
+                      </a:r>
+                      <a:endParaRPr sz="1800" dirty="0"/>
+                    </a:p>
+                  </a:txBody>
+                  <a:tcPr marL="91425" marR="91425" marT="91425" marB="91425"/>
+                </a:tc>
+                <a:tc>
+                  <a:txBody>
+                    <a:bodyPr/>
+                    <a:lstStyle/>
+                    <a:p>
+                      <a:pPr marL="0" lvl="0" indent="0" algn="l" rtl="0">
+                        <a:spcBef>
+                          <a:spcPts val="0"/>
+                        </a:spcBef>
+                        <a:spcAft>
+                          <a:spcPts val="0"/>
+                        </a:spcAft>
+                        <a:buNone/>
+                      </a:pPr>
+                      <a:r>
+                        <a:rPr lang="en-NZ" sz="1800" dirty="0"/>
+                        <a:t>Enter 1 program prints pickup</a:t>
+                      </a:r>
+                    </a:p>
+                    <a:p>
+                      <a:pPr marL="0" lvl="0" indent="0" algn="l" rtl="0">
+                        <a:spcBef>
+                          <a:spcPts val="0"/>
+                        </a:spcBef>
+                        <a:spcAft>
+                          <a:spcPts val="0"/>
+                        </a:spcAft>
+                        <a:buNone/>
+                      </a:pPr>
+                      <a:r>
+                        <a:rPr lang="en-NZ" sz="1800" dirty="0"/>
+                        <a:t>Enter 2 program prints delivery</a:t>
+                      </a:r>
+                    </a:p>
+                    <a:p>
+                      <a:pPr marL="0" lvl="0" indent="0" algn="l" rtl="0">
+                        <a:spcBef>
+                          <a:spcPts val="0"/>
+                        </a:spcBef>
+                        <a:spcAft>
+                          <a:spcPts val="0"/>
+                        </a:spcAft>
+                        <a:buNone/>
+                      </a:pPr>
+                      <a:r>
+                        <a:rPr lang="en-NZ" sz="1800" dirty="0"/>
+                        <a:t>Enter invalid program displays value error.</a:t>
+                      </a:r>
+                    </a:p>
+                  </a:txBody>
+                  <a:tcPr marL="91425" marR="91425" marT="91425" marB="91425"/>
+                </a:tc>
+                <a:extLst>
+                  <a:ext uri="{0D108BD9-81ED-4DB2-BD59-A6C34878D82A}">
+                    <a16:rowId xmlns:a16="http://schemas.microsoft.com/office/drawing/2014/main" val="10001"/>
+                  </a:ext>
+                </a:extLst>
+              </a:tr>
+            </a:tbl>
+          </a:graphicData>
+        </a:graphic>
+      </p:graphicFrame>
+      <p:pic>
+        <p:nvPicPr>
+          <p:cNvPr id="3" name="Picture 2">
+            <a:extLst>
+              <a:ext uri="{FF2B5EF4-FFF2-40B4-BE49-F238E27FC236}">
+                <a16:creationId xmlns:a16="http://schemas.microsoft.com/office/drawing/2014/main" id="{19B8891F-0FB0-43C2-9E49-372B4C40F63B}"/>
+              </a:ext>
+            </a:extLst>
+          </p:cNvPr>
+          <p:cNvPicPr>
+            <a:picLocks noChangeAspect="1"/>
+          </p:cNvPicPr>
+          <p:nvPr/>
+        </p:nvPicPr>
+        <p:blipFill>
+          <a:blip r:embed="rId3"/>
+          <a:stretch>
+            <a:fillRect/>
+          </a:stretch>
+        </p:blipFill>
+        <p:spPr>
+          <a:xfrm>
+            <a:off x="630194" y="2287245"/>
+            <a:ext cx="3692920" cy="2565356"/>
+          </a:xfrm>
+          <a:prstGeom prst="rect">
+            <a:avLst/>
+          </a:prstGeom>
+        </p:spPr>
+      </p:pic>
+      <p:pic>
+        <p:nvPicPr>
+          <p:cNvPr id="5" name="Picture 4">
+            <a:extLst>
+              <a:ext uri="{FF2B5EF4-FFF2-40B4-BE49-F238E27FC236}">
+                <a16:creationId xmlns:a16="http://schemas.microsoft.com/office/drawing/2014/main" id="{8B85216B-723B-40C0-BCDE-701ADC4229DD}"/>
+              </a:ext>
+            </a:extLst>
+          </p:cNvPr>
+          <p:cNvPicPr>
+            <a:picLocks noChangeAspect="1"/>
+          </p:cNvPicPr>
+          <p:nvPr/>
+        </p:nvPicPr>
+        <p:blipFill>
+          <a:blip r:embed="rId4"/>
+          <a:stretch>
+            <a:fillRect/>
+          </a:stretch>
+        </p:blipFill>
+        <p:spPr>
+          <a:xfrm>
+            <a:off x="3676650" y="3441133"/>
+            <a:ext cx="4472940" cy="975360"/>
+          </a:xfrm>
+          <a:prstGeom prst="rect">
+            <a:avLst/>
+          </a:prstGeom>
+        </p:spPr>
+      </p:pic>
+    </p:spTree>
+    <p:extLst>
+      <p:ext uri="{BB962C8B-B14F-4D97-AF65-F5344CB8AC3E}">
+        <p14:creationId xmlns:p14="http://schemas.microsoft.com/office/powerpoint/2010/main" val="1630923242"/>
+      </p:ext>
+    </p:extLst>
+  </p:cSld>
+  <p:clrMapOvr>
+    <a:masterClrMapping/>
+  </p:clrMapOvr>
+</p:sld>
+</file>
+
+<file path=ppt/slides/slide11.xml><?xml version="1.0" encoding="utf-8"?>
+<p:sld xmlns:a="http://schemas.openxmlformats.org/drawingml/2006/main" xmlns:r="http://schemas.openxmlformats.org/officeDocument/2006/relationships" xmlns:p="http://schemas.openxmlformats.org/presentationml/2006/main">
+  <p:cSld>
+    <p:spTree>
+      <p:nvGrpSpPr>
+        <p:cNvPr id="1" name="Shape 77"/>
+        <p:cNvGrpSpPr/>
+        <p:nvPr/>
+      </p:nvGrpSpPr>
+      <p:grpSpPr>
+        <a:xfrm>
+          <a:off x="0" y="0"/>
+          <a:ext cx="0" cy="0"/>
+          <a:chOff x="0" y="0"/>
+          <a:chExt cx="0" cy="0"/>
+        </a:xfrm>
+      </p:grpSpPr>
+      <p:sp>
+        <p:nvSpPr>
+          <p:cNvPr id="78" name="Google Shape;78;p17"/>
+          <p:cNvSpPr txBox="1">
+            <a:spLocks noGrp="1"/>
+          </p:cNvSpPr>
+          <p:nvPr>
+            <p:ph type="title"/>
+          </p:nvPr>
+        </p:nvSpPr>
+        <p:spPr>
+          <a:xfrm>
+            <a:off x="311700" y="445025"/>
+            <a:ext cx="8520600" cy="572700"/>
+          </a:xfrm>
+          <a:prstGeom prst="rect">
+            <a:avLst/>
+          </a:prstGeom>
+        </p:spPr>
+        <p:txBody>
+          <a:bodyPr spcFirstLastPara="1" wrap="square" lIns="91425" tIns="91425" rIns="91425" bIns="91425" anchor="t" anchorCtr="0">
+            <a:noAutofit/>
+          </a:bodyPr>
+          <a:lstStyle/>
+          <a:p>
+            <a:pPr marL="0" lvl="0" indent="0" algn="l" rtl="0">
+              <a:spcBef>
+                <a:spcPts val="0"/>
+              </a:spcBef>
+              <a:spcAft>
+                <a:spcPts val="0"/>
+              </a:spcAft>
+              <a:buNone/>
+            </a:pPr>
+            <a:r>
+              <a:rPr lang="en" dirty="0"/>
+              <a:t>Component 2 v4 - Test Plan (and screenshot)</a:t>
+            </a:r>
+            <a:endParaRPr dirty="0"/>
+          </a:p>
+        </p:txBody>
+      </p:sp>
+      <p:graphicFrame>
+        <p:nvGraphicFramePr>
+          <p:cNvPr id="79" name="Google Shape;79;p17"/>
+          <p:cNvGraphicFramePr/>
+          <p:nvPr>
+            <p:extLst>
+              <p:ext uri="{D42A27DB-BD31-4B8C-83A1-F6EECF244321}">
+                <p14:modId xmlns:p14="http://schemas.microsoft.com/office/powerpoint/2010/main" val="3851555464"/>
+              </p:ext>
+            </p:extLst>
+          </p:nvPr>
+        </p:nvGraphicFramePr>
+        <p:xfrm>
+          <a:off x="382475" y="1267725"/>
+          <a:ext cx="8520600" cy="2011620"/>
+        </p:xfrm>
+        <a:graphic>
+          <a:graphicData uri="http://schemas.openxmlformats.org/drawingml/2006/table">
+            <a:tbl>
+              <a:tblPr>
+                <a:noFill/>
+                <a:tableStyleId>{E1099E06-0E6B-448D-9D27-60429F06E6F4}</a:tableStyleId>
+              </a:tblPr>
+              <a:tblGrid>
+                <a:gridCol w="4260300">
+                  <a:extLst>
+                    <a:ext uri="{9D8B030D-6E8A-4147-A177-3AD203B41FA5}">
+                      <a16:colId xmlns:a16="http://schemas.microsoft.com/office/drawing/2014/main" val="20000"/>
+                    </a:ext>
+                  </a:extLst>
+                </a:gridCol>
+                <a:gridCol w="4260300">
+                  <a:extLst>
+                    <a:ext uri="{9D8B030D-6E8A-4147-A177-3AD203B41FA5}">
+                      <a16:colId xmlns:a16="http://schemas.microsoft.com/office/drawing/2014/main" val="20001"/>
+                    </a:ext>
+                  </a:extLst>
+                </a:gridCol>
+              </a:tblGrid>
+              <a:tr h="381000">
+                <a:tc>
+                  <a:txBody>
+                    <a:bodyPr/>
+                    <a:lstStyle/>
+                    <a:p>
+                      <a:pPr marL="0" lvl="0" indent="0" algn="l" rtl="0">
+                        <a:spcBef>
+                          <a:spcPts val="0"/>
+                        </a:spcBef>
+                        <a:spcAft>
+                          <a:spcPts val="0"/>
+                        </a:spcAft>
+                        <a:buNone/>
+                      </a:pPr>
+                      <a:r>
+                        <a:rPr lang="en" sz="1800" b="1"/>
+                        <a:t>Test Case</a:t>
+                      </a:r>
+                      <a:endParaRPr sz="1800" b="1"/>
+                    </a:p>
+                  </a:txBody>
+                  <a:tcPr marL="91425" marR="91425" marT="91425" marB="91425">
+                    <a:solidFill>
+                      <a:srgbClr val="CCCCCC"/>
+                    </a:solidFill>
+                  </a:tcPr>
+                </a:tc>
+                <a:tc>
+                  <a:txBody>
+                    <a:bodyPr/>
+                    <a:lstStyle/>
+                    <a:p>
+                      <a:pPr marL="0" lvl="0" indent="0" algn="l" rtl="0">
+                        <a:spcBef>
+                          <a:spcPts val="0"/>
+                        </a:spcBef>
+                        <a:spcAft>
+                          <a:spcPts val="0"/>
+                        </a:spcAft>
+                        <a:buNone/>
+                      </a:pPr>
+                      <a:r>
+                        <a:rPr lang="en" sz="1800" b="1"/>
+                        <a:t>Expected Values</a:t>
+                      </a:r>
+                      <a:endParaRPr sz="1800" b="1"/>
+                    </a:p>
+                  </a:txBody>
+                  <a:tcPr marL="91425" marR="91425" marT="91425" marB="91425">
+                    <a:solidFill>
+                      <a:srgbClr val="CCCCCC"/>
+                    </a:solidFill>
+                  </a:tcPr>
+                </a:tc>
+                <a:extLst>
+                  <a:ext uri="{0D108BD9-81ED-4DB2-BD59-A6C34878D82A}">
+                    <a16:rowId xmlns:a16="http://schemas.microsoft.com/office/drawing/2014/main" val="10000"/>
+                  </a:ext>
+                </a:extLst>
+              </a:tr>
+              <a:tr h="396200">
+                <a:tc>
+                  <a:txBody>
+                    <a:bodyPr/>
+                    <a:lstStyle/>
+                    <a:p>
+                      <a:pPr marL="0" lvl="0" indent="0" algn="l" rtl="0">
+                        <a:spcBef>
+                          <a:spcPts val="0"/>
+                        </a:spcBef>
+                        <a:spcAft>
+                          <a:spcPts val="0"/>
+                        </a:spcAft>
+                        <a:buNone/>
+                      </a:pPr>
+                      <a:r>
+                        <a:rPr lang="en-NZ" sz="1800" dirty="0"/>
+                        <a:t>Run program</a:t>
+                      </a:r>
+                      <a:endParaRPr sz="1800" dirty="0"/>
+                    </a:p>
+                  </a:txBody>
+                  <a:tcPr marL="91425" marR="91425" marT="91425" marB="91425"/>
+                </a:tc>
+                <a:tc>
+                  <a:txBody>
+                    <a:bodyPr/>
+                    <a:lstStyle/>
+                    <a:p>
+                      <a:pPr marL="0" lvl="0" indent="0" algn="l" rtl="0">
+                        <a:spcBef>
+                          <a:spcPts val="0"/>
+                        </a:spcBef>
+                        <a:spcAft>
+                          <a:spcPts val="0"/>
+                        </a:spcAft>
+                        <a:buNone/>
+                      </a:pPr>
+                      <a:r>
+                        <a:rPr lang="en-NZ" sz="1800" dirty="0"/>
+                        <a:t>Enter 1 program prints pickup</a:t>
+                      </a:r>
+                    </a:p>
+                    <a:p>
+                      <a:pPr marL="0" lvl="0" indent="0" algn="l" rtl="0">
+                        <a:spcBef>
+                          <a:spcPts val="0"/>
+                        </a:spcBef>
+                        <a:spcAft>
+                          <a:spcPts val="0"/>
+                        </a:spcAft>
+                        <a:buNone/>
+                      </a:pPr>
+                      <a:r>
+                        <a:rPr lang="en-NZ" sz="1800" dirty="0"/>
+                        <a:t>Enter 2 program prints delivery</a:t>
+                      </a:r>
+                    </a:p>
+                    <a:p>
+                      <a:pPr marL="0" lvl="0" indent="0" algn="l" rtl="0">
+                        <a:spcBef>
+                          <a:spcPts val="0"/>
+                        </a:spcBef>
+                        <a:spcAft>
+                          <a:spcPts val="0"/>
+                        </a:spcAft>
+                        <a:buNone/>
+                      </a:pPr>
+                      <a:r>
+                        <a:rPr lang="en-NZ" sz="1800" dirty="0"/>
+                        <a:t>Enter invalid prints error message.</a:t>
+                      </a:r>
+                    </a:p>
+                    <a:p>
+                      <a:pPr marL="0" lvl="0" indent="0" algn="l" rtl="0">
+                        <a:spcBef>
+                          <a:spcPts val="0"/>
+                        </a:spcBef>
+                        <a:spcAft>
+                          <a:spcPts val="0"/>
+                        </a:spcAft>
+                        <a:buNone/>
+                      </a:pPr>
+                      <a:r>
+                        <a:rPr lang="en-NZ" sz="1800" dirty="0"/>
+                        <a:t>Enter number other than 1 or 2 does not work.</a:t>
+                      </a:r>
+                    </a:p>
+                  </a:txBody>
+                  <a:tcPr marL="91425" marR="91425" marT="91425" marB="91425"/>
+                </a:tc>
+                <a:extLst>
+                  <a:ext uri="{0D108BD9-81ED-4DB2-BD59-A6C34878D82A}">
+                    <a16:rowId xmlns:a16="http://schemas.microsoft.com/office/drawing/2014/main" val="10001"/>
+                  </a:ext>
+                </a:extLst>
+              </a:tr>
+            </a:tbl>
+          </a:graphicData>
+        </a:graphic>
+      </p:graphicFrame>
+      <p:pic>
+        <p:nvPicPr>
+          <p:cNvPr id="4" name="Picture 3">
+            <a:extLst>
+              <a:ext uri="{FF2B5EF4-FFF2-40B4-BE49-F238E27FC236}">
+                <a16:creationId xmlns:a16="http://schemas.microsoft.com/office/drawing/2014/main" id="{6944081F-ADB6-4966-947D-9D9115F39259}"/>
+              </a:ext>
+            </a:extLst>
+          </p:cNvPr>
+          <p:cNvPicPr>
+            <a:picLocks noChangeAspect="1"/>
+          </p:cNvPicPr>
+          <p:nvPr/>
+        </p:nvPicPr>
+        <p:blipFill>
+          <a:blip r:embed="rId3"/>
+          <a:stretch>
+            <a:fillRect/>
+          </a:stretch>
+        </p:blipFill>
+        <p:spPr>
+          <a:xfrm>
+            <a:off x="513167" y="2193325"/>
+            <a:ext cx="2862390" cy="2835258"/>
+          </a:xfrm>
+          <a:prstGeom prst="rect">
+            <a:avLst/>
+          </a:prstGeom>
+        </p:spPr>
+      </p:pic>
+      <p:pic>
+        <p:nvPicPr>
+          <p:cNvPr id="7" name="Picture 6">
+            <a:extLst>
+              <a:ext uri="{FF2B5EF4-FFF2-40B4-BE49-F238E27FC236}">
+                <a16:creationId xmlns:a16="http://schemas.microsoft.com/office/drawing/2014/main" id="{2B6739F8-E229-48E8-931A-A93867EA9DCD}"/>
+              </a:ext>
+            </a:extLst>
+          </p:cNvPr>
+          <p:cNvPicPr>
+            <a:picLocks noChangeAspect="1"/>
+          </p:cNvPicPr>
+          <p:nvPr/>
+        </p:nvPicPr>
+        <p:blipFill>
+          <a:blip r:embed="rId4"/>
+          <a:stretch>
+            <a:fillRect/>
+          </a:stretch>
+        </p:blipFill>
+        <p:spPr>
+          <a:xfrm>
+            <a:off x="3771591" y="3232321"/>
+            <a:ext cx="4640580" cy="1623060"/>
+          </a:xfrm>
+          <a:prstGeom prst="rect">
+            <a:avLst/>
+          </a:prstGeom>
+        </p:spPr>
+      </p:pic>
+    </p:spTree>
+    <p:extLst>
+      <p:ext uri="{BB962C8B-B14F-4D97-AF65-F5344CB8AC3E}">
+        <p14:creationId xmlns:p14="http://schemas.microsoft.com/office/powerpoint/2010/main" val="2227412751"/>
+      </p:ext>
+    </p:extLst>
+  </p:cSld>
+  <p:clrMapOvr>
+    <a:masterClrMapping/>
+  </p:clrMapOvr>
+</p:sld>
+</file>
+
+<file path=ppt/slides/slide12.xml><?xml version="1.0" encoding="utf-8"?>
+<p:sld xmlns:a="http://schemas.openxmlformats.org/drawingml/2006/main" xmlns:r="http://schemas.openxmlformats.org/officeDocument/2006/relationships" xmlns:p="http://schemas.openxmlformats.org/presentationml/2006/main">
+  <p:cSld>
+    <p:spTree>
+      <p:nvGrpSpPr>
+        <p:cNvPr id="1" name="Shape 77"/>
+        <p:cNvGrpSpPr/>
+        <p:nvPr/>
+      </p:nvGrpSpPr>
+      <p:grpSpPr>
+        <a:xfrm>
+          <a:off x="0" y="0"/>
+          <a:ext cx="0" cy="0"/>
+          <a:chOff x="0" y="0"/>
+          <a:chExt cx="0" cy="0"/>
+        </a:xfrm>
+      </p:grpSpPr>
+      <p:sp>
+        <p:nvSpPr>
+          <p:cNvPr id="78" name="Google Shape;78;p17"/>
+          <p:cNvSpPr txBox="1">
+            <a:spLocks noGrp="1"/>
+          </p:cNvSpPr>
+          <p:nvPr>
+            <p:ph type="title"/>
+          </p:nvPr>
+        </p:nvSpPr>
+        <p:spPr>
+          <a:xfrm>
+            <a:off x="311700" y="445025"/>
+            <a:ext cx="8520600" cy="572700"/>
+          </a:xfrm>
+          <a:prstGeom prst="rect">
+            <a:avLst/>
+          </a:prstGeom>
+        </p:spPr>
+        <p:txBody>
+          <a:bodyPr spcFirstLastPara="1" wrap="square" lIns="91425" tIns="91425" rIns="91425" bIns="91425" anchor="t" anchorCtr="0">
+            <a:noAutofit/>
+          </a:bodyPr>
+          <a:lstStyle/>
+          <a:p>
+            <a:pPr marL="0" lvl="0" indent="0" algn="l" rtl="0">
+              <a:spcBef>
+                <a:spcPts val="0"/>
+              </a:spcBef>
+              <a:spcAft>
+                <a:spcPts val="0"/>
+              </a:spcAft>
+              <a:buNone/>
+            </a:pPr>
+            <a:r>
+              <a:rPr lang="en" dirty="0"/>
+              <a:t>Component 2 v5 - Test Plan (and screenshot)</a:t>
+            </a:r>
+            <a:endParaRPr dirty="0"/>
+          </a:p>
+        </p:txBody>
+      </p:sp>
+      <p:graphicFrame>
+        <p:nvGraphicFramePr>
+          <p:cNvPr id="79" name="Google Shape;79;p17"/>
+          <p:cNvGraphicFramePr/>
+          <p:nvPr>
+            <p:extLst>
+              <p:ext uri="{D42A27DB-BD31-4B8C-83A1-F6EECF244321}">
+                <p14:modId xmlns:p14="http://schemas.microsoft.com/office/powerpoint/2010/main" val="2472987789"/>
+              </p:ext>
+            </p:extLst>
+          </p:nvPr>
+        </p:nvGraphicFramePr>
+        <p:xfrm>
+          <a:off x="382475" y="1267725"/>
+          <a:ext cx="8520600" cy="2285940"/>
+        </p:xfrm>
+        <a:graphic>
+          <a:graphicData uri="http://schemas.openxmlformats.org/drawingml/2006/table">
+            <a:tbl>
+              <a:tblPr>
+                <a:noFill/>
+                <a:tableStyleId>{E1099E06-0E6B-448D-9D27-60429F06E6F4}</a:tableStyleId>
+              </a:tblPr>
+              <a:tblGrid>
+                <a:gridCol w="4260300">
+                  <a:extLst>
+                    <a:ext uri="{9D8B030D-6E8A-4147-A177-3AD203B41FA5}">
+                      <a16:colId xmlns:a16="http://schemas.microsoft.com/office/drawing/2014/main" val="20000"/>
+                    </a:ext>
+                  </a:extLst>
+                </a:gridCol>
+                <a:gridCol w="4260300">
+                  <a:extLst>
+                    <a:ext uri="{9D8B030D-6E8A-4147-A177-3AD203B41FA5}">
+                      <a16:colId xmlns:a16="http://schemas.microsoft.com/office/drawing/2014/main" val="20001"/>
+                    </a:ext>
+                  </a:extLst>
+                </a:gridCol>
+              </a:tblGrid>
+              <a:tr h="381000">
+                <a:tc>
+                  <a:txBody>
+                    <a:bodyPr/>
+                    <a:lstStyle/>
+                    <a:p>
+                      <a:pPr marL="0" lvl="0" indent="0" algn="l" rtl="0">
+                        <a:spcBef>
+                          <a:spcPts val="0"/>
+                        </a:spcBef>
+                        <a:spcAft>
+                          <a:spcPts val="0"/>
+                        </a:spcAft>
+                        <a:buNone/>
+                      </a:pPr>
+                      <a:r>
+                        <a:rPr lang="en" sz="1800" b="1"/>
+                        <a:t>Test Case</a:t>
+                      </a:r>
+                      <a:endParaRPr sz="1800" b="1"/>
+                    </a:p>
+                  </a:txBody>
+                  <a:tcPr marL="91425" marR="91425" marT="91425" marB="91425">
+                    <a:solidFill>
+                      <a:srgbClr val="CCCCCC"/>
+                    </a:solidFill>
+                  </a:tcPr>
+                </a:tc>
+                <a:tc>
+                  <a:txBody>
+                    <a:bodyPr/>
+                    <a:lstStyle/>
+                    <a:p>
+                      <a:pPr marL="0" lvl="0" indent="0" algn="l" rtl="0">
+                        <a:spcBef>
+                          <a:spcPts val="0"/>
+                        </a:spcBef>
+                        <a:spcAft>
+                          <a:spcPts val="0"/>
+                        </a:spcAft>
+                        <a:buNone/>
+                      </a:pPr>
+                      <a:r>
+                        <a:rPr lang="en" sz="1800" b="1"/>
+                        <a:t>Expected Values</a:t>
+                      </a:r>
+                      <a:endParaRPr sz="1800" b="1"/>
+                    </a:p>
+                  </a:txBody>
+                  <a:tcPr marL="91425" marR="91425" marT="91425" marB="91425">
+                    <a:solidFill>
+                      <a:srgbClr val="CCCCCC"/>
+                    </a:solidFill>
+                  </a:tcPr>
+                </a:tc>
+                <a:extLst>
+                  <a:ext uri="{0D108BD9-81ED-4DB2-BD59-A6C34878D82A}">
+                    <a16:rowId xmlns:a16="http://schemas.microsoft.com/office/drawing/2014/main" val="10000"/>
+                  </a:ext>
+                </a:extLst>
+              </a:tr>
+              <a:tr h="396200">
+                <a:tc>
+                  <a:txBody>
+                    <a:bodyPr/>
+                    <a:lstStyle/>
+                    <a:p>
+                      <a:pPr marL="0" lvl="0" indent="0" algn="l" rtl="0">
+                        <a:spcBef>
+                          <a:spcPts val="0"/>
+                        </a:spcBef>
+                        <a:spcAft>
+                          <a:spcPts val="0"/>
+                        </a:spcAft>
+                        <a:buNone/>
+                      </a:pPr>
+                      <a:r>
+                        <a:rPr lang="en-NZ" sz="1800" dirty="0"/>
+                        <a:t>Run program</a:t>
+                      </a:r>
+                      <a:endParaRPr sz="1800" dirty="0"/>
+                    </a:p>
+                  </a:txBody>
+                  <a:tcPr marL="91425" marR="91425" marT="91425" marB="91425"/>
+                </a:tc>
+                <a:tc>
+                  <a:txBody>
+                    <a:bodyPr/>
+                    <a:lstStyle/>
+                    <a:p>
+                      <a:pPr marL="0" lvl="0" indent="0" algn="l" rtl="0">
+                        <a:spcBef>
+                          <a:spcPts val="0"/>
+                        </a:spcBef>
+                        <a:spcAft>
+                          <a:spcPts val="0"/>
+                        </a:spcAft>
+                        <a:buNone/>
+                      </a:pPr>
+                      <a:r>
+                        <a:rPr lang="en-NZ" sz="1800" dirty="0"/>
+                        <a:t>Enter 1 program prints pickup</a:t>
+                      </a:r>
+                    </a:p>
+                    <a:p>
+                      <a:pPr marL="0" lvl="0" indent="0" algn="l" rtl="0">
+                        <a:spcBef>
+                          <a:spcPts val="0"/>
+                        </a:spcBef>
+                        <a:spcAft>
+                          <a:spcPts val="0"/>
+                        </a:spcAft>
+                        <a:buNone/>
+                      </a:pPr>
+                      <a:r>
+                        <a:rPr lang="en-NZ" sz="1800" dirty="0"/>
+                        <a:t>Enter 2 program prints delivery</a:t>
+                      </a:r>
+                    </a:p>
+                    <a:p>
+                      <a:pPr marL="0" lvl="0" indent="0" algn="l" rtl="0">
+                        <a:spcBef>
+                          <a:spcPts val="0"/>
+                        </a:spcBef>
+                        <a:spcAft>
+                          <a:spcPts val="0"/>
+                        </a:spcAft>
+                        <a:buNone/>
+                      </a:pPr>
+                      <a:r>
+                        <a:rPr lang="en-NZ" sz="1800" dirty="0"/>
+                        <a:t>Enter invalid entry - error message asks for input again.</a:t>
+                      </a:r>
+                    </a:p>
+                    <a:p>
+                      <a:pPr marL="0" lvl="0" indent="0" algn="l" rtl="0">
+                        <a:spcBef>
+                          <a:spcPts val="0"/>
+                        </a:spcBef>
+                        <a:spcAft>
+                          <a:spcPts val="0"/>
+                        </a:spcAft>
+                        <a:buNone/>
+                      </a:pPr>
+                      <a:r>
+                        <a:rPr lang="en-NZ" sz="1800" dirty="0"/>
+                        <a:t>Enter number other than 1 or 2 – error message asks for entry again.</a:t>
+                      </a:r>
+                    </a:p>
+                  </a:txBody>
+                  <a:tcPr marL="91425" marR="91425" marT="91425" marB="91425"/>
+                </a:tc>
+                <a:extLst>
+                  <a:ext uri="{0D108BD9-81ED-4DB2-BD59-A6C34878D82A}">
+                    <a16:rowId xmlns:a16="http://schemas.microsoft.com/office/drawing/2014/main" val="10001"/>
+                  </a:ext>
+                </a:extLst>
+              </a:tr>
+            </a:tbl>
+          </a:graphicData>
+        </a:graphic>
+      </p:graphicFrame>
+      <p:pic>
+        <p:nvPicPr>
+          <p:cNvPr id="3" name="Picture 2">
+            <a:extLst>
+              <a:ext uri="{FF2B5EF4-FFF2-40B4-BE49-F238E27FC236}">
+                <a16:creationId xmlns:a16="http://schemas.microsoft.com/office/drawing/2014/main" id="{61BF1EB1-5532-4CC7-B97E-841696657934}"/>
+              </a:ext>
+            </a:extLst>
+          </p:cNvPr>
+          <p:cNvPicPr>
+            <a:picLocks noChangeAspect="1"/>
+          </p:cNvPicPr>
+          <p:nvPr/>
+        </p:nvPicPr>
+        <p:blipFill>
+          <a:blip r:embed="rId3"/>
+          <a:stretch>
+            <a:fillRect/>
+          </a:stretch>
+        </p:blipFill>
+        <p:spPr>
+          <a:xfrm>
+            <a:off x="508092" y="2280359"/>
+            <a:ext cx="2951913" cy="2756361"/>
+          </a:xfrm>
+          <a:prstGeom prst="rect">
+            <a:avLst/>
+          </a:prstGeom>
+        </p:spPr>
+      </p:pic>
+      <p:pic>
+        <p:nvPicPr>
+          <p:cNvPr id="6" name="Picture 5">
+            <a:extLst>
+              <a:ext uri="{FF2B5EF4-FFF2-40B4-BE49-F238E27FC236}">
+                <a16:creationId xmlns:a16="http://schemas.microsoft.com/office/drawing/2014/main" id="{B499D918-E716-4330-830F-7ADBF43D5709}"/>
+              </a:ext>
+            </a:extLst>
+          </p:cNvPr>
+          <p:cNvPicPr>
+            <a:picLocks noChangeAspect="1"/>
+          </p:cNvPicPr>
+          <p:nvPr/>
+        </p:nvPicPr>
+        <p:blipFill>
+          <a:blip r:embed="rId4"/>
+          <a:stretch>
+            <a:fillRect/>
+          </a:stretch>
+        </p:blipFill>
+        <p:spPr>
+          <a:xfrm>
+            <a:off x="3694176" y="3553665"/>
+            <a:ext cx="3051972" cy="1553369"/>
+          </a:xfrm>
+          <a:prstGeom prst="rect">
+            <a:avLst/>
+          </a:prstGeom>
+        </p:spPr>
+      </p:pic>
+    </p:spTree>
+    <p:extLst>
+      <p:ext uri="{BB962C8B-B14F-4D97-AF65-F5344CB8AC3E}">
+        <p14:creationId xmlns:p14="http://schemas.microsoft.com/office/powerpoint/2010/main" val="11868190"/>
+      </p:ext>
+    </p:extLst>
+  </p:cSld>
+  <p:clrMapOvr>
+    <a:masterClrMapping/>
+  </p:clrMapOvr>
+</p:sld>
+</file>
+
+<file path=ppt/slides/slide13.xml><?xml version="1.0" encoding="utf-8"?>
+<p:sld xmlns:a="http://schemas.openxmlformats.org/drawingml/2006/main" xmlns:r="http://schemas.openxmlformats.org/officeDocument/2006/relationships" xmlns:p="http://schemas.openxmlformats.org/presentationml/2006/main">
+  <p:cSld>
+    <p:bg>
+      <p:bgPr>
+        <a:solidFill>
+          <a:srgbClr val="D9EAD3"/>
+        </a:solidFill>
+        <a:effectLst/>
+      </p:bgPr>
+    </p:bg>
+    <p:spTree>
+      <p:nvGrpSpPr>
+        <p:cNvPr id="1" name="Shape 83"/>
+        <p:cNvGrpSpPr/>
+        <p:nvPr/>
+      </p:nvGrpSpPr>
+      <p:grpSpPr>
+        <a:xfrm>
+          <a:off x="0" y="0"/>
+          <a:ext cx="0" cy="0"/>
+          <a:chOff x="0" y="0"/>
+          <a:chExt cx="0" cy="0"/>
+        </a:xfrm>
+      </p:grpSpPr>
+      <p:sp>
+        <p:nvSpPr>
+          <p:cNvPr id="84" name="Google Shape;84;p18"/>
+          <p:cNvSpPr txBox="1">
+            <a:spLocks noGrp="1"/>
+          </p:cNvSpPr>
+          <p:nvPr>
+            <p:ph type="title"/>
+          </p:nvPr>
+        </p:nvSpPr>
+        <p:spPr>
+          <a:xfrm>
+            <a:off x="311700" y="445025"/>
+            <a:ext cx="8520600" cy="572700"/>
+          </a:xfrm>
+          <a:prstGeom prst="rect">
+            <a:avLst/>
+          </a:prstGeom>
+        </p:spPr>
+        <p:txBody>
+          <a:bodyPr spcFirstLastPara="1" wrap="square" lIns="91425" tIns="91425" rIns="91425" bIns="91425" anchor="t" anchorCtr="0">
+            <a:noAutofit/>
+          </a:bodyPr>
+          <a:lstStyle/>
+          <a:p>
+            <a:pPr marL="0" lvl="0" indent="0" algn="l" rtl="0">
+              <a:spcBef>
+                <a:spcPts val="0"/>
+              </a:spcBef>
+              <a:spcAft>
+                <a:spcPts val="0"/>
+              </a:spcAft>
+              <a:buNone/>
+            </a:pPr>
+            <a:r>
+              <a:rPr lang="en"/>
+              <a:t>Version Control Evidence</a:t>
+            </a:r>
+            <a:endParaRPr/>
+          </a:p>
+        </p:txBody>
+      </p:sp>
+      <p:sp>
+        <p:nvSpPr>
+          <p:cNvPr id="85" name="Google Shape;85;p18"/>
+          <p:cNvSpPr txBox="1">
+            <a:spLocks noGrp="1"/>
+          </p:cNvSpPr>
+          <p:nvPr>
+            <p:ph type="body" idx="1"/>
+          </p:nvPr>
+        </p:nvSpPr>
+        <p:spPr>
+          <a:xfrm>
+            <a:off x="311700" y="1152475"/>
+            <a:ext cx="8464200" cy="3739200"/>
+          </a:xfrm>
+          <a:prstGeom prst="rect">
+            <a:avLst/>
+          </a:prstGeom>
+        </p:spPr>
+        <p:txBody>
+          <a:bodyPr spcFirstLastPara="1" wrap="square" lIns="91425" tIns="91425" rIns="91425" bIns="91425" anchor="t" anchorCtr="0">
+            <a:noAutofit/>
+          </a:bodyPr>
+          <a:lstStyle/>
+          <a:p>
+            <a:pPr marL="0" lvl="0" indent="0" algn="l" rtl="0">
+              <a:spcBef>
+                <a:spcPts val="0"/>
+              </a:spcBef>
+              <a:spcAft>
+                <a:spcPts val="1600"/>
+              </a:spcAft>
+              <a:buNone/>
+            </a:pPr>
+            <a:r>
+              <a:rPr lang="en" i="1"/>
+              <a:t>Your version control evidence should go here.  This could be in the form of annotated screenshots which show you you managed this process or you could make a brief screencast explaining how you implemented version control.</a:t>
+            </a:r>
+            <a:endParaRPr i="1"/>
+          </a:p>
+        </p:txBody>
+      </p:sp>
+    </p:spTree>
+  </p:cSld>
+  <p:clrMapOvr>
+    <a:masterClrMapping/>
+  </p:clrMapOvr>
+</p:sld>
+</file>
+
+<file path=ppt/slides/slide14.xml><?xml version="1.0" encoding="utf-8"?>
+<p:sld xmlns:a="http://schemas.openxmlformats.org/drawingml/2006/main" xmlns:r="http://schemas.openxmlformats.org/officeDocument/2006/relationships" xmlns:p="http://schemas.openxmlformats.org/presentationml/2006/main">
+  <p:cSld>
     <p:bg>
       <p:bgPr>
         <a:solidFill>
@@ -8061,6 +9602,36 @@
           </a:p>
         </p:txBody>
       </p:sp>
+      <p:pic>
+        <p:nvPicPr>
+          <p:cNvPr id="3" name="Picture 2">
+            <a:extLst>
+              <a:ext uri="{FF2B5EF4-FFF2-40B4-BE49-F238E27FC236}">
+                <a16:creationId xmlns:a16="http://schemas.microsoft.com/office/drawing/2014/main" id="{9CF5CAC5-C499-45FC-82BD-C3E03C91DF39}"/>
+              </a:ext>
+            </a:extLst>
+          </p:cNvPr>
+          <p:cNvPicPr>
+            <a:picLocks noChangeAspect="1"/>
+          </p:cNvPicPr>
+          <p:nvPr/>
+        </p:nvPicPr>
+        <p:blipFill>
+          <a:blip r:embed="rId3"/>
+          <a:stretch>
+            <a:fillRect/>
+          </a:stretch>
+        </p:blipFill>
+        <p:spPr>
+          <a:xfrm>
+            <a:off x="235974" y="1557341"/>
+            <a:ext cx="8672052" cy="2665489"/>
+          </a:xfrm>
+          <a:prstGeom prst="rect">
+            <a:avLst/>
+          </a:prstGeom>
+        </p:spPr>
+      </p:pic>
     </p:spTree>
     <p:extLst>
       <p:ext uri="{BB962C8B-B14F-4D97-AF65-F5344CB8AC3E}">
@@ -8127,7 +9698,7 @@
             </a:pPr>
             <a:r>
               <a:rPr lang="en" dirty="0"/>
-              <a:t>Component 2 - Test Plan (and screenshot)</a:t>
+              <a:t>Component 2 v1 - Test Plan (and screenshot)</a:t>
             </a:r>
             <a:endParaRPr dirty="0"/>
           </a:p>
@@ -8137,11 +9708,17 @@
         <p:nvGraphicFramePr>
           <p:cNvPr id="79" name="Google Shape;79;p17"/>
           <p:cNvGraphicFramePr/>
-          <p:nvPr/>
+          <p:nvPr>
+            <p:extLst>
+              <p:ext uri="{D42A27DB-BD31-4B8C-83A1-F6EECF244321}">
+                <p14:modId xmlns:p14="http://schemas.microsoft.com/office/powerpoint/2010/main" val="1911938856"/>
+              </p:ext>
+            </p:extLst>
+          </p:nvPr>
         </p:nvGraphicFramePr>
         <p:xfrm>
           <a:off x="382475" y="1267725"/>
-          <a:ext cx="8520600" cy="914340"/>
+          <a:ext cx="8520600" cy="1462980"/>
         </p:xfrm>
         <a:graphic>
           <a:graphicData uri="http://schemas.openxmlformats.org/drawingml/2006/table">
@@ -8242,7 +9819,11 @@
                         </a:spcAft>
                         <a:buNone/>
                       </a:pPr>
-                      <a:endParaRPr sz="1800"/>
+                      <a:r>
+                        <a:rPr lang="en-NZ" sz="1800" dirty="0"/>
+                        <a:t>Run program</a:t>
+                      </a:r>
+                      <a:endParaRPr sz="1800" dirty="0"/>
                     </a:p>
                   </a:txBody>
                   <a:tcPr marL="91425" marR="91425" marT="91425" marB="91425"/>
@@ -8261,7 +9842,41 @@
                         </a:spcAft>
                         <a:buNone/>
                       </a:pPr>
-                      <a:endParaRPr sz="1800"/>
+                      <a:r>
+                        <a:rPr lang="en-NZ" sz="1800" dirty="0"/>
+                        <a:t>Enter p program prints pickup</a:t>
+                      </a:r>
+                    </a:p>
+                    <a:p>
+                      <a:pPr marL="0" lvl="0" indent="0" algn="l" rtl="0">
+                        <a:spcBef>
+                          <a:spcPts val="0"/>
+                        </a:spcBef>
+                        <a:spcAft>
+                          <a:spcPts val="0"/>
+                        </a:spcAft>
+                        <a:buNone/>
+                      </a:pPr>
+                      <a:r>
+                        <a:rPr lang="en-NZ" sz="1800" dirty="0"/>
+                        <a:t>Enter d program prints delivery</a:t>
+                      </a:r>
+                    </a:p>
+                    <a:p>
+                      <a:pPr marL="0" lvl="0" indent="0" algn="l" rtl="0">
+                        <a:spcBef>
+                          <a:spcPts val="0"/>
+                        </a:spcBef>
+                        <a:spcAft>
+                          <a:spcPts val="0"/>
+                        </a:spcAft>
+                        <a:buNone/>
+                      </a:pPr>
+                      <a:r>
+                        <a:rPr lang="en-NZ" sz="1800" dirty="0"/>
+                        <a:t>Enter invalid program stops.</a:t>
+                      </a:r>
+                      <a:endParaRPr sz="1800" dirty="0"/>
                     </a:p>
                   </a:txBody>
                   <a:tcPr marL="91425" marR="91425" marT="91425" marB="91425"/>
@@ -8276,6 +9891,66 @@
           </a:graphicData>
         </a:graphic>
       </p:graphicFrame>
+      <p:pic>
+        <p:nvPicPr>
+          <p:cNvPr id="7" name="Picture 6">
+            <a:extLst>
+              <a:ext uri="{FF2B5EF4-FFF2-40B4-BE49-F238E27FC236}">
+                <a16:creationId xmlns:a16="http://schemas.microsoft.com/office/drawing/2014/main" id="{9DCD9271-E841-401F-A59F-A84C01F4CAB0}"/>
+              </a:ext>
+            </a:extLst>
+          </p:cNvPr>
+          <p:cNvPicPr>
+            <a:picLocks noChangeAspect="1"/>
+          </p:cNvPicPr>
+          <p:nvPr/>
+        </p:nvPicPr>
+        <p:blipFill>
+          <a:blip r:embed="rId3"/>
+          <a:stretch>
+            <a:fillRect/>
+          </a:stretch>
+        </p:blipFill>
+        <p:spPr>
+          <a:xfrm>
+            <a:off x="382475" y="2788764"/>
+            <a:ext cx="4189525" cy="2244187"/>
+          </a:xfrm>
+          <a:prstGeom prst="rect">
+            <a:avLst/>
+          </a:prstGeom>
+        </p:spPr>
+      </p:pic>
+      <p:pic>
+        <p:nvPicPr>
+          <p:cNvPr id="9" name="Picture 8">
+            <a:extLst>
+              <a:ext uri="{FF2B5EF4-FFF2-40B4-BE49-F238E27FC236}">
+                <a16:creationId xmlns:a16="http://schemas.microsoft.com/office/drawing/2014/main" id="{7729169E-43B9-41BB-AD26-86937845EA78}"/>
+              </a:ext>
+            </a:extLst>
+          </p:cNvPr>
+          <p:cNvPicPr>
+            <a:picLocks noChangeAspect="1"/>
+          </p:cNvPicPr>
+          <p:nvPr/>
+        </p:nvPicPr>
+        <p:blipFill>
+          <a:blip r:embed="rId4"/>
+          <a:stretch>
+            <a:fillRect/>
+          </a:stretch>
+        </p:blipFill>
+        <p:spPr>
+          <a:xfrm>
+            <a:off x="2381970" y="4088628"/>
+            <a:ext cx="6450330" cy="800118"/>
+          </a:xfrm>
+          <a:prstGeom prst="rect">
+            <a:avLst/>
+          </a:prstGeom>
+        </p:spPr>
+      </p:pic>
     </p:spTree>
     <p:extLst>
       <p:ext uri="{BB962C8B-B14F-4D97-AF65-F5344CB8AC3E}">
@@ -8292,17 +9967,9 @@
 <file path=ppt/slides/slide9.xml><?xml version="1.0" encoding="utf-8"?>
 <p:sld xmlns:a="http://schemas.openxmlformats.org/drawingml/2006/main" xmlns:r="http://schemas.openxmlformats.org/officeDocument/2006/relationships" xmlns:p="http://schemas.openxmlformats.org/presentationml/2006/main">
   <p:cSld>
-    <p:bg>
-      <p:bgPr>
-        <a:solidFill>
-          <a:srgbClr val="D9EAD3"/>
-        </a:solidFill>
-        <a:effectLst/>
-      </p:bgPr>
-    </p:bg>
     <p:spTree>
       <p:nvGrpSpPr>
-        <p:cNvPr id="1" name="Shape 83"/>
+        <p:cNvPr id="1" name="Shape 77"/>
         <p:cNvGrpSpPr/>
         <p:nvPr/>
       </p:nvGrpSpPr>
@@ -8316,7 +9983,7 @@
       </p:grpSpPr>
       <p:sp>
         <p:nvSpPr>
-          <p:cNvPr id="84" name="Google Shape;84;p18"/>
+          <p:cNvPr id="78" name="Google Shape;78;p17"/>
           <p:cNvSpPr txBox="1">
             <a:spLocks noGrp="1"/>
           </p:cNvSpPr>
@@ -8349,56 +10016,265 @@
               <a:buNone/>
             </a:pPr>
             <a:r>
-              <a:rPr lang="en"/>
-              <a:t>Version Control Evidence</a:t>
+              <a:rPr lang="en" dirty="0"/>
+              <a:t>Component 2 v2 - Test Plan (and screenshot)</a:t>
             </a:r>
-            <a:endParaRPr/>
+            <a:endParaRPr dirty="0"/>
           </a:p>
         </p:txBody>
       </p:sp>
-      <p:sp>
-        <p:nvSpPr>
-          <p:cNvPr id="85" name="Google Shape;85;p18"/>
-          <p:cNvSpPr txBox="1">
-            <a:spLocks noGrp="1"/>
-          </p:cNvSpPr>
+      <p:graphicFrame>
+        <p:nvGraphicFramePr>
+          <p:cNvPr id="79" name="Google Shape;79;p17"/>
+          <p:cNvGraphicFramePr/>
           <p:nvPr>
-            <p:ph type="body" idx="1"/>
+            <p:extLst>
+              <p:ext uri="{D42A27DB-BD31-4B8C-83A1-F6EECF244321}">
+                <p14:modId xmlns:p14="http://schemas.microsoft.com/office/powerpoint/2010/main" val="1333421750"/>
+              </p:ext>
+            </p:extLst>
           </p:nvPr>
-        </p:nvSpPr>
+        </p:nvGraphicFramePr>
+        <p:xfrm>
+          <a:off x="382475" y="1267725"/>
+          <a:ext cx="8520600" cy="1462980"/>
+        </p:xfrm>
+        <a:graphic>
+          <a:graphicData uri="http://schemas.openxmlformats.org/drawingml/2006/table">
+            <a:tbl>
+              <a:tblPr>
+                <a:noFill/>
+                <a:tableStyleId>{E1099E06-0E6B-448D-9D27-60429F06E6F4}</a:tableStyleId>
+              </a:tblPr>
+              <a:tblGrid>
+                <a:gridCol w="4260300">
+                  <a:extLst>
+                    <a:ext uri="{9D8B030D-6E8A-4147-A177-3AD203B41FA5}">
+                      <a16:colId xmlns:a16="http://schemas.microsoft.com/office/drawing/2014/main" val="20000"/>
+                    </a:ext>
+                  </a:extLst>
+                </a:gridCol>
+                <a:gridCol w="4260300">
+                  <a:extLst>
+                    <a:ext uri="{9D8B030D-6E8A-4147-A177-3AD203B41FA5}">
+                      <a16:colId xmlns:a16="http://schemas.microsoft.com/office/drawing/2014/main" val="20001"/>
+                    </a:ext>
+                  </a:extLst>
+                </a:gridCol>
+              </a:tblGrid>
+              <a:tr h="381000">
+                <a:tc>
+                  <a:txBody>
+                    <a:bodyPr/>
+                    <a:lstStyle/>
+                    <a:p>
+                      <a:pPr marL="0" lvl="0" indent="0" algn="l" rtl="0">
+                        <a:spcBef>
+                          <a:spcPts val="0"/>
+                        </a:spcBef>
+                        <a:spcAft>
+                          <a:spcPts val="0"/>
+                        </a:spcAft>
+                        <a:buNone/>
+                      </a:pPr>
+                      <a:r>
+                        <a:rPr lang="en" sz="1800" b="1"/>
+                        <a:t>Test Case</a:t>
+                      </a:r>
+                      <a:endParaRPr sz="1800" b="1"/>
+                    </a:p>
+                  </a:txBody>
+                  <a:tcPr marL="91425" marR="91425" marT="91425" marB="91425">
+                    <a:solidFill>
+                      <a:srgbClr val="CCCCCC"/>
+                    </a:solidFill>
+                  </a:tcPr>
+                </a:tc>
+                <a:tc>
+                  <a:txBody>
+                    <a:bodyPr/>
+                    <a:lstStyle/>
+                    <a:p>
+                      <a:pPr marL="0" lvl="0" indent="0" algn="l" rtl="0">
+                        <a:spcBef>
+                          <a:spcPts val="0"/>
+                        </a:spcBef>
+                        <a:spcAft>
+                          <a:spcPts val="0"/>
+                        </a:spcAft>
+                        <a:buNone/>
+                      </a:pPr>
+                      <a:r>
+                        <a:rPr lang="en" sz="1800" b="1"/>
+                        <a:t>Expected Values</a:t>
+                      </a:r>
+                      <a:endParaRPr sz="1800" b="1"/>
+                    </a:p>
+                  </a:txBody>
+                  <a:tcPr marL="91425" marR="91425" marT="91425" marB="91425">
+                    <a:solidFill>
+                      <a:srgbClr val="CCCCCC"/>
+                    </a:solidFill>
+                  </a:tcPr>
+                </a:tc>
+                <a:extLst>
+                  <a:ext uri="{0D108BD9-81ED-4DB2-BD59-A6C34878D82A}">
+                    <a16:rowId xmlns:a16="http://schemas.microsoft.com/office/drawing/2014/main" val="10000"/>
+                  </a:ext>
+                </a:extLst>
+              </a:tr>
+              <a:tr h="396200">
+                <a:tc>
+                  <a:txBody>
+                    <a:bodyPr/>
+                    <a:lstStyle/>
+                    <a:p>
+                      <a:pPr marL="0" lvl="0" indent="0" algn="l" rtl="0">
+                        <a:spcBef>
+                          <a:spcPts val="0"/>
+                        </a:spcBef>
+                        <a:spcAft>
+                          <a:spcPts val="0"/>
+                        </a:spcAft>
+                        <a:buNone/>
+                      </a:pPr>
+                      <a:r>
+                        <a:rPr lang="en-NZ" sz="1800" dirty="0"/>
+                        <a:t>Run program</a:t>
+                      </a:r>
+                      <a:endParaRPr sz="1800" dirty="0"/>
+                    </a:p>
+                  </a:txBody>
+                  <a:tcPr marL="91425" marR="91425" marT="91425" marB="91425"/>
+                </a:tc>
+                <a:tc>
+                  <a:txBody>
+                    <a:bodyPr/>
+                    <a:lstStyle/>
+                    <a:p>
+                      <a:pPr marL="0" lvl="0" indent="0" algn="l" rtl="0">
+                        <a:spcBef>
+                          <a:spcPts val="0"/>
+                        </a:spcBef>
+                        <a:spcAft>
+                          <a:spcPts val="0"/>
+                        </a:spcAft>
+                        <a:buNone/>
+                      </a:pPr>
+                      <a:r>
+                        <a:rPr lang="en-NZ" sz="1800" dirty="0"/>
+                        <a:t>Enter p program prints pickup</a:t>
+                      </a:r>
+                    </a:p>
+                    <a:p>
+                      <a:pPr marL="0" lvl="0" indent="0" algn="l" rtl="0">
+                        <a:spcBef>
+                          <a:spcPts val="0"/>
+                        </a:spcBef>
+                        <a:spcAft>
+                          <a:spcPts val="0"/>
+                        </a:spcAft>
+                        <a:buNone/>
+                      </a:pPr>
+                      <a:r>
+                        <a:rPr lang="en-NZ" sz="1800" dirty="0"/>
+                        <a:t>Enter d program prints delivery</a:t>
+                      </a:r>
+                    </a:p>
+                    <a:p>
+                      <a:pPr marL="0" lvl="0" indent="0" algn="l" rtl="0">
+                        <a:spcBef>
+                          <a:spcPts val="0"/>
+                        </a:spcBef>
+                        <a:spcAft>
+                          <a:spcPts val="0"/>
+                        </a:spcAft>
+                        <a:buNone/>
+                      </a:pPr>
+                      <a:r>
+                        <a:rPr lang="en-NZ" sz="1800" dirty="0"/>
+                        <a:t>Enter invalid prints error message.</a:t>
+                      </a:r>
+                    </a:p>
+                  </a:txBody>
+                  <a:tcPr marL="91425" marR="91425" marT="91425" marB="91425"/>
+                </a:tc>
+                <a:extLst>
+                  <a:ext uri="{0D108BD9-81ED-4DB2-BD59-A6C34878D82A}">
+                    <a16:rowId xmlns:a16="http://schemas.microsoft.com/office/drawing/2014/main" val="10001"/>
+                  </a:ext>
+                </a:extLst>
+              </a:tr>
+            </a:tbl>
+          </a:graphicData>
+        </a:graphic>
+      </p:graphicFrame>
+      <p:pic>
+        <p:nvPicPr>
+          <p:cNvPr id="6" name="Picture 5">
+            <a:extLst>
+              <a:ext uri="{FF2B5EF4-FFF2-40B4-BE49-F238E27FC236}">
+                <a16:creationId xmlns:a16="http://schemas.microsoft.com/office/drawing/2014/main" id="{B67D0360-F5EE-414A-90C9-F9FE30049701}"/>
+              </a:ext>
+            </a:extLst>
+          </p:cNvPr>
+          <p:cNvPicPr>
+            <a:picLocks noChangeAspect="1"/>
+          </p:cNvPicPr>
+          <p:nvPr/>
+        </p:nvPicPr>
+        <p:blipFill>
+          <a:blip r:embed="rId3"/>
+          <a:stretch>
+            <a:fillRect/>
+          </a:stretch>
+        </p:blipFill>
         <p:spPr>
           <a:xfrm>
-            <a:off x="311700" y="1152475"/>
-            <a:ext cx="8464200" cy="3739200"/>
+            <a:off x="134719" y="2410396"/>
+            <a:ext cx="4437281" cy="2654446"/>
           </a:xfrm>
           <a:prstGeom prst="rect">
             <a:avLst/>
           </a:prstGeom>
         </p:spPr>
-        <p:txBody>
-          <a:bodyPr spcFirstLastPara="1" wrap="square" lIns="91425" tIns="91425" rIns="91425" bIns="91425" anchor="t" anchorCtr="0">
-            <a:noAutofit/>
-          </a:bodyPr>
-          <a:lstStyle/>
-          <a:p>
-            <a:pPr marL="0" lvl="0" indent="0" algn="l" rtl="0">
-              <a:spcBef>
-                <a:spcPts val="0"/>
-              </a:spcBef>
-              <a:spcAft>
-                <a:spcPts val="1600"/>
-              </a:spcAft>
-              <a:buNone/>
-            </a:pPr>
-            <a:r>
-              <a:rPr lang="en" i="1"/>
-              <a:t>Your version control evidence should go here.  This could be in the form of annotated screenshots which show you you managed this process or you could make a brief screencast explaining how you implemented version control.</a:t>
-            </a:r>
-            <a:endParaRPr i="1"/>
-          </a:p>
-        </p:txBody>
-      </p:sp>
+      </p:pic>
+      <p:pic>
+        <p:nvPicPr>
+          <p:cNvPr id="7" name="Picture 6">
+            <a:extLst>
+              <a:ext uri="{FF2B5EF4-FFF2-40B4-BE49-F238E27FC236}">
+                <a16:creationId xmlns:a16="http://schemas.microsoft.com/office/drawing/2014/main" id="{52DA955A-3FB3-4801-AA80-221647477513}"/>
+              </a:ext>
+            </a:extLst>
+          </p:cNvPr>
+          <p:cNvPicPr>
+            <a:picLocks noChangeAspect="1"/>
+          </p:cNvPicPr>
+          <p:nvPr/>
+        </p:nvPicPr>
+        <p:blipFill>
+          <a:blip r:embed="rId4"/>
+          <a:stretch>
+            <a:fillRect/>
+          </a:stretch>
+        </p:blipFill>
+        <p:spPr>
+          <a:xfrm>
+            <a:off x="3877552" y="3436432"/>
+            <a:ext cx="5025523" cy="1628410"/>
+          </a:xfrm>
+          <a:prstGeom prst="rect">
+            <a:avLst/>
+          </a:prstGeom>
+        </p:spPr>
+      </p:pic>
     </p:spTree>
+    <p:extLst>
+      <p:ext uri="{BB962C8B-B14F-4D97-AF65-F5344CB8AC3E}">
+        <p14:creationId xmlns:p14="http://schemas.microsoft.com/office/powerpoint/2010/main" val="719754997"/>
+      </p:ext>
+    </p:extLst>
   </p:cSld>
   <p:clrMapOvr>
     <a:masterClrMapping/>

--- a/022_91893+_+91897+Documentation.pptx
+++ b/022_91893+_+91897+Documentation.pptx
@@ -5,7 +5,7 @@
     <p:sldMasterId id="2147483659" r:id="rId1"/>
   </p:sldMasterIdLst>
   <p:notesMasterIdLst>
-    <p:notesMasterId r:id="rId16"/>
+    <p:notesMasterId r:id="rId19"/>
   </p:notesMasterIdLst>
   <p:sldIdLst>
     <p:sldId id="256" r:id="rId2"/>
@@ -15,13 +15,16 @@
     <p:sldId id="260" r:id="rId6"/>
     <p:sldId id="265" r:id="rId7"/>
     <p:sldId id="263" r:id="rId8"/>
-    <p:sldId id="264" r:id="rId9"/>
-    <p:sldId id="266" r:id="rId10"/>
-    <p:sldId id="267" r:id="rId11"/>
-    <p:sldId id="268" r:id="rId12"/>
-    <p:sldId id="269" r:id="rId13"/>
-    <p:sldId id="261" r:id="rId14"/>
-    <p:sldId id="262" r:id="rId15"/>
+    <p:sldId id="270" r:id="rId9"/>
+    <p:sldId id="264" r:id="rId10"/>
+    <p:sldId id="266" r:id="rId11"/>
+    <p:sldId id="267" r:id="rId12"/>
+    <p:sldId id="268" r:id="rId13"/>
+    <p:sldId id="269" r:id="rId14"/>
+    <p:sldId id="271" r:id="rId15"/>
+    <p:sldId id="272" r:id="rId16"/>
+    <p:sldId id="261" r:id="rId17"/>
+    <p:sldId id="262" r:id="rId18"/>
   </p:sldIdLst>
   <p:sldSz cx="9144000" cy="5143500" type="screen16x9"/>
   <p:notesSz cx="6858000" cy="9144000"/>
@@ -925,7 +928,7 @@
     </p:spTree>
     <p:extLst>
       <p:ext uri="{BB962C8B-B14F-4D97-AF65-F5344CB8AC3E}">
-        <p14:creationId xmlns:p14="http://schemas.microsoft.com/office/powerpoint/2010/main" val="1852984617"/>
+        <p14:creationId xmlns:p14="http://schemas.microsoft.com/office/powerpoint/2010/main" val="204345211"/>
       </p:ext>
     </p:extLst>
   </p:cSld>
@@ -1034,7 +1037,7 @@
     </p:spTree>
     <p:extLst>
       <p:ext uri="{BB962C8B-B14F-4D97-AF65-F5344CB8AC3E}">
-        <p14:creationId xmlns:p14="http://schemas.microsoft.com/office/powerpoint/2010/main" val="2954001945"/>
+        <p14:creationId xmlns:p14="http://schemas.microsoft.com/office/powerpoint/2010/main" val="1852984617"/>
       </p:ext>
     </p:extLst>
   </p:cSld>
@@ -1143,6 +1146,115 @@
     </p:spTree>
     <p:extLst>
       <p:ext uri="{BB962C8B-B14F-4D97-AF65-F5344CB8AC3E}">
+        <p14:creationId xmlns:p14="http://schemas.microsoft.com/office/powerpoint/2010/main" val="2954001945"/>
+      </p:ext>
+    </p:extLst>
+  </p:cSld>
+  <p:clrMapOvr>
+    <a:masterClrMapping/>
+  </p:clrMapOvr>
+</p:notes>
+</file>
+
+<file path=ppt/notesSlides/notesSlide13.xml><?xml version="1.0" encoding="utf-8"?>
+<p:notes xmlns:a="http://schemas.openxmlformats.org/drawingml/2006/main" xmlns:r="http://schemas.openxmlformats.org/officeDocument/2006/relationships" xmlns:p="http://schemas.openxmlformats.org/presentationml/2006/main" showMasterSp="0" showMasterPhAnim="0">
+  <p:cSld>
+    <p:spTree>
+      <p:nvGrpSpPr>
+        <p:cNvPr id="1" name="Shape 74"/>
+        <p:cNvGrpSpPr/>
+        <p:nvPr/>
+      </p:nvGrpSpPr>
+      <p:grpSpPr>
+        <a:xfrm>
+          <a:off x="0" y="0"/>
+          <a:ext cx="0" cy="0"/>
+          <a:chOff x="0" y="0"/>
+          <a:chExt cx="0" cy="0"/>
+        </a:xfrm>
+      </p:grpSpPr>
+      <p:sp>
+        <p:nvSpPr>
+          <p:cNvPr id="75" name="Google Shape;75;gac10fef634_0_20:notes"/>
+          <p:cNvSpPr>
+            <a:spLocks noGrp="1" noRot="1" noChangeAspect="1"/>
+          </p:cNvSpPr>
+          <p:nvPr>
+            <p:ph type="sldImg" idx="2"/>
+          </p:nvPr>
+        </p:nvSpPr>
+        <p:spPr>
+          <a:xfrm>
+            <a:off x="381000" y="685800"/>
+            <a:ext cx="6096000" cy="3429000"/>
+          </a:xfrm>
+          <a:custGeom>
+            <a:avLst/>
+            <a:gdLst/>
+            <a:ahLst/>
+            <a:cxnLst/>
+            <a:rect l="l" t="t" r="r" b="b"/>
+            <a:pathLst>
+              <a:path w="120000" h="120000" extrusionOk="0">
+                <a:moveTo>
+                  <a:pt x="0" y="0"/>
+                </a:moveTo>
+                <a:lnTo>
+                  <a:pt x="120000" y="0"/>
+                </a:lnTo>
+                <a:lnTo>
+                  <a:pt x="120000" y="120000"/>
+                </a:lnTo>
+                <a:lnTo>
+                  <a:pt x="0" y="120000"/>
+                </a:lnTo>
+                <a:close/>
+              </a:path>
+            </a:pathLst>
+          </a:custGeom>
+        </p:spPr>
+      </p:sp>
+      <p:sp>
+        <p:nvSpPr>
+          <p:cNvPr id="76" name="Google Shape;76;gac10fef634_0_20:notes"/>
+          <p:cNvSpPr txBox="1">
+            <a:spLocks noGrp="1"/>
+          </p:cNvSpPr>
+          <p:nvPr>
+            <p:ph type="body" idx="1"/>
+          </p:nvPr>
+        </p:nvSpPr>
+        <p:spPr>
+          <a:xfrm>
+            <a:off x="685800" y="4343400"/>
+            <a:ext cx="5486400" cy="4114800"/>
+          </a:xfrm>
+          <a:prstGeom prst="rect">
+            <a:avLst/>
+          </a:prstGeom>
+        </p:spPr>
+        <p:txBody>
+          <a:bodyPr spcFirstLastPara="1" wrap="square" lIns="91425" tIns="91425" rIns="91425" bIns="91425" anchor="t" anchorCtr="0">
+            <a:noAutofit/>
+          </a:bodyPr>
+          <a:lstStyle/>
+          <a:p>
+            <a:pPr marL="0" lvl="0" indent="0" algn="l" rtl="0">
+              <a:spcBef>
+                <a:spcPts val="0"/>
+              </a:spcBef>
+              <a:spcAft>
+                <a:spcPts val="0"/>
+              </a:spcAft>
+              <a:buNone/>
+            </a:pPr>
+            <a:endParaRPr/>
+          </a:p>
+        </p:txBody>
+      </p:sp>
+    </p:spTree>
+    <p:extLst>
+      <p:ext uri="{BB962C8B-B14F-4D97-AF65-F5344CB8AC3E}">
         <p14:creationId xmlns:p14="http://schemas.microsoft.com/office/powerpoint/2010/main" val="2396005522"/>
       </p:ext>
     </p:extLst>
@@ -1153,7 +1265,225 @@
 </p:notes>
 </file>
 
-<file path=ppt/notesSlides/notesSlide13.xml><?xml version="1.0" encoding="utf-8"?>
+<file path=ppt/notesSlides/notesSlide14.xml><?xml version="1.0" encoding="utf-8"?>
+<p:notes xmlns:a="http://schemas.openxmlformats.org/drawingml/2006/main" xmlns:r="http://schemas.openxmlformats.org/officeDocument/2006/relationships" xmlns:p="http://schemas.openxmlformats.org/presentationml/2006/main" showMasterSp="0" showMasterPhAnim="0">
+  <p:cSld>
+    <p:spTree>
+      <p:nvGrpSpPr>
+        <p:cNvPr id="1" name="Shape 69"/>
+        <p:cNvGrpSpPr/>
+        <p:nvPr/>
+      </p:nvGrpSpPr>
+      <p:grpSpPr>
+        <a:xfrm>
+          <a:off x="0" y="0"/>
+          <a:ext cx="0" cy="0"/>
+          <a:chOff x="0" y="0"/>
+          <a:chExt cx="0" cy="0"/>
+        </a:xfrm>
+      </p:grpSpPr>
+      <p:sp>
+        <p:nvSpPr>
+          <p:cNvPr id="70" name="Google Shape;70;gac10fef634_0_16:notes"/>
+          <p:cNvSpPr>
+            <a:spLocks noGrp="1" noRot="1" noChangeAspect="1"/>
+          </p:cNvSpPr>
+          <p:nvPr>
+            <p:ph type="sldImg" idx="2"/>
+          </p:nvPr>
+        </p:nvSpPr>
+        <p:spPr>
+          <a:xfrm>
+            <a:off x="381000" y="685800"/>
+            <a:ext cx="6096000" cy="3429000"/>
+          </a:xfrm>
+          <a:custGeom>
+            <a:avLst/>
+            <a:gdLst/>
+            <a:ahLst/>
+            <a:cxnLst/>
+            <a:rect l="l" t="t" r="r" b="b"/>
+            <a:pathLst>
+              <a:path w="120000" h="120000" extrusionOk="0">
+                <a:moveTo>
+                  <a:pt x="0" y="0"/>
+                </a:moveTo>
+                <a:lnTo>
+                  <a:pt x="120000" y="0"/>
+                </a:lnTo>
+                <a:lnTo>
+                  <a:pt x="120000" y="120000"/>
+                </a:lnTo>
+                <a:lnTo>
+                  <a:pt x="0" y="120000"/>
+                </a:lnTo>
+                <a:close/>
+              </a:path>
+            </a:pathLst>
+          </a:custGeom>
+        </p:spPr>
+      </p:sp>
+      <p:sp>
+        <p:nvSpPr>
+          <p:cNvPr id="71" name="Google Shape;71;gac10fef634_0_16:notes"/>
+          <p:cNvSpPr txBox="1">
+            <a:spLocks noGrp="1"/>
+          </p:cNvSpPr>
+          <p:nvPr>
+            <p:ph type="body" idx="1"/>
+          </p:nvPr>
+        </p:nvSpPr>
+        <p:spPr>
+          <a:xfrm>
+            <a:off x="685800" y="4343400"/>
+            <a:ext cx="5486400" cy="4114800"/>
+          </a:xfrm>
+          <a:prstGeom prst="rect">
+            <a:avLst/>
+          </a:prstGeom>
+        </p:spPr>
+        <p:txBody>
+          <a:bodyPr spcFirstLastPara="1" wrap="square" lIns="91425" tIns="91425" rIns="91425" bIns="91425" anchor="t" anchorCtr="0">
+            <a:noAutofit/>
+          </a:bodyPr>
+          <a:lstStyle/>
+          <a:p>
+            <a:pPr marL="0" lvl="0" indent="0" algn="l" rtl="0">
+              <a:spcBef>
+                <a:spcPts val="0"/>
+              </a:spcBef>
+              <a:spcAft>
+                <a:spcPts val="0"/>
+              </a:spcAft>
+              <a:buNone/>
+            </a:pPr>
+            <a:endParaRPr/>
+          </a:p>
+        </p:txBody>
+      </p:sp>
+    </p:spTree>
+    <p:extLst>
+      <p:ext uri="{BB962C8B-B14F-4D97-AF65-F5344CB8AC3E}">
+        <p14:creationId xmlns:p14="http://schemas.microsoft.com/office/powerpoint/2010/main" val="3147412892"/>
+      </p:ext>
+    </p:extLst>
+  </p:cSld>
+  <p:clrMapOvr>
+    <a:masterClrMapping/>
+  </p:clrMapOvr>
+</p:notes>
+</file>
+
+<file path=ppt/notesSlides/notesSlide15.xml><?xml version="1.0" encoding="utf-8"?>
+<p:notes xmlns:a="http://schemas.openxmlformats.org/drawingml/2006/main" xmlns:r="http://schemas.openxmlformats.org/officeDocument/2006/relationships" xmlns:p="http://schemas.openxmlformats.org/presentationml/2006/main" showMasterSp="0" showMasterPhAnim="0">
+  <p:cSld>
+    <p:spTree>
+      <p:nvGrpSpPr>
+        <p:cNvPr id="1" name="Shape 74"/>
+        <p:cNvGrpSpPr/>
+        <p:nvPr/>
+      </p:nvGrpSpPr>
+      <p:grpSpPr>
+        <a:xfrm>
+          <a:off x="0" y="0"/>
+          <a:ext cx="0" cy="0"/>
+          <a:chOff x="0" y="0"/>
+          <a:chExt cx="0" cy="0"/>
+        </a:xfrm>
+      </p:grpSpPr>
+      <p:sp>
+        <p:nvSpPr>
+          <p:cNvPr id="75" name="Google Shape;75;gac10fef634_0_20:notes"/>
+          <p:cNvSpPr>
+            <a:spLocks noGrp="1" noRot="1" noChangeAspect="1"/>
+          </p:cNvSpPr>
+          <p:nvPr>
+            <p:ph type="sldImg" idx="2"/>
+          </p:nvPr>
+        </p:nvSpPr>
+        <p:spPr>
+          <a:xfrm>
+            <a:off x="381000" y="685800"/>
+            <a:ext cx="6096000" cy="3429000"/>
+          </a:xfrm>
+          <a:custGeom>
+            <a:avLst/>
+            <a:gdLst/>
+            <a:ahLst/>
+            <a:cxnLst/>
+            <a:rect l="l" t="t" r="r" b="b"/>
+            <a:pathLst>
+              <a:path w="120000" h="120000" extrusionOk="0">
+                <a:moveTo>
+                  <a:pt x="0" y="0"/>
+                </a:moveTo>
+                <a:lnTo>
+                  <a:pt x="120000" y="0"/>
+                </a:lnTo>
+                <a:lnTo>
+                  <a:pt x="120000" y="120000"/>
+                </a:lnTo>
+                <a:lnTo>
+                  <a:pt x="0" y="120000"/>
+                </a:lnTo>
+                <a:close/>
+              </a:path>
+            </a:pathLst>
+          </a:custGeom>
+        </p:spPr>
+      </p:sp>
+      <p:sp>
+        <p:nvSpPr>
+          <p:cNvPr id="76" name="Google Shape;76;gac10fef634_0_20:notes"/>
+          <p:cNvSpPr txBox="1">
+            <a:spLocks noGrp="1"/>
+          </p:cNvSpPr>
+          <p:nvPr>
+            <p:ph type="body" idx="1"/>
+          </p:nvPr>
+        </p:nvSpPr>
+        <p:spPr>
+          <a:xfrm>
+            <a:off x="685800" y="4343400"/>
+            <a:ext cx="5486400" cy="4114800"/>
+          </a:xfrm>
+          <a:prstGeom prst="rect">
+            <a:avLst/>
+          </a:prstGeom>
+        </p:spPr>
+        <p:txBody>
+          <a:bodyPr spcFirstLastPara="1" wrap="square" lIns="91425" tIns="91425" rIns="91425" bIns="91425" anchor="t" anchorCtr="0">
+            <a:noAutofit/>
+          </a:bodyPr>
+          <a:lstStyle/>
+          <a:p>
+            <a:pPr marL="0" lvl="0" indent="0" algn="l" rtl="0">
+              <a:spcBef>
+                <a:spcPts val="0"/>
+              </a:spcBef>
+              <a:spcAft>
+                <a:spcPts val="0"/>
+              </a:spcAft>
+              <a:buNone/>
+            </a:pPr>
+            <a:endParaRPr/>
+          </a:p>
+        </p:txBody>
+      </p:sp>
+    </p:spTree>
+    <p:extLst>
+      <p:ext uri="{BB962C8B-B14F-4D97-AF65-F5344CB8AC3E}">
+        <p14:creationId xmlns:p14="http://schemas.microsoft.com/office/powerpoint/2010/main" val="3802651073"/>
+      </p:ext>
+    </p:extLst>
+  </p:cSld>
+  <p:clrMapOvr>
+    <a:masterClrMapping/>
+  </p:clrMapOvr>
+</p:notes>
+</file>
+
+<file path=ppt/notesSlides/notesSlide16.xml><?xml version="1.0" encoding="utf-8"?>
 <p:notes xmlns:a="http://schemas.openxmlformats.org/drawingml/2006/main" xmlns:r="http://schemas.openxmlformats.org/officeDocument/2006/relationships" xmlns:p="http://schemas.openxmlformats.org/presentationml/2006/main" showMasterSp="0" showMasterPhAnim="0">
   <p:cSld>
     <p:spTree>
@@ -1278,7 +1608,7 @@
 </p:notes>
 </file>
 
-<file path=ppt/notesSlides/notesSlide14.xml><?xml version="1.0" encoding="utf-8"?>
+<file path=ppt/notesSlides/notesSlide17.xml><?xml version="1.0" encoding="utf-8"?>
 <p:notes xmlns:a="http://schemas.openxmlformats.org/drawingml/2006/main" xmlns:r="http://schemas.openxmlformats.org/officeDocument/2006/relationships" xmlns:p="http://schemas.openxmlformats.org/presentationml/2006/main" showMasterSp="0" showMasterPhAnim="0">
   <p:cSld>
     <p:spTree>
@@ -2050,7 +2380,7 @@
   <p:cSld>
     <p:spTree>
       <p:nvGrpSpPr>
-        <p:cNvPr id="1" name="Shape 74"/>
+        <p:cNvPr id="1" name="Shape 69"/>
         <p:cNvGrpSpPr/>
         <p:nvPr/>
       </p:nvGrpSpPr>
@@ -2064,7 +2394,7 @@
       </p:grpSpPr>
       <p:sp>
         <p:nvSpPr>
-          <p:cNvPr id="75" name="Google Shape;75;gac10fef634_0_20:notes"/>
+          <p:cNvPr id="70" name="Google Shape;70;gac10fef634_0_16:notes"/>
           <p:cNvSpPr>
             <a:spLocks noGrp="1" noRot="1" noChangeAspect="1"/>
           </p:cNvSpPr>
@@ -2105,7 +2435,7 @@
       </p:sp>
       <p:sp>
         <p:nvSpPr>
-          <p:cNvPr id="76" name="Google Shape;76;gac10fef634_0_20:notes"/>
+          <p:cNvPr id="71" name="Google Shape;71;gac10fef634_0_16:notes"/>
           <p:cNvSpPr txBox="1">
             <a:spLocks noGrp="1"/>
           </p:cNvSpPr>
@@ -2144,7 +2474,7 @@
     </p:spTree>
     <p:extLst>
       <p:ext uri="{BB962C8B-B14F-4D97-AF65-F5344CB8AC3E}">
-        <p14:creationId xmlns:p14="http://schemas.microsoft.com/office/powerpoint/2010/main" val="347002473"/>
+        <p14:creationId xmlns:p14="http://schemas.microsoft.com/office/powerpoint/2010/main" val="2049529798"/>
       </p:ext>
     </p:extLst>
   </p:cSld>
@@ -2253,7 +2583,7 @@
     </p:spTree>
     <p:extLst>
       <p:ext uri="{BB962C8B-B14F-4D97-AF65-F5344CB8AC3E}">
-        <p14:creationId xmlns:p14="http://schemas.microsoft.com/office/powerpoint/2010/main" val="204345211"/>
+        <p14:creationId xmlns:p14="http://schemas.microsoft.com/office/powerpoint/2010/main" val="347002473"/>
       </p:ext>
     </p:extLst>
   </p:cSld>
@@ -7327,6 +7657,324 @@
             </a:pPr>
             <a:r>
               <a:rPr lang="en" dirty="0"/>
+              <a:t>Component 2 v2 - Test Plan (and screenshot)</a:t>
+            </a:r>
+            <a:endParaRPr dirty="0"/>
+          </a:p>
+        </p:txBody>
+      </p:sp>
+      <p:graphicFrame>
+        <p:nvGraphicFramePr>
+          <p:cNvPr id="79" name="Google Shape;79;p17"/>
+          <p:cNvGraphicFramePr/>
+          <p:nvPr>
+            <p:extLst>
+              <p:ext uri="{D42A27DB-BD31-4B8C-83A1-F6EECF244321}">
+                <p14:modId xmlns:p14="http://schemas.microsoft.com/office/powerpoint/2010/main" val="1333421750"/>
+              </p:ext>
+            </p:extLst>
+          </p:nvPr>
+        </p:nvGraphicFramePr>
+        <p:xfrm>
+          <a:off x="382475" y="1267725"/>
+          <a:ext cx="8520600" cy="1462980"/>
+        </p:xfrm>
+        <a:graphic>
+          <a:graphicData uri="http://schemas.openxmlformats.org/drawingml/2006/table">
+            <a:tbl>
+              <a:tblPr>
+                <a:noFill/>
+                <a:tableStyleId>{E1099E06-0E6B-448D-9D27-60429F06E6F4}</a:tableStyleId>
+              </a:tblPr>
+              <a:tblGrid>
+                <a:gridCol w="4260300">
+                  <a:extLst>
+                    <a:ext uri="{9D8B030D-6E8A-4147-A177-3AD203B41FA5}">
+                      <a16:colId xmlns:a16="http://schemas.microsoft.com/office/drawing/2014/main" val="20000"/>
+                    </a:ext>
+                  </a:extLst>
+                </a:gridCol>
+                <a:gridCol w="4260300">
+                  <a:extLst>
+                    <a:ext uri="{9D8B030D-6E8A-4147-A177-3AD203B41FA5}">
+                      <a16:colId xmlns:a16="http://schemas.microsoft.com/office/drawing/2014/main" val="20001"/>
+                    </a:ext>
+                  </a:extLst>
+                </a:gridCol>
+              </a:tblGrid>
+              <a:tr h="381000">
+                <a:tc>
+                  <a:txBody>
+                    <a:bodyPr/>
+                    <a:lstStyle/>
+                    <a:p>
+                      <a:pPr marL="0" lvl="0" indent="0" algn="l" rtl="0">
+                        <a:spcBef>
+                          <a:spcPts val="0"/>
+                        </a:spcBef>
+                        <a:spcAft>
+                          <a:spcPts val="0"/>
+                        </a:spcAft>
+                        <a:buNone/>
+                      </a:pPr>
+                      <a:r>
+                        <a:rPr lang="en" sz="1800" b="1"/>
+                        <a:t>Test Case</a:t>
+                      </a:r>
+                      <a:endParaRPr sz="1800" b="1"/>
+                    </a:p>
+                  </a:txBody>
+                  <a:tcPr marL="91425" marR="91425" marT="91425" marB="91425">
+                    <a:solidFill>
+                      <a:srgbClr val="CCCCCC"/>
+                    </a:solidFill>
+                  </a:tcPr>
+                </a:tc>
+                <a:tc>
+                  <a:txBody>
+                    <a:bodyPr/>
+                    <a:lstStyle/>
+                    <a:p>
+                      <a:pPr marL="0" lvl="0" indent="0" algn="l" rtl="0">
+                        <a:spcBef>
+                          <a:spcPts val="0"/>
+                        </a:spcBef>
+                        <a:spcAft>
+                          <a:spcPts val="0"/>
+                        </a:spcAft>
+                        <a:buNone/>
+                      </a:pPr>
+                      <a:r>
+                        <a:rPr lang="en" sz="1800" b="1"/>
+                        <a:t>Expected Values</a:t>
+                      </a:r>
+                      <a:endParaRPr sz="1800" b="1"/>
+                    </a:p>
+                  </a:txBody>
+                  <a:tcPr marL="91425" marR="91425" marT="91425" marB="91425">
+                    <a:solidFill>
+                      <a:srgbClr val="CCCCCC"/>
+                    </a:solidFill>
+                  </a:tcPr>
+                </a:tc>
+                <a:extLst>
+                  <a:ext uri="{0D108BD9-81ED-4DB2-BD59-A6C34878D82A}">
+                    <a16:rowId xmlns:a16="http://schemas.microsoft.com/office/drawing/2014/main" val="10000"/>
+                  </a:ext>
+                </a:extLst>
+              </a:tr>
+              <a:tr h="396200">
+                <a:tc>
+                  <a:txBody>
+                    <a:bodyPr/>
+                    <a:lstStyle/>
+                    <a:p>
+                      <a:pPr marL="0" lvl="0" indent="0" algn="l" rtl="0">
+                        <a:spcBef>
+                          <a:spcPts val="0"/>
+                        </a:spcBef>
+                        <a:spcAft>
+                          <a:spcPts val="0"/>
+                        </a:spcAft>
+                        <a:buNone/>
+                      </a:pPr>
+                      <a:r>
+                        <a:rPr lang="en-NZ" sz="1800" dirty="0"/>
+                        <a:t>Run program</a:t>
+                      </a:r>
+                      <a:endParaRPr sz="1800" dirty="0"/>
+                    </a:p>
+                  </a:txBody>
+                  <a:tcPr marL="91425" marR="91425" marT="91425" marB="91425"/>
+                </a:tc>
+                <a:tc>
+                  <a:txBody>
+                    <a:bodyPr/>
+                    <a:lstStyle/>
+                    <a:p>
+                      <a:pPr marL="0" lvl="0" indent="0" algn="l" rtl="0">
+                        <a:spcBef>
+                          <a:spcPts val="0"/>
+                        </a:spcBef>
+                        <a:spcAft>
+                          <a:spcPts val="0"/>
+                        </a:spcAft>
+                        <a:buNone/>
+                      </a:pPr>
+                      <a:r>
+                        <a:rPr lang="en-NZ" sz="1800" dirty="0"/>
+                        <a:t>Enter p program prints pickup</a:t>
+                      </a:r>
+                    </a:p>
+                    <a:p>
+                      <a:pPr marL="0" lvl="0" indent="0" algn="l" rtl="0">
+                        <a:spcBef>
+                          <a:spcPts val="0"/>
+                        </a:spcBef>
+                        <a:spcAft>
+                          <a:spcPts val="0"/>
+                        </a:spcAft>
+                        <a:buNone/>
+                      </a:pPr>
+                      <a:r>
+                        <a:rPr lang="en-NZ" sz="1800" dirty="0"/>
+                        <a:t>Enter d program prints delivery</a:t>
+                      </a:r>
+                    </a:p>
+                    <a:p>
+                      <a:pPr marL="0" lvl="0" indent="0" algn="l" rtl="0">
+                        <a:spcBef>
+                          <a:spcPts val="0"/>
+                        </a:spcBef>
+                        <a:spcAft>
+                          <a:spcPts val="0"/>
+                        </a:spcAft>
+                        <a:buNone/>
+                      </a:pPr>
+                      <a:r>
+                        <a:rPr lang="en-NZ" sz="1800" dirty="0"/>
+                        <a:t>Enter invalid prints error message.</a:t>
+                      </a:r>
+                    </a:p>
+                  </a:txBody>
+                  <a:tcPr marL="91425" marR="91425" marT="91425" marB="91425"/>
+                </a:tc>
+                <a:extLst>
+                  <a:ext uri="{0D108BD9-81ED-4DB2-BD59-A6C34878D82A}">
+                    <a16:rowId xmlns:a16="http://schemas.microsoft.com/office/drawing/2014/main" val="10001"/>
+                  </a:ext>
+                </a:extLst>
+              </a:tr>
+            </a:tbl>
+          </a:graphicData>
+        </a:graphic>
+      </p:graphicFrame>
+      <p:pic>
+        <p:nvPicPr>
+          <p:cNvPr id="6" name="Picture 5">
+            <a:extLst>
+              <a:ext uri="{FF2B5EF4-FFF2-40B4-BE49-F238E27FC236}">
+                <a16:creationId xmlns:a16="http://schemas.microsoft.com/office/drawing/2014/main" id="{B67D0360-F5EE-414A-90C9-F9FE30049701}"/>
+              </a:ext>
+            </a:extLst>
+          </p:cNvPr>
+          <p:cNvPicPr>
+            <a:picLocks noChangeAspect="1"/>
+          </p:cNvPicPr>
+          <p:nvPr/>
+        </p:nvPicPr>
+        <p:blipFill>
+          <a:blip r:embed="rId3"/>
+          <a:stretch>
+            <a:fillRect/>
+          </a:stretch>
+        </p:blipFill>
+        <p:spPr>
+          <a:xfrm>
+            <a:off x="134719" y="2410396"/>
+            <a:ext cx="4437281" cy="2654446"/>
+          </a:xfrm>
+          <a:prstGeom prst="rect">
+            <a:avLst/>
+          </a:prstGeom>
+        </p:spPr>
+      </p:pic>
+      <p:pic>
+        <p:nvPicPr>
+          <p:cNvPr id="7" name="Picture 6">
+            <a:extLst>
+              <a:ext uri="{FF2B5EF4-FFF2-40B4-BE49-F238E27FC236}">
+                <a16:creationId xmlns:a16="http://schemas.microsoft.com/office/drawing/2014/main" id="{52DA955A-3FB3-4801-AA80-221647477513}"/>
+              </a:ext>
+            </a:extLst>
+          </p:cNvPr>
+          <p:cNvPicPr>
+            <a:picLocks noChangeAspect="1"/>
+          </p:cNvPicPr>
+          <p:nvPr/>
+        </p:nvPicPr>
+        <p:blipFill>
+          <a:blip r:embed="rId4"/>
+          <a:stretch>
+            <a:fillRect/>
+          </a:stretch>
+        </p:blipFill>
+        <p:spPr>
+          <a:xfrm>
+            <a:off x="3877552" y="3436432"/>
+            <a:ext cx="5025523" cy="1628410"/>
+          </a:xfrm>
+          <a:prstGeom prst="rect">
+            <a:avLst/>
+          </a:prstGeom>
+        </p:spPr>
+      </p:pic>
+    </p:spTree>
+    <p:extLst>
+      <p:ext uri="{BB962C8B-B14F-4D97-AF65-F5344CB8AC3E}">
+        <p14:creationId xmlns:p14="http://schemas.microsoft.com/office/powerpoint/2010/main" val="719754997"/>
+      </p:ext>
+    </p:extLst>
+  </p:cSld>
+  <p:clrMapOvr>
+    <a:masterClrMapping/>
+  </p:clrMapOvr>
+</p:sld>
+</file>
+
+<file path=ppt/slides/slide11.xml><?xml version="1.0" encoding="utf-8"?>
+<p:sld xmlns:a="http://schemas.openxmlformats.org/drawingml/2006/main" xmlns:r="http://schemas.openxmlformats.org/officeDocument/2006/relationships" xmlns:p="http://schemas.openxmlformats.org/presentationml/2006/main">
+  <p:cSld>
+    <p:spTree>
+      <p:nvGrpSpPr>
+        <p:cNvPr id="1" name="Shape 77"/>
+        <p:cNvGrpSpPr/>
+        <p:nvPr/>
+      </p:nvGrpSpPr>
+      <p:grpSpPr>
+        <a:xfrm>
+          <a:off x="0" y="0"/>
+          <a:ext cx="0" cy="0"/>
+          <a:chOff x="0" y="0"/>
+          <a:chExt cx="0" cy="0"/>
+        </a:xfrm>
+      </p:grpSpPr>
+      <p:sp>
+        <p:nvSpPr>
+          <p:cNvPr id="78" name="Google Shape;78;p17"/>
+          <p:cNvSpPr txBox="1">
+            <a:spLocks noGrp="1"/>
+          </p:cNvSpPr>
+          <p:nvPr>
+            <p:ph type="title"/>
+          </p:nvPr>
+        </p:nvSpPr>
+        <p:spPr>
+          <a:xfrm>
+            <a:off x="311700" y="445025"/>
+            <a:ext cx="8520600" cy="572700"/>
+          </a:xfrm>
+          <a:prstGeom prst="rect">
+            <a:avLst/>
+          </a:prstGeom>
+        </p:spPr>
+        <p:txBody>
+          <a:bodyPr spcFirstLastPara="1" wrap="square" lIns="91425" tIns="91425" rIns="91425" bIns="91425" anchor="t" anchorCtr="0">
+            <a:noAutofit/>
+          </a:bodyPr>
+          <a:lstStyle/>
+          <a:p>
+            <a:pPr marL="0" lvl="0" indent="0" algn="l" rtl="0">
+              <a:spcBef>
+                <a:spcPts val="0"/>
+              </a:spcBef>
+              <a:spcAft>
+                <a:spcPts val="0"/>
+              </a:spcAft>
+              <a:buNone/>
+            </a:pPr>
+            <a:r>
+              <a:rPr lang="en" dirty="0"/>
               <a:t>Component 2 v3 - Test Plan (and screenshot)</a:t>
             </a:r>
             <a:endParaRPr dirty="0"/>
@@ -7592,7 +8240,7 @@
 </p:sld>
 </file>
 
-<file path=ppt/slides/slide11.xml><?xml version="1.0" encoding="utf-8"?>
+<file path=ppt/slides/slide12.xml><?xml version="1.0" encoding="utf-8"?>
 <p:sld xmlns:a="http://schemas.openxmlformats.org/drawingml/2006/main" xmlns:r="http://schemas.openxmlformats.org/officeDocument/2006/relationships" xmlns:p="http://schemas.openxmlformats.org/presentationml/2006/main">
   <p:cSld>
     <p:spTree>
@@ -7925,7 +8573,7 @@
 </p:sld>
 </file>
 
-<file path=ppt/slides/slide12.xml><?xml version="1.0" encoding="utf-8"?>
+<file path=ppt/slides/slide13.xml><?xml version="1.0" encoding="utf-8"?>
 <p:sld xmlns:a="http://schemas.openxmlformats.org/drawingml/2006/main" xmlns:r="http://schemas.openxmlformats.org/officeDocument/2006/relationships" xmlns:p="http://schemas.openxmlformats.org/presentationml/2006/main">
   <p:cSld>
     <p:spTree>
@@ -8258,7 +8906,465 @@
 </p:sld>
 </file>
 
-<file path=ppt/slides/slide13.xml><?xml version="1.0" encoding="utf-8"?>
+<file path=ppt/slides/slide14.xml><?xml version="1.0" encoding="utf-8"?>
+<p:sld xmlns:a="http://schemas.openxmlformats.org/drawingml/2006/main" xmlns:r="http://schemas.openxmlformats.org/officeDocument/2006/relationships" xmlns:p="http://schemas.openxmlformats.org/presentationml/2006/main">
+  <p:cSld>
+    <p:bg>
+      <p:bgPr>
+        <a:solidFill>
+          <a:srgbClr val="D9EAD3"/>
+        </a:solidFill>
+        <a:effectLst/>
+      </p:bgPr>
+    </p:bg>
+    <p:spTree>
+      <p:nvGrpSpPr>
+        <p:cNvPr id="1" name="Shape 72"/>
+        <p:cNvGrpSpPr/>
+        <p:nvPr/>
+      </p:nvGrpSpPr>
+      <p:grpSpPr>
+        <a:xfrm>
+          <a:off x="0" y="0"/>
+          <a:ext cx="0" cy="0"/>
+          <a:chOff x="0" y="0"/>
+          <a:chExt cx="0" cy="0"/>
+        </a:xfrm>
+      </p:grpSpPr>
+      <p:sp>
+        <p:nvSpPr>
+          <p:cNvPr id="73" name="Google Shape;73;p16"/>
+          <p:cNvSpPr txBox="1">
+            <a:spLocks noGrp="1"/>
+          </p:cNvSpPr>
+          <p:nvPr>
+            <p:ph type="title"/>
+          </p:nvPr>
+        </p:nvSpPr>
+        <p:spPr>
+          <a:xfrm>
+            <a:off x="311700" y="445025"/>
+            <a:ext cx="8520600" cy="572700"/>
+          </a:xfrm>
+          <a:prstGeom prst="rect">
+            <a:avLst/>
+          </a:prstGeom>
+        </p:spPr>
+        <p:txBody>
+          <a:bodyPr spcFirstLastPara="1" wrap="square" lIns="91425" tIns="91425" rIns="91425" bIns="91425" anchor="t" anchorCtr="0">
+            <a:noAutofit/>
+          </a:bodyPr>
+          <a:lstStyle/>
+          <a:p>
+            <a:pPr marL="0" lvl="0" indent="0" algn="l" rtl="0">
+              <a:spcBef>
+                <a:spcPts val="0"/>
+              </a:spcBef>
+              <a:spcAft>
+                <a:spcPts val="0"/>
+              </a:spcAft>
+              <a:buNone/>
+            </a:pPr>
+            <a:r>
+              <a:rPr lang="en" dirty="0"/>
+              <a:t>Component 3 v1 (Trello screenshot)</a:t>
+            </a:r>
+            <a:endParaRPr dirty="0"/>
+          </a:p>
+        </p:txBody>
+      </p:sp>
+      <p:pic>
+        <p:nvPicPr>
+          <p:cNvPr id="3" name="Picture 2">
+            <a:extLst>
+              <a:ext uri="{FF2B5EF4-FFF2-40B4-BE49-F238E27FC236}">
+                <a16:creationId xmlns:a16="http://schemas.microsoft.com/office/drawing/2014/main" id="{D224DAB7-45D5-4339-A21F-C2486B321CEE}"/>
+              </a:ext>
+            </a:extLst>
+          </p:cNvPr>
+          <p:cNvPicPr>
+            <a:picLocks noChangeAspect="1"/>
+          </p:cNvPicPr>
+          <p:nvPr/>
+        </p:nvPicPr>
+        <p:blipFill>
+          <a:blip r:embed="rId3"/>
+          <a:stretch>
+            <a:fillRect/>
+          </a:stretch>
+        </p:blipFill>
+        <p:spPr>
+          <a:xfrm>
+            <a:off x="537518" y="1096852"/>
+            <a:ext cx="7815649" cy="3687783"/>
+          </a:xfrm>
+          <a:prstGeom prst="rect">
+            <a:avLst/>
+          </a:prstGeom>
+        </p:spPr>
+      </p:pic>
+    </p:spTree>
+    <p:extLst>
+      <p:ext uri="{BB962C8B-B14F-4D97-AF65-F5344CB8AC3E}">
+        <p14:creationId xmlns:p14="http://schemas.microsoft.com/office/powerpoint/2010/main" val="1847750633"/>
+      </p:ext>
+    </p:extLst>
+  </p:cSld>
+  <p:clrMapOvr>
+    <a:masterClrMapping/>
+  </p:clrMapOvr>
+</p:sld>
+</file>
+
+<file path=ppt/slides/slide15.xml><?xml version="1.0" encoding="utf-8"?>
+<p:sld xmlns:a="http://schemas.openxmlformats.org/drawingml/2006/main" xmlns:r="http://schemas.openxmlformats.org/officeDocument/2006/relationships" xmlns:p="http://schemas.openxmlformats.org/presentationml/2006/main">
+  <p:cSld>
+    <p:spTree>
+      <p:nvGrpSpPr>
+        <p:cNvPr id="1" name="Shape 77"/>
+        <p:cNvGrpSpPr/>
+        <p:nvPr/>
+      </p:nvGrpSpPr>
+      <p:grpSpPr>
+        <a:xfrm>
+          <a:off x="0" y="0"/>
+          <a:ext cx="0" cy="0"/>
+          <a:chOff x="0" y="0"/>
+          <a:chExt cx="0" cy="0"/>
+        </a:xfrm>
+      </p:grpSpPr>
+      <p:sp>
+        <p:nvSpPr>
+          <p:cNvPr id="78" name="Google Shape;78;p17"/>
+          <p:cNvSpPr txBox="1">
+            <a:spLocks noGrp="1"/>
+          </p:cNvSpPr>
+          <p:nvPr>
+            <p:ph type="title"/>
+          </p:nvPr>
+        </p:nvSpPr>
+        <p:spPr>
+          <a:xfrm>
+            <a:off x="311700" y="445025"/>
+            <a:ext cx="8520600" cy="572700"/>
+          </a:xfrm>
+          <a:prstGeom prst="rect">
+            <a:avLst/>
+          </a:prstGeom>
+        </p:spPr>
+        <p:txBody>
+          <a:bodyPr spcFirstLastPara="1" wrap="square" lIns="91425" tIns="91425" rIns="91425" bIns="91425" anchor="t" anchorCtr="0">
+            <a:noAutofit/>
+          </a:bodyPr>
+          <a:lstStyle/>
+          <a:p>
+            <a:pPr marL="0" lvl="0" indent="0" algn="l" rtl="0">
+              <a:spcBef>
+                <a:spcPts val="0"/>
+              </a:spcBef>
+              <a:spcAft>
+                <a:spcPts val="0"/>
+              </a:spcAft>
+              <a:buNone/>
+            </a:pPr>
+            <a:r>
+              <a:rPr lang="en" dirty="0"/>
+              <a:t>Component 3 v1 - Test Plan (and screenshot)</a:t>
+            </a:r>
+            <a:endParaRPr dirty="0"/>
+          </a:p>
+        </p:txBody>
+      </p:sp>
+      <p:graphicFrame>
+        <p:nvGraphicFramePr>
+          <p:cNvPr id="79" name="Google Shape;79;p17"/>
+          <p:cNvGraphicFramePr/>
+          <p:nvPr>
+            <p:extLst>
+              <p:ext uri="{D42A27DB-BD31-4B8C-83A1-F6EECF244321}">
+                <p14:modId xmlns:p14="http://schemas.microsoft.com/office/powerpoint/2010/main" val="163844276"/>
+              </p:ext>
+            </p:extLst>
+          </p:nvPr>
+        </p:nvGraphicFramePr>
+        <p:xfrm>
+          <a:off x="382475" y="1267725"/>
+          <a:ext cx="8520600" cy="1462980"/>
+        </p:xfrm>
+        <a:graphic>
+          <a:graphicData uri="http://schemas.openxmlformats.org/drawingml/2006/table">
+            <a:tbl>
+              <a:tblPr>
+                <a:noFill/>
+                <a:tableStyleId>{E1099E06-0E6B-448D-9D27-60429F06E6F4}</a:tableStyleId>
+              </a:tblPr>
+              <a:tblGrid>
+                <a:gridCol w="4260300">
+                  <a:extLst>
+                    <a:ext uri="{9D8B030D-6E8A-4147-A177-3AD203B41FA5}">
+                      <a16:colId xmlns:a16="http://schemas.microsoft.com/office/drawing/2014/main" val="20000"/>
+                    </a:ext>
+                  </a:extLst>
+                </a:gridCol>
+                <a:gridCol w="4260300">
+                  <a:extLst>
+                    <a:ext uri="{9D8B030D-6E8A-4147-A177-3AD203B41FA5}">
+                      <a16:colId xmlns:a16="http://schemas.microsoft.com/office/drawing/2014/main" val="20001"/>
+                    </a:ext>
+                  </a:extLst>
+                </a:gridCol>
+              </a:tblGrid>
+              <a:tr h="381000">
+                <a:tc>
+                  <a:txBody>
+                    <a:bodyPr/>
+                    <a:lstStyle/>
+                    <a:p>
+                      <a:pPr marL="0" lvl="0" indent="0" algn="l" rtl="0">
+                        <a:spcBef>
+                          <a:spcPts val="0"/>
+                        </a:spcBef>
+                        <a:spcAft>
+                          <a:spcPts val="0"/>
+                        </a:spcAft>
+                        <a:buNone/>
+                      </a:pPr>
+                      <a:r>
+                        <a:rPr lang="en" sz="1800" b="1"/>
+                        <a:t>Test Case</a:t>
+                      </a:r>
+                      <a:endParaRPr sz="1800" b="1"/>
+                    </a:p>
+                  </a:txBody>
+                  <a:tcPr marL="91425" marR="91425" marT="91425" marB="91425">
+                    <a:solidFill>
+                      <a:srgbClr val="CCCCCC"/>
+                    </a:solidFill>
+                  </a:tcPr>
+                </a:tc>
+                <a:tc>
+                  <a:txBody>
+                    <a:bodyPr/>
+                    <a:lstStyle/>
+                    <a:p>
+                      <a:pPr marL="0" lvl="0" indent="0" algn="l" rtl="0">
+                        <a:spcBef>
+                          <a:spcPts val="0"/>
+                        </a:spcBef>
+                        <a:spcAft>
+                          <a:spcPts val="0"/>
+                        </a:spcAft>
+                        <a:buNone/>
+                      </a:pPr>
+                      <a:r>
+                        <a:rPr lang="en" sz="1800" b="1"/>
+                        <a:t>Expected Values</a:t>
+                      </a:r>
+                      <a:endParaRPr sz="1800" b="1"/>
+                    </a:p>
+                  </a:txBody>
+                  <a:tcPr marL="91425" marR="91425" marT="91425" marB="91425">
+                    <a:solidFill>
+                      <a:srgbClr val="CCCCCC"/>
+                    </a:solidFill>
+                  </a:tcPr>
+                </a:tc>
+                <a:extLst>
+                  <a:ext uri="{0D108BD9-81ED-4DB2-BD59-A6C34878D82A}">
+                    <a16:rowId xmlns:a16="http://schemas.microsoft.com/office/drawing/2014/main" val="10000"/>
+                  </a:ext>
+                </a:extLst>
+              </a:tr>
+              <a:tr h="396200">
+                <a:tc>
+                  <a:txBody>
+                    <a:bodyPr/>
+                    <a:lstStyle/>
+                    <a:p>
+                      <a:pPr marL="0" lvl="0" indent="0" algn="l" rtl="0">
+                        <a:spcBef>
+                          <a:spcPts val="0"/>
+                        </a:spcBef>
+                        <a:spcAft>
+                          <a:spcPts val="0"/>
+                        </a:spcAft>
+                        <a:buNone/>
+                      </a:pPr>
+                      <a:r>
+                        <a:rPr lang="en-NZ" sz="1800" dirty="0"/>
+                        <a:t>Input name</a:t>
+                      </a:r>
+                    </a:p>
+                    <a:p>
+                      <a:pPr marL="0" lvl="0" indent="0" algn="l" rtl="0">
+                        <a:spcBef>
+                          <a:spcPts val="0"/>
+                        </a:spcBef>
+                        <a:spcAft>
+                          <a:spcPts val="0"/>
+                        </a:spcAft>
+                        <a:buNone/>
+                      </a:pPr>
+                      <a:r>
+                        <a:rPr lang="en-NZ" sz="1800" dirty="0"/>
+                        <a:t>Input phone number</a:t>
+                      </a:r>
+                    </a:p>
+                    <a:p>
+                      <a:pPr marL="0" lvl="0" indent="0" algn="l" rtl="0">
+                        <a:spcBef>
+                          <a:spcPts val="0"/>
+                        </a:spcBef>
+                        <a:spcAft>
+                          <a:spcPts val="0"/>
+                        </a:spcAft>
+                        <a:buNone/>
+                      </a:pPr>
+                      <a:r>
+                        <a:rPr lang="en-NZ" sz="1800" dirty="0"/>
+                        <a:t>Left input blank</a:t>
+                      </a:r>
+                      <a:endParaRPr sz="1800" dirty="0"/>
+                    </a:p>
+                  </a:txBody>
+                  <a:tcPr marL="91425" marR="91425" marT="91425" marB="91425"/>
+                </a:tc>
+                <a:tc>
+                  <a:txBody>
+                    <a:bodyPr/>
+                    <a:lstStyle/>
+                    <a:p>
+                      <a:pPr marL="0" lvl="0" indent="0" algn="l" rtl="0">
+                        <a:spcBef>
+                          <a:spcPts val="0"/>
+                        </a:spcBef>
+                        <a:spcAft>
+                          <a:spcPts val="0"/>
+                        </a:spcAft>
+                        <a:buNone/>
+                      </a:pPr>
+                      <a:r>
+                        <a:rPr lang="en-NZ" sz="1800" dirty="0"/>
+                        <a:t>Printed name correctly</a:t>
+                      </a:r>
+                    </a:p>
+                    <a:p>
+                      <a:pPr marL="0" lvl="0" indent="0" algn="l" rtl="0">
+                        <a:spcBef>
+                          <a:spcPts val="0"/>
+                        </a:spcBef>
+                        <a:spcAft>
+                          <a:spcPts val="0"/>
+                        </a:spcAft>
+                        <a:buNone/>
+                      </a:pPr>
+                      <a:r>
+                        <a:rPr lang="en-NZ" sz="1800" dirty="0"/>
+                        <a:t>Printed phone number</a:t>
+                      </a:r>
+                    </a:p>
+                    <a:p>
+                      <a:pPr marL="0" lvl="0" indent="0" algn="l" rtl="0">
+                        <a:spcBef>
+                          <a:spcPts val="0"/>
+                        </a:spcBef>
+                        <a:spcAft>
+                          <a:spcPts val="0"/>
+                        </a:spcAft>
+                        <a:buNone/>
+                      </a:pPr>
+                      <a:r>
+                        <a:rPr lang="en-NZ" sz="1800" dirty="0"/>
+                        <a:t>Accepted blank and printed input</a:t>
+                      </a:r>
+                    </a:p>
+                  </a:txBody>
+                  <a:tcPr marL="91425" marR="91425" marT="91425" marB="91425"/>
+                </a:tc>
+                <a:extLst>
+                  <a:ext uri="{0D108BD9-81ED-4DB2-BD59-A6C34878D82A}">
+                    <a16:rowId xmlns:a16="http://schemas.microsoft.com/office/drawing/2014/main" val="10001"/>
+                  </a:ext>
+                </a:extLst>
+              </a:tr>
+            </a:tbl>
+          </a:graphicData>
+        </a:graphic>
+      </p:graphicFrame>
+      <p:pic>
+        <p:nvPicPr>
+          <p:cNvPr id="5" name="Picture 4">
+            <a:extLst>
+              <a:ext uri="{FF2B5EF4-FFF2-40B4-BE49-F238E27FC236}">
+                <a16:creationId xmlns:a16="http://schemas.microsoft.com/office/drawing/2014/main" id="{67298904-CE1F-45E6-9FE3-D5DF4654A0DC}"/>
+              </a:ext>
+            </a:extLst>
+          </p:cNvPr>
+          <p:cNvPicPr>
+            <a:picLocks noChangeAspect="1"/>
+          </p:cNvPicPr>
+          <p:nvPr/>
+        </p:nvPicPr>
+        <p:blipFill>
+          <a:blip r:embed="rId3"/>
+          <a:stretch>
+            <a:fillRect/>
+          </a:stretch>
+        </p:blipFill>
+        <p:spPr>
+          <a:xfrm>
+            <a:off x="870568" y="2858576"/>
+            <a:ext cx="4090671" cy="2034398"/>
+          </a:xfrm>
+          <a:prstGeom prst="rect">
+            <a:avLst/>
+          </a:prstGeom>
+        </p:spPr>
+      </p:pic>
+      <p:pic>
+        <p:nvPicPr>
+          <p:cNvPr id="9" name="Picture 8">
+            <a:extLst>
+              <a:ext uri="{FF2B5EF4-FFF2-40B4-BE49-F238E27FC236}">
+                <a16:creationId xmlns:a16="http://schemas.microsoft.com/office/drawing/2014/main" id="{56FB55F3-1183-474A-B730-6B36CDC4FA96}"/>
+              </a:ext>
+            </a:extLst>
+          </p:cNvPr>
+          <p:cNvPicPr>
+            <a:picLocks noChangeAspect="1"/>
+          </p:cNvPicPr>
+          <p:nvPr/>
+        </p:nvPicPr>
+        <p:blipFill>
+          <a:blip r:embed="rId4"/>
+          <a:stretch>
+            <a:fillRect/>
+          </a:stretch>
+        </p:blipFill>
+        <p:spPr>
+          <a:xfrm>
+            <a:off x="6042454" y="2807578"/>
+            <a:ext cx="2953849" cy="2274524"/>
+          </a:xfrm>
+          <a:prstGeom prst="rect">
+            <a:avLst/>
+          </a:prstGeom>
+        </p:spPr>
+      </p:pic>
+    </p:spTree>
+    <p:extLst>
+      <p:ext uri="{BB962C8B-B14F-4D97-AF65-F5344CB8AC3E}">
+        <p14:creationId xmlns:p14="http://schemas.microsoft.com/office/powerpoint/2010/main" val="431201231"/>
+      </p:ext>
+    </p:extLst>
+  </p:cSld>
+  <p:clrMapOvr>
+    <a:masterClrMapping/>
+  </p:clrMapOvr>
+</p:sld>
+</file>
+
+<file path=ppt/slides/slide16.xml><?xml version="1.0" encoding="utf-8"?>
 <p:sld xmlns:a="http://schemas.openxmlformats.org/drawingml/2006/main" xmlns:r="http://schemas.openxmlformats.org/officeDocument/2006/relationships" xmlns:p="http://schemas.openxmlformats.org/presentationml/2006/main">
   <p:cSld>
     <p:bg>
@@ -8375,7 +9481,7 @@
 </p:sld>
 </file>
 
-<file path=ppt/slides/slide14.xml><?xml version="1.0" encoding="utf-8"?>
+<file path=ppt/slides/slide17.xml><?xml version="1.0" encoding="utf-8"?>
 <p:sld xmlns:a="http://schemas.openxmlformats.org/drawingml/2006/main" xmlns:r="http://schemas.openxmlformats.org/officeDocument/2006/relationships" xmlns:p="http://schemas.openxmlformats.org/presentationml/2006/main">
   <p:cSld>
     <p:bg>
@@ -9648,6 +10754,116 @@
 <file path=ppt/slides/slide8.xml><?xml version="1.0" encoding="utf-8"?>
 <p:sld xmlns:a="http://schemas.openxmlformats.org/drawingml/2006/main" xmlns:r="http://schemas.openxmlformats.org/officeDocument/2006/relationships" xmlns:p="http://schemas.openxmlformats.org/presentationml/2006/main">
   <p:cSld>
+    <p:bg>
+      <p:bgPr>
+        <a:solidFill>
+          <a:srgbClr val="D9EAD3"/>
+        </a:solidFill>
+        <a:effectLst/>
+      </p:bgPr>
+    </p:bg>
+    <p:spTree>
+      <p:nvGrpSpPr>
+        <p:cNvPr id="1" name="Shape 72"/>
+        <p:cNvGrpSpPr/>
+        <p:nvPr/>
+      </p:nvGrpSpPr>
+      <p:grpSpPr>
+        <a:xfrm>
+          <a:off x="0" y="0"/>
+          <a:ext cx="0" cy="0"/>
+          <a:chOff x="0" y="0"/>
+          <a:chExt cx="0" cy="0"/>
+        </a:xfrm>
+      </p:grpSpPr>
+      <p:sp>
+        <p:nvSpPr>
+          <p:cNvPr id="73" name="Google Shape;73;p16"/>
+          <p:cNvSpPr txBox="1">
+            <a:spLocks noGrp="1"/>
+          </p:cNvSpPr>
+          <p:nvPr>
+            <p:ph type="title"/>
+          </p:nvPr>
+        </p:nvSpPr>
+        <p:spPr>
+          <a:xfrm>
+            <a:off x="311700" y="445025"/>
+            <a:ext cx="8520600" cy="572700"/>
+          </a:xfrm>
+          <a:prstGeom prst="rect">
+            <a:avLst/>
+          </a:prstGeom>
+        </p:spPr>
+        <p:txBody>
+          <a:bodyPr spcFirstLastPara="1" wrap="square" lIns="91425" tIns="91425" rIns="91425" bIns="91425" anchor="t" anchorCtr="0">
+            <a:noAutofit/>
+          </a:bodyPr>
+          <a:lstStyle/>
+          <a:p>
+            <a:pPr marL="0" lvl="0" indent="0" algn="l" rtl="0">
+              <a:spcBef>
+                <a:spcPts val="0"/>
+              </a:spcBef>
+              <a:spcAft>
+                <a:spcPts val="0"/>
+              </a:spcAft>
+              <a:buNone/>
+            </a:pPr>
+            <a:r>
+              <a:rPr lang="en" dirty="0"/>
+              <a:t>Component 2 v2 (Trello screenshot)</a:t>
+            </a:r>
+            <a:endParaRPr dirty="0"/>
+          </a:p>
+        </p:txBody>
+      </p:sp>
+      <p:pic>
+        <p:nvPicPr>
+          <p:cNvPr id="4" name="Picture 3">
+            <a:extLst>
+              <a:ext uri="{FF2B5EF4-FFF2-40B4-BE49-F238E27FC236}">
+                <a16:creationId xmlns:a16="http://schemas.microsoft.com/office/drawing/2014/main" id="{00D58932-F069-45AF-9700-B8B3B8F30D17}"/>
+              </a:ext>
+            </a:extLst>
+          </p:cNvPr>
+          <p:cNvPicPr>
+            <a:picLocks noChangeAspect="1"/>
+          </p:cNvPicPr>
+          <p:nvPr/>
+        </p:nvPicPr>
+        <p:blipFill>
+          <a:blip r:embed="rId3"/>
+          <a:stretch>
+            <a:fillRect/>
+          </a:stretch>
+        </p:blipFill>
+        <p:spPr>
+          <a:xfrm>
+            <a:off x="78659" y="1411438"/>
+            <a:ext cx="8954371" cy="2888713"/>
+          </a:xfrm>
+          <a:prstGeom prst="rect">
+            <a:avLst/>
+          </a:prstGeom>
+        </p:spPr>
+      </p:pic>
+    </p:spTree>
+    <p:extLst>
+      <p:ext uri="{BB962C8B-B14F-4D97-AF65-F5344CB8AC3E}">
+        <p14:creationId xmlns:p14="http://schemas.microsoft.com/office/powerpoint/2010/main" val="3492397908"/>
+      </p:ext>
+    </p:extLst>
+  </p:cSld>
+  <p:clrMapOvr>
+    <a:masterClrMapping/>
+  </p:clrMapOvr>
+</p:sld>
+</file>
+
+<file path=ppt/slides/slide9.xml><?xml version="1.0" encoding="utf-8"?>
+<p:sld xmlns:a="http://schemas.openxmlformats.org/drawingml/2006/main" xmlns:r="http://schemas.openxmlformats.org/officeDocument/2006/relationships" xmlns:p="http://schemas.openxmlformats.org/presentationml/2006/main">
+  <p:cSld>
     <p:spTree>
       <p:nvGrpSpPr>
         <p:cNvPr id="1" name="Shape 77"/>
@@ -9955,324 +11171,6 @@
     <p:extLst>
       <p:ext uri="{BB962C8B-B14F-4D97-AF65-F5344CB8AC3E}">
         <p14:creationId xmlns:p14="http://schemas.microsoft.com/office/powerpoint/2010/main" val="544123854"/>
-      </p:ext>
-    </p:extLst>
-  </p:cSld>
-  <p:clrMapOvr>
-    <a:masterClrMapping/>
-  </p:clrMapOvr>
-</p:sld>
-</file>
-
-<file path=ppt/slides/slide9.xml><?xml version="1.0" encoding="utf-8"?>
-<p:sld xmlns:a="http://schemas.openxmlformats.org/drawingml/2006/main" xmlns:r="http://schemas.openxmlformats.org/officeDocument/2006/relationships" xmlns:p="http://schemas.openxmlformats.org/presentationml/2006/main">
-  <p:cSld>
-    <p:spTree>
-      <p:nvGrpSpPr>
-        <p:cNvPr id="1" name="Shape 77"/>
-        <p:cNvGrpSpPr/>
-        <p:nvPr/>
-      </p:nvGrpSpPr>
-      <p:grpSpPr>
-        <a:xfrm>
-          <a:off x="0" y="0"/>
-          <a:ext cx="0" cy="0"/>
-          <a:chOff x="0" y="0"/>
-          <a:chExt cx="0" cy="0"/>
-        </a:xfrm>
-      </p:grpSpPr>
-      <p:sp>
-        <p:nvSpPr>
-          <p:cNvPr id="78" name="Google Shape;78;p17"/>
-          <p:cNvSpPr txBox="1">
-            <a:spLocks noGrp="1"/>
-          </p:cNvSpPr>
-          <p:nvPr>
-            <p:ph type="title"/>
-          </p:nvPr>
-        </p:nvSpPr>
-        <p:spPr>
-          <a:xfrm>
-            <a:off x="311700" y="445025"/>
-            <a:ext cx="8520600" cy="572700"/>
-          </a:xfrm>
-          <a:prstGeom prst="rect">
-            <a:avLst/>
-          </a:prstGeom>
-        </p:spPr>
-        <p:txBody>
-          <a:bodyPr spcFirstLastPara="1" wrap="square" lIns="91425" tIns="91425" rIns="91425" bIns="91425" anchor="t" anchorCtr="0">
-            <a:noAutofit/>
-          </a:bodyPr>
-          <a:lstStyle/>
-          <a:p>
-            <a:pPr marL="0" lvl="0" indent="0" algn="l" rtl="0">
-              <a:spcBef>
-                <a:spcPts val="0"/>
-              </a:spcBef>
-              <a:spcAft>
-                <a:spcPts val="0"/>
-              </a:spcAft>
-              <a:buNone/>
-            </a:pPr>
-            <a:r>
-              <a:rPr lang="en" dirty="0"/>
-              <a:t>Component 2 v2 - Test Plan (and screenshot)</a:t>
-            </a:r>
-            <a:endParaRPr dirty="0"/>
-          </a:p>
-        </p:txBody>
-      </p:sp>
-      <p:graphicFrame>
-        <p:nvGraphicFramePr>
-          <p:cNvPr id="79" name="Google Shape;79;p17"/>
-          <p:cNvGraphicFramePr/>
-          <p:nvPr>
-            <p:extLst>
-              <p:ext uri="{D42A27DB-BD31-4B8C-83A1-F6EECF244321}">
-                <p14:modId xmlns:p14="http://schemas.microsoft.com/office/powerpoint/2010/main" val="1333421750"/>
-              </p:ext>
-            </p:extLst>
-          </p:nvPr>
-        </p:nvGraphicFramePr>
-        <p:xfrm>
-          <a:off x="382475" y="1267725"/>
-          <a:ext cx="8520600" cy="1462980"/>
-        </p:xfrm>
-        <a:graphic>
-          <a:graphicData uri="http://schemas.openxmlformats.org/drawingml/2006/table">
-            <a:tbl>
-              <a:tblPr>
-                <a:noFill/>
-                <a:tableStyleId>{E1099E06-0E6B-448D-9D27-60429F06E6F4}</a:tableStyleId>
-              </a:tblPr>
-              <a:tblGrid>
-                <a:gridCol w="4260300">
-                  <a:extLst>
-                    <a:ext uri="{9D8B030D-6E8A-4147-A177-3AD203B41FA5}">
-                      <a16:colId xmlns:a16="http://schemas.microsoft.com/office/drawing/2014/main" val="20000"/>
-                    </a:ext>
-                  </a:extLst>
-                </a:gridCol>
-                <a:gridCol w="4260300">
-                  <a:extLst>
-                    <a:ext uri="{9D8B030D-6E8A-4147-A177-3AD203B41FA5}">
-                      <a16:colId xmlns:a16="http://schemas.microsoft.com/office/drawing/2014/main" val="20001"/>
-                    </a:ext>
-                  </a:extLst>
-                </a:gridCol>
-              </a:tblGrid>
-              <a:tr h="381000">
-                <a:tc>
-                  <a:txBody>
-                    <a:bodyPr/>
-                    <a:lstStyle/>
-                    <a:p>
-                      <a:pPr marL="0" lvl="0" indent="0" algn="l" rtl="0">
-                        <a:spcBef>
-                          <a:spcPts val="0"/>
-                        </a:spcBef>
-                        <a:spcAft>
-                          <a:spcPts val="0"/>
-                        </a:spcAft>
-                        <a:buNone/>
-                      </a:pPr>
-                      <a:r>
-                        <a:rPr lang="en" sz="1800" b="1"/>
-                        <a:t>Test Case</a:t>
-                      </a:r>
-                      <a:endParaRPr sz="1800" b="1"/>
-                    </a:p>
-                  </a:txBody>
-                  <a:tcPr marL="91425" marR="91425" marT="91425" marB="91425">
-                    <a:solidFill>
-                      <a:srgbClr val="CCCCCC"/>
-                    </a:solidFill>
-                  </a:tcPr>
-                </a:tc>
-                <a:tc>
-                  <a:txBody>
-                    <a:bodyPr/>
-                    <a:lstStyle/>
-                    <a:p>
-                      <a:pPr marL="0" lvl="0" indent="0" algn="l" rtl="0">
-                        <a:spcBef>
-                          <a:spcPts val="0"/>
-                        </a:spcBef>
-                        <a:spcAft>
-                          <a:spcPts val="0"/>
-                        </a:spcAft>
-                        <a:buNone/>
-                      </a:pPr>
-                      <a:r>
-                        <a:rPr lang="en" sz="1800" b="1"/>
-                        <a:t>Expected Values</a:t>
-                      </a:r>
-                      <a:endParaRPr sz="1800" b="1"/>
-                    </a:p>
-                  </a:txBody>
-                  <a:tcPr marL="91425" marR="91425" marT="91425" marB="91425">
-                    <a:solidFill>
-                      <a:srgbClr val="CCCCCC"/>
-                    </a:solidFill>
-                  </a:tcPr>
-                </a:tc>
-                <a:extLst>
-                  <a:ext uri="{0D108BD9-81ED-4DB2-BD59-A6C34878D82A}">
-                    <a16:rowId xmlns:a16="http://schemas.microsoft.com/office/drawing/2014/main" val="10000"/>
-                  </a:ext>
-                </a:extLst>
-              </a:tr>
-              <a:tr h="396200">
-                <a:tc>
-                  <a:txBody>
-                    <a:bodyPr/>
-                    <a:lstStyle/>
-                    <a:p>
-                      <a:pPr marL="0" lvl="0" indent="0" algn="l" rtl="0">
-                        <a:spcBef>
-                          <a:spcPts val="0"/>
-                        </a:spcBef>
-                        <a:spcAft>
-                          <a:spcPts val="0"/>
-                        </a:spcAft>
-                        <a:buNone/>
-                      </a:pPr>
-                      <a:r>
-                        <a:rPr lang="en-NZ" sz="1800" dirty="0"/>
-                        <a:t>Run program</a:t>
-                      </a:r>
-                      <a:endParaRPr sz="1800" dirty="0"/>
-                    </a:p>
-                  </a:txBody>
-                  <a:tcPr marL="91425" marR="91425" marT="91425" marB="91425"/>
-                </a:tc>
-                <a:tc>
-                  <a:txBody>
-                    <a:bodyPr/>
-                    <a:lstStyle/>
-                    <a:p>
-                      <a:pPr marL="0" lvl="0" indent="0" algn="l" rtl="0">
-                        <a:spcBef>
-                          <a:spcPts val="0"/>
-                        </a:spcBef>
-                        <a:spcAft>
-                          <a:spcPts val="0"/>
-                        </a:spcAft>
-                        <a:buNone/>
-                      </a:pPr>
-                      <a:r>
-                        <a:rPr lang="en-NZ" sz="1800" dirty="0"/>
-                        <a:t>Enter p program prints pickup</a:t>
-                      </a:r>
-                    </a:p>
-                    <a:p>
-                      <a:pPr marL="0" lvl="0" indent="0" algn="l" rtl="0">
-                        <a:spcBef>
-                          <a:spcPts val="0"/>
-                        </a:spcBef>
-                        <a:spcAft>
-                          <a:spcPts val="0"/>
-                        </a:spcAft>
-                        <a:buNone/>
-                      </a:pPr>
-                      <a:r>
-                        <a:rPr lang="en-NZ" sz="1800" dirty="0"/>
-                        <a:t>Enter d program prints delivery</a:t>
-                      </a:r>
-                    </a:p>
-                    <a:p>
-                      <a:pPr marL="0" lvl="0" indent="0" algn="l" rtl="0">
-                        <a:spcBef>
-                          <a:spcPts val="0"/>
-                        </a:spcBef>
-                        <a:spcAft>
-                          <a:spcPts val="0"/>
-                        </a:spcAft>
-                        <a:buNone/>
-                      </a:pPr>
-                      <a:r>
-                        <a:rPr lang="en-NZ" sz="1800" dirty="0"/>
-                        <a:t>Enter invalid prints error message.</a:t>
-                      </a:r>
-                    </a:p>
-                  </a:txBody>
-                  <a:tcPr marL="91425" marR="91425" marT="91425" marB="91425"/>
-                </a:tc>
-                <a:extLst>
-                  <a:ext uri="{0D108BD9-81ED-4DB2-BD59-A6C34878D82A}">
-                    <a16:rowId xmlns:a16="http://schemas.microsoft.com/office/drawing/2014/main" val="10001"/>
-                  </a:ext>
-                </a:extLst>
-              </a:tr>
-            </a:tbl>
-          </a:graphicData>
-        </a:graphic>
-      </p:graphicFrame>
-      <p:pic>
-        <p:nvPicPr>
-          <p:cNvPr id="6" name="Picture 5">
-            <a:extLst>
-              <a:ext uri="{FF2B5EF4-FFF2-40B4-BE49-F238E27FC236}">
-                <a16:creationId xmlns:a16="http://schemas.microsoft.com/office/drawing/2014/main" id="{B67D0360-F5EE-414A-90C9-F9FE30049701}"/>
-              </a:ext>
-            </a:extLst>
-          </p:cNvPr>
-          <p:cNvPicPr>
-            <a:picLocks noChangeAspect="1"/>
-          </p:cNvPicPr>
-          <p:nvPr/>
-        </p:nvPicPr>
-        <p:blipFill>
-          <a:blip r:embed="rId3"/>
-          <a:stretch>
-            <a:fillRect/>
-          </a:stretch>
-        </p:blipFill>
-        <p:spPr>
-          <a:xfrm>
-            <a:off x="134719" y="2410396"/>
-            <a:ext cx="4437281" cy="2654446"/>
-          </a:xfrm>
-          <a:prstGeom prst="rect">
-            <a:avLst/>
-          </a:prstGeom>
-        </p:spPr>
-      </p:pic>
-      <p:pic>
-        <p:nvPicPr>
-          <p:cNvPr id="7" name="Picture 6">
-            <a:extLst>
-              <a:ext uri="{FF2B5EF4-FFF2-40B4-BE49-F238E27FC236}">
-                <a16:creationId xmlns:a16="http://schemas.microsoft.com/office/drawing/2014/main" id="{52DA955A-3FB3-4801-AA80-221647477513}"/>
-              </a:ext>
-            </a:extLst>
-          </p:cNvPr>
-          <p:cNvPicPr>
-            <a:picLocks noChangeAspect="1"/>
-          </p:cNvPicPr>
-          <p:nvPr/>
-        </p:nvPicPr>
-        <p:blipFill>
-          <a:blip r:embed="rId4"/>
-          <a:stretch>
-            <a:fillRect/>
-          </a:stretch>
-        </p:blipFill>
-        <p:spPr>
-          <a:xfrm>
-            <a:off x="3877552" y="3436432"/>
-            <a:ext cx="5025523" cy="1628410"/>
-          </a:xfrm>
-          <a:prstGeom prst="rect">
-            <a:avLst/>
-          </a:prstGeom>
-        </p:spPr>
-      </p:pic>
-    </p:spTree>
-    <p:extLst>
-      <p:ext uri="{BB962C8B-B14F-4D97-AF65-F5344CB8AC3E}">
-        <p14:creationId xmlns:p14="http://schemas.microsoft.com/office/powerpoint/2010/main" val="719754997"/>
       </p:ext>
     </p:extLst>
   </p:cSld>

--- a/022_91893+_+91897+Documentation.pptx
+++ b/022_91893+_+91897+Documentation.pptx
@@ -5,7 +5,7 @@
     <p:sldMasterId id="2147483659" r:id="rId1"/>
   </p:sldMasterIdLst>
   <p:notesMasterIdLst>
-    <p:notesMasterId r:id="rId19"/>
+    <p:notesMasterId r:id="rId21"/>
   </p:notesMasterIdLst>
   <p:sldIdLst>
     <p:sldId id="256" r:id="rId2"/>
@@ -23,8 +23,10 @@
     <p:sldId id="269" r:id="rId14"/>
     <p:sldId id="271" r:id="rId15"/>
     <p:sldId id="272" r:id="rId16"/>
-    <p:sldId id="261" r:id="rId17"/>
-    <p:sldId id="262" r:id="rId18"/>
+    <p:sldId id="273" r:id="rId17"/>
+    <p:sldId id="274" r:id="rId18"/>
+    <p:sldId id="261" r:id="rId19"/>
+    <p:sldId id="262" r:id="rId20"/>
   </p:sldIdLst>
   <p:sldSz cx="9144000" cy="5143500" type="screen16x9"/>
   <p:notesSz cx="6858000" cy="9144000"/>
@@ -1488,6 +1490,224 @@
   <p:cSld>
     <p:spTree>
       <p:nvGrpSpPr>
+        <p:cNvPr id="1" name="Shape 69"/>
+        <p:cNvGrpSpPr/>
+        <p:nvPr/>
+      </p:nvGrpSpPr>
+      <p:grpSpPr>
+        <a:xfrm>
+          <a:off x="0" y="0"/>
+          <a:ext cx="0" cy="0"/>
+          <a:chOff x="0" y="0"/>
+          <a:chExt cx="0" cy="0"/>
+        </a:xfrm>
+      </p:grpSpPr>
+      <p:sp>
+        <p:nvSpPr>
+          <p:cNvPr id="70" name="Google Shape;70;gac10fef634_0_16:notes"/>
+          <p:cNvSpPr>
+            <a:spLocks noGrp="1" noRot="1" noChangeAspect="1"/>
+          </p:cNvSpPr>
+          <p:nvPr>
+            <p:ph type="sldImg" idx="2"/>
+          </p:nvPr>
+        </p:nvSpPr>
+        <p:spPr>
+          <a:xfrm>
+            <a:off x="381000" y="685800"/>
+            <a:ext cx="6096000" cy="3429000"/>
+          </a:xfrm>
+          <a:custGeom>
+            <a:avLst/>
+            <a:gdLst/>
+            <a:ahLst/>
+            <a:cxnLst/>
+            <a:rect l="l" t="t" r="r" b="b"/>
+            <a:pathLst>
+              <a:path w="120000" h="120000" extrusionOk="0">
+                <a:moveTo>
+                  <a:pt x="0" y="0"/>
+                </a:moveTo>
+                <a:lnTo>
+                  <a:pt x="120000" y="0"/>
+                </a:lnTo>
+                <a:lnTo>
+                  <a:pt x="120000" y="120000"/>
+                </a:lnTo>
+                <a:lnTo>
+                  <a:pt x="0" y="120000"/>
+                </a:lnTo>
+                <a:close/>
+              </a:path>
+            </a:pathLst>
+          </a:custGeom>
+        </p:spPr>
+      </p:sp>
+      <p:sp>
+        <p:nvSpPr>
+          <p:cNvPr id="71" name="Google Shape;71;gac10fef634_0_16:notes"/>
+          <p:cNvSpPr txBox="1">
+            <a:spLocks noGrp="1"/>
+          </p:cNvSpPr>
+          <p:nvPr>
+            <p:ph type="body" idx="1"/>
+          </p:nvPr>
+        </p:nvSpPr>
+        <p:spPr>
+          <a:xfrm>
+            <a:off x="685800" y="4343400"/>
+            <a:ext cx="5486400" cy="4114800"/>
+          </a:xfrm>
+          <a:prstGeom prst="rect">
+            <a:avLst/>
+          </a:prstGeom>
+        </p:spPr>
+        <p:txBody>
+          <a:bodyPr spcFirstLastPara="1" wrap="square" lIns="91425" tIns="91425" rIns="91425" bIns="91425" anchor="t" anchorCtr="0">
+            <a:noAutofit/>
+          </a:bodyPr>
+          <a:lstStyle/>
+          <a:p>
+            <a:pPr marL="0" lvl="0" indent="0" algn="l" rtl="0">
+              <a:spcBef>
+                <a:spcPts val="0"/>
+              </a:spcBef>
+              <a:spcAft>
+                <a:spcPts val="0"/>
+              </a:spcAft>
+              <a:buNone/>
+            </a:pPr>
+            <a:endParaRPr/>
+          </a:p>
+        </p:txBody>
+      </p:sp>
+    </p:spTree>
+    <p:extLst>
+      <p:ext uri="{BB962C8B-B14F-4D97-AF65-F5344CB8AC3E}">
+        <p14:creationId xmlns:p14="http://schemas.microsoft.com/office/powerpoint/2010/main" val="2783245999"/>
+      </p:ext>
+    </p:extLst>
+  </p:cSld>
+  <p:clrMapOvr>
+    <a:masterClrMapping/>
+  </p:clrMapOvr>
+</p:notes>
+</file>
+
+<file path=ppt/notesSlides/notesSlide17.xml><?xml version="1.0" encoding="utf-8"?>
+<p:notes xmlns:a="http://schemas.openxmlformats.org/drawingml/2006/main" xmlns:r="http://schemas.openxmlformats.org/officeDocument/2006/relationships" xmlns:p="http://schemas.openxmlformats.org/presentationml/2006/main" showMasterSp="0" showMasterPhAnim="0">
+  <p:cSld>
+    <p:spTree>
+      <p:nvGrpSpPr>
+        <p:cNvPr id="1" name="Shape 74"/>
+        <p:cNvGrpSpPr/>
+        <p:nvPr/>
+      </p:nvGrpSpPr>
+      <p:grpSpPr>
+        <a:xfrm>
+          <a:off x="0" y="0"/>
+          <a:ext cx="0" cy="0"/>
+          <a:chOff x="0" y="0"/>
+          <a:chExt cx="0" cy="0"/>
+        </a:xfrm>
+      </p:grpSpPr>
+      <p:sp>
+        <p:nvSpPr>
+          <p:cNvPr id="75" name="Google Shape;75;gac10fef634_0_20:notes"/>
+          <p:cNvSpPr>
+            <a:spLocks noGrp="1" noRot="1" noChangeAspect="1"/>
+          </p:cNvSpPr>
+          <p:nvPr>
+            <p:ph type="sldImg" idx="2"/>
+          </p:nvPr>
+        </p:nvSpPr>
+        <p:spPr>
+          <a:xfrm>
+            <a:off x="381000" y="685800"/>
+            <a:ext cx="6096000" cy="3429000"/>
+          </a:xfrm>
+          <a:custGeom>
+            <a:avLst/>
+            <a:gdLst/>
+            <a:ahLst/>
+            <a:cxnLst/>
+            <a:rect l="l" t="t" r="r" b="b"/>
+            <a:pathLst>
+              <a:path w="120000" h="120000" extrusionOk="0">
+                <a:moveTo>
+                  <a:pt x="0" y="0"/>
+                </a:moveTo>
+                <a:lnTo>
+                  <a:pt x="120000" y="0"/>
+                </a:lnTo>
+                <a:lnTo>
+                  <a:pt x="120000" y="120000"/>
+                </a:lnTo>
+                <a:lnTo>
+                  <a:pt x="0" y="120000"/>
+                </a:lnTo>
+                <a:close/>
+              </a:path>
+            </a:pathLst>
+          </a:custGeom>
+        </p:spPr>
+      </p:sp>
+      <p:sp>
+        <p:nvSpPr>
+          <p:cNvPr id="76" name="Google Shape;76;gac10fef634_0_20:notes"/>
+          <p:cNvSpPr txBox="1">
+            <a:spLocks noGrp="1"/>
+          </p:cNvSpPr>
+          <p:nvPr>
+            <p:ph type="body" idx="1"/>
+          </p:nvPr>
+        </p:nvSpPr>
+        <p:spPr>
+          <a:xfrm>
+            <a:off x="685800" y="4343400"/>
+            <a:ext cx="5486400" cy="4114800"/>
+          </a:xfrm>
+          <a:prstGeom prst="rect">
+            <a:avLst/>
+          </a:prstGeom>
+        </p:spPr>
+        <p:txBody>
+          <a:bodyPr spcFirstLastPara="1" wrap="square" lIns="91425" tIns="91425" rIns="91425" bIns="91425" anchor="t" anchorCtr="0">
+            <a:noAutofit/>
+          </a:bodyPr>
+          <a:lstStyle/>
+          <a:p>
+            <a:pPr marL="0" lvl="0" indent="0" algn="l" rtl="0">
+              <a:spcBef>
+                <a:spcPts val="0"/>
+              </a:spcBef>
+              <a:spcAft>
+                <a:spcPts val="0"/>
+              </a:spcAft>
+              <a:buNone/>
+            </a:pPr>
+            <a:endParaRPr/>
+          </a:p>
+        </p:txBody>
+      </p:sp>
+    </p:spTree>
+    <p:extLst>
+      <p:ext uri="{BB962C8B-B14F-4D97-AF65-F5344CB8AC3E}">
+        <p14:creationId xmlns:p14="http://schemas.microsoft.com/office/powerpoint/2010/main" val="4154061669"/>
+      </p:ext>
+    </p:extLst>
+  </p:cSld>
+  <p:clrMapOvr>
+    <a:masterClrMapping/>
+  </p:clrMapOvr>
+</p:notes>
+</file>
+
+<file path=ppt/notesSlides/notesSlide18.xml><?xml version="1.0" encoding="utf-8"?>
+<p:notes xmlns:a="http://schemas.openxmlformats.org/drawingml/2006/main" xmlns:r="http://schemas.openxmlformats.org/officeDocument/2006/relationships" xmlns:p="http://schemas.openxmlformats.org/presentationml/2006/main" showMasterSp="0" showMasterPhAnim="0">
+  <p:cSld>
+    <p:spTree>
+      <p:nvGrpSpPr>
         <p:cNvPr id="1" name="Shape 80"/>
         <p:cNvGrpSpPr/>
         <p:nvPr/>
@@ -1608,7 +1828,7 @@
 </p:notes>
 </file>
 
-<file path=ppt/notesSlides/notesSlide17.xml><?xml version="1.0" encoding="utf-8"?>
+<file path=ppt/notesSlides/notesSlide19.xml><?xml version="1.0" encoding="utf-8"?>
 <p:notes xmlns:a="http://schemas.openxmlformats.org/drawingml/2006/main" xmlns:r="http://schemas.openxmlformats.org/officeDocument/2006/relationships" xmlns:p="http://schemas.openxmlformats.org/presentationml/2006/main" showMasterSp="0" showMasterPhAnim="0">
   <p:cSld>
     <p:spTree>
@@ -9377,6 +9597,464 @@
     </p:bg>
     <p:spTree>
       <p:nvGrpSpPr>
+        <p:cNvPr id="1" name="Shape 72"/>
+        <p:cNvGrpSpPr/>
+        <p:nvPr/>
+      </p:nvGrpSpPr>
+      <p:grpSpPr>
+        <a:xfrm>
+          <a:off x="0" y="0"/>
+          <a:ext cx="0" cy="0"/>
+          <a:chOff x="0" y="0"/>
+          <a:chExt cx="0" cy="0"/>
+        </a:xfrm>
+      </p:grpSpPr>
+      <p:sp>
+        <p:nvSpPr>
+          <p:cNvPr id="73" name="Google Shape;73;p16"/>
+          <p:cNvSpPr txBox="1">
+            <a:spLocks noGrp="1"/>
+          </p:cNvSpPr>
+          <p:nvPr>
+            <p:ph type="title"/>
+          </p:nvPr>
+        </p:nvSpPr>
+        <p:spPr>
+          <a:xfrm>
+            <a:off x="311700" y="445025"/>
+            <a:ext cx="8520600" cy="572700"/>
+          </a:xfrm>
+          <a:prstGeom prst="rect">
+            <a:avLst/>
+          </a:prstGeom>
+        </p:spPr>
+        <p:txBody>
+          <a:bodyPr spcFirstLastPara="1" wrap="square" lIns="91425" tIns="91425" rIns="91425" bIns="91425" anchor="t" anchorCtr="0">
+            <a:noAutofit/>
+          </a:bodyPr>
+          <a:lstStyle/>
+          <a:p>
+            <a:pPr marL="0" lvl="0" indent="0" algn="l" rtl="0">
+              <a:spcBef>
+                <a:spcPts val="0"/>
+              </a:spcBef>
+              <a:spcAft>
+                <a:spcPts val="0"/>
+              </a:spcAft>
+              <a:buNone/>
+            </a:pPr>
+            <a:r>
+              <a:rPr lang="en" dirty="0"/>
+              <a:t>Component 3 v2 (Trello screenshot)</a:t>
+            </a:r>
+            <a:endParaRPr dirty="0"/>
+          </a:p>
+        </p:txBody>
+      </p:sp>
+      <p:pic>
+        <p:nvPicPr>
+          <p:cNvPr id="4" name="Picture 3">
+            <a:extLst>
+              <a:ext uri="{FF2B5EF4-FFF2-40B4-BE49-F238E27FC236}">
+                <a16:creationId xmlns:a16="http://schemas.microsoft.com/office/drawing/2014/main" id="{20AA6BEA-E9DE-4458-BB7E-A9F068B0A779}"/>
+              </a:ext>
+            </a:extLst>
+          </p:cNvPr>
+          <p:cNvPicPr>
+            <a:picLocks noChangeAspect="1"/>
+          </p:cNvPicPr>
+          <p:nvPr/>
+        </p:nvPicPr>
+        <p:blipFill>
+          <a:blip r:embed="rId3"/>
+          <a:stretch>
+            <a:fillRect/>
+          </a:stretch>
+        </p:blipFill>
+        <p:spPr>
+          <a:xfrm>
+            <a:off x="2969342" y="1017725"/>
+            <a:ext cx="5963552" cy="3973822"/>
+          </a:xfrm>
+          <a:prstGeom prst="rect">
+            <a:avLst/>
+          </a:prstGeom>
+        </p:spPr>
+      </p:pic>
+    </p:spTree>
+    <p:extLst>
+      <p:ext uri="{BB962C8B-B14F-4D97-AF65-F5344CB8AC3E}">
+        <p14:creationId xmlns:p14="http://schemas.microsoft.com/office/powerpoint/2010/main" val="1622418483"/>
+      </p:ext>
+    </p:extLst>
+  </p:cSld>
+  <p:clrMapOvr>
+    <a:masterClrMapping/>
+  </p:clrMapOvr>
+</p:sld>
+</file>
+
+<file path=ppt/slides/slide17.xml><?xml version="1.0" encoding="utf-8"?>
+<p:sld xmlns:a="http://schemas.openxmlformats.org/drawingml/2006/main" xmlns:r="http://schemas.openxmlformats.org/officeDocument/2006/relationships" xmlns:p="http://schemas.openxmlformats.org/presentationml/2006/main">
+  <p:cSld>
+    <p:spTree>
+      <p:nvGrpSpPr>
+        <p:cNvPr id="1" name="Shape 77"/>
+        <p:cNvGrpSpPr/>
+        <p:nvPr/>
+      </p:nvGrpSpPr>
+      <p:grpSpPr>
+        <a:xfrm>
+          <a:off x="0" y="0"/>
+          <a:ext cx="0" cy="0"/>
+          <a:chOff x="0" y="0"/>
+          <a:chExt cx="0" cy="0"/>
+        </a:xfrm>
+      </p:grpSpPr>
+      <p:sp>
+        <p:nvSpPr>
+          <p:cNvPr id="78" name="Google Shape;78;p17"/>
+          <p:cNvSpPr txBox="1">
+            <a:spLocks noGrp="1"/>
+          </p:cNvSpPr>
+          <p:nvPr>
+            <p:ph type="title"/>
+          </p:nvPr>
+        </p:nvSpPr>
+        <p:spPr>
+          <a:xfrm>
+            <a:off x="311700" y="445025"/>
+            <a:ext cx="8520600" cy="572700"/>
+          </a:xfrm>
+          <a:prstGeom prst="rect">
+            <a:avLst/>
+          </a:prstGeom>
+        </p:spPr>
+        <p:txBody>
+          <a:bodyPr spcFirstLastPara="1" wrap="square" lIns="91425" tIns="91425" rIns="91425" bIns="91425" anchor="t" anchorCtr="0">
+            <a:noAutofit/>
+          </a:bodyPr>
+          <a:lstStyle/>
+          <a:p>
+            <a:pPr marL="0" lvl="0" indent="0" algn="l" rtl="0">
+              <a:spcBef>
+                <a:spcPts val="0"/>
+              </a:spcBef>
+              <a:spcAft>
+                <a:spcPts val="0"/>
+              </a:spcAft>
+              <a:buNone/>
+            </a:pPr>
+            <a:r>
+              <a:rPr lang="en" dirty="0"/>
+              <a:t>Component 3 v1 - Test Plan (and screenshot)</a:t>
+            </a:r>
+            <a:endParaRPr dirty="0"/>
+          </a:p>
+        </p:txBody>
+      </p:sp>
+      <p:graphicFrame>
+        <p:nvGraphicFramePr>
+          <p:cNvPr id="79" name="Google Shape;79;p17"/>
+          <p:cNvGraphicFramePr/>
+          <p:nvPr>
+            <p:extLst>
+              <p:ext uri="{D42A27DB-BD31-4B8C-83A1-F6EECF244321}">
+                <p14:modId xmlns:p14="http://schemas.microsoft.com/office/powerpoint/2010/main" val="1277154678"/>
+              </p:ext>
+            </p:extLst>
+          </p:nvPr>
+        </p:nvGraphicFramePr>
+        <p:xfrm>
+          <a:off x="382475" y="1267725"/>
+          <a:ext cx="8520600" cy="1737300"/>
+        </p:xfrm>
+        <a:graphic>
+          <a:graphicData uri="http://schemas.openxmlformats.org/drawingml/2006/table">
+            <a:tbl>
+              <a:tblPr>
+                <a:noFill/>
+                <a:tableStyleId>{E1099E06-0E6B-448D-9D27-60429F06E6F4}</a:tableStyleId>
+              </a:tblPr>
+              <a:tblGrid>
+                <a:gridCol w="4260300">
+                  <a:extLst>
+                    <a:ext uri="{9D8B030D-6E8A-4147-A177-3AD203B41FA5}">
+                      <a16:colId xmlns:a16="http://schemas.microsoft.com/office/drawing/2014/main" val="20000"/>
+                    </a:ext>
+                  </a:extLst>
+                </a:gridCol>
+                <a:gridCol w="4260300">
+                  <a:extLst>
+                    <a:ext uri="{9D8B030D-6E8A-4147-A177-3AD203B41FA5}">
+                      <a16:colId xmlns:a16="http://schemas.microsoft.com/office/drawing/2014/main" val="20001"/>
+                    </a:ext>
+                  </a:extLst>
+                </a:gridCol>
+              </a:tblGrid>
+              <a:tr h="381000">
+                <a:tc>
+                  <a:txBody>
+                    <a:bodyPr/>
+                    <a:lstStyle/>
+                    <a:p>
+                      <a:pPr marL="0" lvl="0" indent="0" algn="l" rtl="0">
+                        <a:spcBef>
+                          <a:spcPts val="0"/>
+                        </a:spcBef>
+                        <a:spcAft>
+                          <a:spcPts val="0"/>
+                        </a:spcAft>
+                        <a:buNone/>
+                      </a:pPr>
+                      <a:r>
+                        <a:rPr lang="en" sz="1800" b="1"/>
+                        <a:t>Test Case</a:t>
+                      </a:r>
+                      <a:endParaRPr sz="1800" b="1"/>
+                    </a:p>
+                  </a:txBody>
+                  <a:tcPr marL="91425" marR="91425" marT="91425" marB="91425">
+                    <a:solidFill>
+                      <a:srgbClr val="CCCCCC"/>
+                    </a:solidFill>
+                  </a:tcPr>
+                </a:tc>
+                <a:tc>
+                  <a:txBody>
+                    <a:bodyPr/>
+                    <a:lstStyle/>
+                    <a:p>
+                      <a:pPr marL="0" lvl="0" indent="0" algn="l" rtl="0">
+                        <a:spcBef>
+                          <a:spcPts val="0"/>
+                        </a:spcBef>
+                        <a:spcAft>
+                          <a:spcPts val="0"/>
+                        </a:spcAft>
+                        <a:buNone/>
+                      </a:pPr>
+                      <a:r>
+                        <a:rPr lang="en" sz="1800" b="1"/>
+                        <a:t>Expected Values</a:t>
+                      </a:r>
+                      <a:endParaRPr sz="1800" b="1"/>
+                    </a:p>
+                  </a:txBody>
+                  <a:tcPr marL="91425" marR="91425" marT="91425" marB="91425">
+                    <a:solidFill>
+                      <a:srgbClr val="CCCCCC"/>
+                    </a:solidFill>
+                  </a:tcPr>
+                </a:tc>
+                <a:extLst>
+                  <a:ext uri="{0D108BD9-81ED-4DB2-BD59-A6C34878D82A}">
+                    <a16:rowId xmlns:a16="http://schemas.microsoft.com/office/drawing/2014/main" val="10000"/>
+                  </a:ext>
+                </a:extLst>
+              </a:tr>
+              <a:tr h="396200">
+                <a:tc>
+                  <a:txBody>
+                    <a:bodyPr/>
+                    <a:lstStyle/>
+                    <a:p>
+                      <a:pPr marL="0" lvl="0" indent="0" algn="l" rtl="0">
+                        <a:spcBef>
+                          <a:spcPts val="0"/>
+                        </a:spcBef>
+                        <a:spcAft>
+                          <a:spcPts val="0"/>
+                        </a:spcAft>
+                        <a:buNone/>
+                      </a:pPr>
+                      <a:r>
+                        <a:rPr lang="en-NZ" sz="1800" dirty="0"/>
+                        <a:t>Input name</a:t>
+                      </a:r>
+                    </a:p>
+                    <a:p>
+                      <a:pPr marL="0" lvl="0" indent="0" algn="l" rtl="0">
+                        <a:spcBef>
+                          <a:spcPts val="0"/>
+                        </a:spcBef>
+                        <a:spcAft>
+                          <a:spcPts val="0"/>
+                        </a:spcAft>
+                        <a:buNone/>
+                      </a:pPr>
+                      <a:r>
+                        <a:rPr lang="en-NZ" sz="1800" dirty="0"/>
+                        <a:t>Input phone number</a:t>
+                      </a:r>
+                    </a:p>
+                    <a:p>
+                      <a:pPr marL="0" lvl="0" indent="0" algn="l" rtl="0">
+                        <a:spcBef>
+                          <a:spcPts val="0"/>
+                        </a:spcBef>
+                        <a:spcAft>
+                          <a:spcPts val="0"/>
+                        </a:spcAft>
+                        <a:buNone/>
+                      </a:pPr>
+                      <a:r>
+                        <a:rPr lang="en-NZ" sz="1800" dirty="0"/>
+                        <a:t>Left input blank</a:t>
+                      </a:r>
+                      <a:endParaRPr sz="1800" dirty="0"/>
+                    </a:p>
+                  </a:txBody>
+                  <a:tcPr marL="91425" marR="91425" marT="91425" marB="91425"/>
+                </a:tc>
+                <a:tc>
+                  <a:txBody>
+                    <a:bodyPr/>
+                    <a:lstStyle/>
+                    <a:p>
+                      <a:pPr marL="0" lvl="0" indent="0" algn="l" rtl="0">
+                        <a:spcBef>
+                          <a:spcPts val="0"/>
+                        </a:spcBef>
+                        <a:spcAft>
+                          <a:spcPts val="0"/>
+                        </a:spcAft>
+                        <a:buNone/>
+                      </a:pPr>
+                      <a:r>
+                        <a:rPr lang="en-NZ" sz="1800" dirty="0"/>
+                        <a:t>Printed name correctly</a:t>
+                      </a:r>
+                    </a:p>
+                    <a:p>
+                      <a:pPr marL="0" lvl="0" indent="0" algn="l" rtl="0">
+                        <a:spcBef>
+                          <a:spcPts val="0"/>
+                        </a:spcBef>
+                        <a:spcAft>
+                          <a:spcPts val="0"/>
+                        </a:spcAft>
+                        <a:buNone/>
+                      </a:pPr>
+                      <a:r>
+                        <a:rPr lang="en-NZ" sz="1800" dirty="0"/>
+                        <a:t>Printed phone number</a:t>
+                      </a:r>
+                    </a:p>
+                    <a:p>
+                      <a:pPr marL="0" lvl="0" indent="0" algn="l" rtl="0">
+                        <a:spcBef>
+                          <a:spcPts val="0"/>
+                        </a:spcBef>
+                        <a:spcAft>
+                          <a:spcPts val="0"/>
+                        </a:spcAft>
+                        <a:buNone/>
+                      </a:pPr>
+                      <a:r>
+                        <a:rPr lang="en-NZ" sz="1800" dirty="0"/>
+                        <a:t>Prints “Sorry this cannot be blank – goes back to input.</a:t>
+                      </a:r>
+                    </a:p>
+                  </a:txBody>
+                  <a:tcPr marL="91425" marR="91425" marT="91425" marB="91425"/>
+                </a:tc>
+                <a:extLst>
+                  <a:ext uri="{0D108BD9-81ED-4DB2-BD59-A6C34878D82A}">
+                    <a16:rowId xmlns:a16="http://schemas.microsoft.com/office/drawing/2014/main" val="10001"/>
+                  </a:ext>
+                </a:extLst>
+              </a:tr>
+            </a:tbl>
+          </a:graphicData>
+        </a:graphic>
+      </p:graphicFrame>
+      <p:pic>
+        <p:nvPicPr>
+          <p:cNvPr id="3" name="Picture 2">
+            <a:extLst>
+              <a:ext uri="{FF2B5EF4-FFF2-40B4-BE49-F238E27FC236}">
+                <a16:creationId xmlns:a16="http://schemas.microsoft.com/office/drawing/2014/main" id="{635A5D61-DD1C-4737-A124-1A9B8E49545D}"/>
+              </a:ext>
+            </a:extLst>
+          </p:cNvPr>
+          <p:cNvPicPr>
+            <a:picLocks noChangeAspect="1"/>
+          </p:cNvPicPr>
+          <p:nvPr/>
+        </p:nvPicPr>
+        <p:blipFill>
+          <a:blip r:embed="rId3"/>
+          <a:stretch>
+            <a:fillRect/>
+          </a:stretch>
+        </p:blipFill>
+        <p:spPr>
+          <a:xfrm>
+            <a:off x="135924" y="3064704"/>
+            <a:ext cx="5915025" cy="1209675"/>
+          </a:xfrm>
+          <a:prstGeom prst="rect">
+            <a:avLst/>
+          </a:prstGeom>
+        </p:spPr>
+      </p:pic>
+      <p:pic>
+        <p:nvPicPr>
+          <p:cNvPr id="6" name="Picture 5">
+            <a:extLst>
+              <a:ext uri="{FF2B5EF4-FFF2-40B4-BE49-F238E27FC236}">
+                <a16:creationId xmlns:a16="http://schemas.microsoft.com/office/drawing/2014/main" id="{652C1AF3-4BB1-4DF8-BE23-B9EFDDC6EA0E}"/>
+              </a:ext>
+            </a:extLst>
+          </p:cNvPr>
+          <p:cNvPicPr>
+            <a:picLocks noChangeAspect="1"/>
+          </p:cNvPicPr>
+          <p:nvPr/>
+        </p:nvPicPr>
+        <p:blipFill>
+          <a:blip r:embed="rId4"/>
+          <a:stretch>
+            <a:fillRect/>
+          </a:stretch>
+        </p:blipFill>
+        <p:spPr>
+          <a:xfrm>
+            <a:off x="4079048" y="3336324"/>
+            <a:ext cx="4929028" cy="1588624"/>
+          </a:xfrm>
+          <a:prstGeom prst="rect">
+            <a:avLst/>
+          </a:prstGeom>
+        </p:spPr>
+      </p:pic>
+    </p:spTree>
+    <p:extLst>
+      <p:ext uri="{BB962C8B-B14F-4D97-AF65-F5344CB8AC3E}">
+        <p14:creationId xmlns:p14="http://schemas.microsoft.com/office/powerpoint/2010/main" val="3280080873"/>
+      </p:ext>
+    </p:extLst>
+  </p:cSld>
+  <p:clrMapOvr>
+    <a:masterClrMapping/>
+  </p:clrMapOvr>
+</p:sld>
+</file>
+
+<file path=ppt/slides/slide18.xml><?xml version="1.0" encoding="utf-8"?>
+<p:sld xmlns:a="http://schemas.openxmlformats.org/drawingml/2006/main" xmlns:r="http://schemas.openxmlformats.org/officeDocument/2006/relationships" xmlns:p="http://schemas.openxmlformats.org/presentationml/2006/main">
+  <p:cSld>
+    <p:bg>
+      <p:bgPr>
+        <a:solidFill>
+          <a:srgbClr val="D9EAD3"/>
+        </a:solidFill>
+        <a:effectLst/>
+      </p:bgPr>
+    </p:bg>
+    <p:spTree>
+      <p:nvGrpSpPr>
         <p:cNvPr id="1" name="Shape 83"/>
         <p:cNvGrpSpPr/>
         <p:nvPr/>
@@ -9481,7 +10159,7 @@
 </p:sld>
 </file>
 
-<file path=ppt/slides/slide17.xml><?xml version="1.0" encoding="utf-8"?>
+<file path=ppt/slides/slide19.xml><?xml version="1.0" encoding="utf-8"?>
 <p:sld xmlns:a="http://schemas.openxmlformats.org/drawingml/2006/main" xmlns:r="http://schemas.openxmlformats.org/officeDocument/2006/relationships" xmlns:p="http://schemas.openxmlformats.org/presentationml/2006/main">
   <p:cSld>
     <p:bg>

--- a/022_91893+_+91897+Documentation.pptx
+++ b/022_91893+_+91897+Documentation.pptx
@@ -5,7 +5,7 @@
     <p:sldMasterId id="2147483659" r:id="rId1"/>
   </p:sldMasterIdLst>
   <p:notesMasterIdLst>
-    <p:notesMasterId r:id="rId21"/>
+    <p:notesMasterId r:id="rId23"/>
   </p:notesMasterIdLst>
   <p:sldIdLst>
     <p:sldId id="256" r:id="rId2"/>
@@ -25,8 +25,10 @@
     <p:sldId id="272" r:id="rId16"/>
     <p:sldId id="273" r:id="rId17"/>
     <p:sldId id="274" r:id="rId18"/>
-    <p:sldId id="261" r:id="rId19"/>
-    <p:sldId id="262" r:id="rId20"/>
+    <p:sldId id="275" r:id="rId19"/>
+    <p:sldId id="276" r:id="rId20"/>
+    <p:sldId id="261" r:id="rId21"/>
+    <p:sldId id="262" r:id="rId22"/>
   </p:sldIdLst>
   <p:sldSz cx="9144000" cy="5143500" type="screen16x9"/>
   <p:notesSz cx="6858000" cy="9144000"/>
@@ -1708,7 +1710,7 @@
   <p:cSld>
     <p:spTree>
       <p:nvGrpSpPr>
-        <p:cNvPr id="1" name="Shape 80"/>
+        <p:cNvPr id="1" name="Shape 69"/>
         <p:cNvGrpSpPr/>
         <p:nvPr/>
       </p:nvGrpSpPr>
@@ -1722,7 +1724,7 @@
       </p:grpSpPr>
       <p:sp>
         <p:nvSpPr>
-          <p:cNvPr id="81" name="Google Shape;81;gac10fef634_0_25:notes"/>
+          <p:cNvPr id="70" name="Google Shape;70;gac10fef634_0_16:notes"/>
           <p:cNvSpPr>
             <a:spLocks noGrp="1" noRot="1" noChangeAspect="1"/>
           </p:cNvSpPr>
@@ -1763,7 +1765,7 @@
       </p:sp>
       <p:sp>
         <p:nvSpPr>
-          <p:cNvPr id="82" name="Google Shape;82;gac10fef634_0_25:notes"/>
+          <p:cNvPr id="71" name="Google Shape;71;gac10fef634_0_16:notes"/>
           <p:cNvSpPr txBox="1">
             <a:spLocks noGrp="1"/>
           </p:cNvSpPr>
@@ -1793,27 +1795,6 @@
               <a:spcAft>
                 <a:spcPts val="0"/>
               </a:spcAft>
-              <a:buClr>
-                <a:schemeClr val="dk1"/>
-              </a:buClr>
-              <a:buSzPts val="1100"/>
-              <a:buFont typeface="Arial"/>
-              <a:buNone/>
-            </a:pPr>
-            <a:r>
-              <a:rPr lang="en"/>
-              <a:t>Your version control evidence should go here.  This could be in the form of annotated screenshots which show you you managed this process or you could make a brief screencast explaining how you implemented version control.</a:t>
-            </a:r>
-            <a:endParaRPr/>
-          </a:p>
-          <a:p>
-            <a:pPr marL="0" lvl="0" indent="0" algn="l" rtl="0">
-              <a:spcBef>
-                <a:spcPts val="0"/>
-              </a:spcBef>
-              <a:spcAft>
-                <a:spcPts val="0"/>
-              </a:spcAft>
               <a:buNone/>
             </a:pPr>
             <a:endParaRPr/>
@@ -1821,6 +1802,11 @@
         </p:txBody>
       </p:sp>
     </p:spTree>
+    <p:extLst>
+      <p:ext uri="{BB962C8B-B14F-4D97-AF65-F5344CB8AC3E}">
+        <p14:creationId xmlns:p14="http://schemas.microsoft.com/office/powerpoint/2010/main" val="685698271"/>
+      </p:ext>
+    </p:extLst>
   </p:cSld>
   <p:clrMapOvr>
     <a:masterClrMapping/>
@@ -1833,7 +1819,7 @@
   <p:cSld>
     <p:spTree>
       <p:nvGrpSpPr>
-        <p:cNvPr id="1" name="Shape 86"/>
+        <p:cNvPr id="1" name="Shape 74"/>
         <p:cNvGrpSpPr/>
         <p:nvPr/>
       </p:nvGrpSpPr>
@@ -1847,7 +1833,7 @@
       </p:grpSpPr>
       <p:sp>
         <p:nvSpPr>
-          <p:cNvPr id="87" name="Google Shape;87;gac10fef634_0_30:notes"/>
+          <p:cNvPr id="75" name="Google Shape;75;gac10fef634_0_20:notes"/>
           <p:cNvSpPr>
             <a:spLocks noGrp="1" noRot="1" noChangeAspect="1"/>
           </p:cNvSpPr>
@@ -1888,7 +1874,7 @@
       </p:sp>
       <p:sp>
         <p:nvSpPr>
-          <p:cNvPr id="88" name="Google Shape;88;gac10fef634_0_30:notes"/>
+          <p:cNvPr id="76" name="Google Shape;76;gac10fef634_0_20:notes"/>
           <p:cNvSpPr txBox="1">
             <a:spLocks noGrp="1"/>
           </p:cNvSpPr>
@@ -1920,15 +1906,16 @@
               </a:spcAft>
               <a:buNone/>
             </a:pPr>
-            <a:r>
-              <a:rPr lang="en"/>
-              <a:t>Discusses how the information from planning, testing and trialling of components assisted in the development of a high-quality outcome</a:t>
-            </a:r>
             <a:endParaRPr/>
           </a:p>
         </p:txBody>
       </p:sp>
     </p:spTree>
+    <p:extLst>
+      <p:ext uri="{BB962C8B-B14F-4D97-AF65-F5344CB8AC3E}">
+        <p14:creationId xmlns:p14="http://schemas.microsoft.com/office/powerpoint/2010/main" val="2390467047"/>
+      </p:ext>
+    </p:extLst>
   </p:cSld>
   <p:clrMapOvr>
     <a:masterClrMapping/>
@@ -2031,6 +2018,239 @@
             <a:r>
               <a:rPr lang="en"/>
               <a:t>Explain the relevant implications here.  Then as you work, develop your code, discuss how the implications are being met.</a:t>
+            </a:r>
+            <a:endParaRPr/>
+          </a:p>
+        </p:txBody>
+      </p:sp>
+    </p:spTree>
+  </p:cSld>
+  <p:clrMapOvr>
+    <a:masterClrMapping/>
+  </p:clrMapOvr>
+</p:notes>
+</file>
+
+<file path=ppt/notesSlides/notesSlide20.xml><?xml version="1.0" encoding="utf-8"?>
+<p:notes xmlns:a="http://schemas.openxmlformats.org/drawingml/2006/main" xmlns:r="http://schemas.openxmlformats.org/officeDocument/2006/relationships" xmlns:p="http://schemas.openxmlformats.org/presentationml/2006/main" showMasterSp="0" showMasterPhAnim="0">
+  <p:cSld>
+    <p:spTree>
+      <p:nvGrpSpPr>
+        <p:cNvPr id="1" name="Shape 80"/>
+        <p:cNvGrpSpPr/>
+        <p:nvPr/>
+      </p:nvGrpSpPr>
+      <p:grpSpPr>
+        <a:xfrm>
+          <a:off x="0" y="0"/>
+          <a:ext cx="0" cy="0"/>
+          <a:chOff x="0" y="0"/>
+          <a:chExt cx="0" cy="0"/>
+        </a:xfrm>
+      </p:grpSpPr>
+      <p:sp>
+        <p:nvSpPr>
+          <p:cNvPr id="81" name="Google Shape;81;gac10fef634_0_25:notes"/>
+          <p:cNvSpPr>
+            <a:spLocks noGrp="1" noRot="1" noChangeAspect="1"/>
+          </p:cNvSpPr>
+          <p:nvPr>
+            <p:ph type="sldImg" idx="2"/>
+          </p:nvPr>
+        </p:nvSpPr>
+        <p:spPr>
+          <a:xfrm>
+            <a:off x="381000" y="685800"/>
+            <a:ext cx="6096000" cy="3429000"/>
+          </a:xfrm>
+          <a:custGeom>
+            <a:avLst/>
+            <a:gdLst/>
+            <a:ahLst/>
+            <a:cxnLst/>
+            <a:rect l="l" t="t" r="r" b="b"/>
+            <a:pathLst>
+              <a:path w="120000" h="120000" extrusionOk="0">
+                <a:moveTo>
+                  <a:pt x="0" y="0"/>
+                </a:moveTo>
+                <a:lnTo>
+                  <a:pt x="120000" y="0"/>
+                </a:lnTo>
+                <a:lnTo>
+                  <a:pt x="120000" y="120000"/>
+                </a:lnTo>
+                <a:lnTo>
+                  <a:pt x="0" y="120000"/>
+                </a:lnTo>
+                <a:close/>
+              </a:path>
+            </a:pathLst>
+          </a:custGeom>
+        </p:spPr>
+      </p:sp>
+      <p:sp>
+        <p:nvSpPr>
+          <p:cNvPr id="82" name="Google Shape;82;gac10fef634_0_25:notes"/>
+          <p:cNvSpPr txBox="1">
+            <a:spLocks noGrp="1"/>
+          </p:cNvSpPr>
+          <p:nvPr>
+            <p:ph type="body" idx="1"/>
+          </p:nvPr>
+        </p:nvSpPr>
+        <p:spPr>
+          <a:xfrm>
+            <a:off x="685800" y="4343400"/>
+            <a:ext cx="5486400" cy="4114800"/>
+          </a:xfrm>
+          <a:prstGeom prst="rect">
+            <a:avLst/>
+          </a:prstGeom>
+        </p:spPr>
+        <p:txBody>
+          <a:bodyPr spcFirstLastPara="1" wrap="square" lIns="91425" tIns="91425" rIns="91425" bIns="91425" anchor="t" anchorCtr="0">
+            <a:noAutofit/>
+          </a:bodyPr>
+          <a:lstStyle/>
+          <a:p>
+            <a:pPr marL="0" lvl="0" indent="0" algn="l" rtl="0">
+              <a:spcBef>
+                <a:spcPts val="0"/>
+              </a:spcBef>
+              <a:spcAft>
+                <a:spcPts val="0"/>
+              </a:spcAft>
+              <a:buClr>
+                <a:schemeClr val="dk1"/>
+              </a:buClr>
+              <a:buSzPts val="1100"/>
+              <a:buFont typeface="Arial"/>
+              <a:buNone/>
+            </a:pPr>
+            <a:r>
+              <a:rPr lang="en"/>
+              <a:t>Your version control evidence should go here.  This could be in the form of annotated screenshots which show you you managed this process or you could make a brief screencast explaining how you implemented version control.</a:t>
+            </a:r>
+            <a:endParaRPr/>
+          </a:p>
+          <a:p>
+            <a:pPr marL="0" lvl="0" indent="0" algn="l" rtl="0">
+              <a:spcBef>
+                <a:spcPts val="0"/>
+              </a:spcBef>
+              <a:spcAft>
+                <a:spcPts val="0"/>
+              </a:spcAft>
+              <a:buNone/>
+            </a:pPr>
+            <a:endParaRPr/>
+          </a:p>
+        </p:txBody>
+      </p:sp>
+    </p:spTree>
+  </p:cSld>
+  <p:clrMapOvr>
+    <a:masterClrMapping/>
+  </p:clrMapOvr>
+</p:notes>
+</file>
+
+<file path=ppt/notesSlides/notesSlide21.xml><?xml version="1.0" encoding="utf-8"?>
+<p:notes xmlns:a="http://schemas.openxmlformats.org/drawingml/2006/main" xmlns:r="http://schemas.openxmlformats.org/officeDocument/2006/relationships" xmlns:p="http://schemas.openxmlformats.org/presentationml/2006/main" showMasterSp="0" showMasterPhAnim="0">
+  <p:cSld>
+    <p:spTree>
+      <p:nvGrpSpPr>
+        <p:cNvPr id="1" name="Shape 86"/>
+        <p:cNvGrpSpPr/>
+        <p:nvPr/>
+      </p:nvGrpSpPr>
+      <p:grpSpPr>
+        <a:xfrm>
+          <a:off x="0" y="0"/>
+          <a:ext cx="0" cy="0"/>
+          <a:chOff x="0" y="0"/>
+          <a:chExt cx="0" cy="0"/>
+        </a:xfrm>
+      </p:grpSpPr>
+      <p:sp>
+        <p:nvSpPr>
+          <p:cNvPr id="87" name="Google Shape;87;gac10fef634_0_30:notes"/>
+          <p:cNvSpPr>
+            <a:spLocks noGrp="1" noRot="1" noChangeAspect="1"/>
+          </p:cNvSpPr>
+          <p:nvPr>
+            <p:ph type="sldImg" idx="2"/>
+          </p:nvPr>
+        </p:nvSpPr>
+        <p:spPr>
+          <a:xfrm>
+            <a:off x="381000" y="685800"/>
+            <a:ext cx="6096000" cy="3429000"/>
+          </a:xfrm>
+          <a:custGeom>
+            <a:avLst/>
+            <a:gdLst/>
+            <a:ahLst/>
+            <a:cxnLst/>
+            <a:rect l="l" t="t" r="r" b="b"/>
+            <a:pathLst>
+              <a:path w="120000" h="120000" extrusionOk="0">
+                <a:moveTo>
+                  <a:pt x="0" y="0"/>
+                </a:moveTo>
+                <a:lnTo>
+                  <a:pt x="120000" y="0"/>
+                </a:lnTo>
+                <a:lnTo>
+                  <a:pt x="120000" y="120000"/>
+                </a:lnTo>
+                <a:lnTo>
+                  <a:pt x="0" y="120000"/>
+                </a:lnTo>
+                <a:close/>
+              </a:path>
+            </a:pathLst>
+          </a:custGeom>
+        </p:spPr>
+      </p:sp>
+      <p:sp>
+        <p:nvSpPr>
+          <p:cNvPr id="88" name="Google Shape;88;gac10fef634_0_30:notes"/>
+          <p:cNvSpPr txBox="1">
+            <a:spLocks noGrp="1"/>
+          </p:cNvSpPr>
+          <p:nvPr>
+            <p:ph type="body" idx="1"/>
+          </p:nvPr>
+        </p:nvSpPr>
+        <p:spPr>
+          <a:xfrm>
+            <a:off x="685800" y="4343400"/>
+            <a:ext cx="5486400" cy="4114800"/>
+          </a:xfrm>
+          <a:prstGeom prst="rect">
+            <a:avLst/>
+          </a:prstGeom>
+        </p:spPr>
+        <p:txBody>
+          <a:bodyPr spcFirstLastPara="1" wrap="square" lIns="91425" tIns="91425" rIns="91425" bIns="91425" anchor="t" anchorCtr="0">
+            <a:noAutofit/>
+          </a:bodyPr>
+          <a:lstStyle/>
+          <a:p>
+            <a:pPr marL="0" lvl="0" indent="0" algn="l" rtl="0">
+              <a:spcBef>
+                <a:spcPts val="0"/>
+              </a:spcBef>
+              <a:spcAft>
+                <a:spcPts val="0"/>
+              </a:spcAft>
+              <a:buNone/>
+            </a:pPr>
+            <a:r>
+              <a:rPr lang="en"/>
+              <a:t>Discusses how the information from planning, testing and trialling of components assisted in the development of a high-quality outcome</a:t>
             </a:r>
             <a:endParaRPr/>
           </a:p>
@@ -9747,7 +9967,7 @@
             </a:pPr>
             <a:r>
               <a:rPr lang="en" dirty="0"/>
-              <a:t>Component 3 v1 - Test Plan (and screenshot)</a:t>
+              <a:t>Component 3 v2 - Test Plan (and screenshot)</a:t>
             </a:r>
             <a:endParaRPr dirty="0"/>
           </a:p>
@@ -10055,7 +10275,7 @@
     </p:bg>
     <p:spTree>
       <p:nvGrpSpPr>
-        <p:cNvPr id="1" name="Shape 83"/>
+        <p:cNvPr id="1" name="Shape 72"/>
         <p:cNvGrpSpPr/>
         <p:nvPr/>
       </p:nvGrpSpPr>
@@ -10069,7 +10289,7 @@
       </p:grpSpPr>
       <p:sp>
         <p:nvSpPr>
-          <p:cNvPr id="84" name="Google Shape;84;p18"/>
+          <p:cNvPr id="73" name="Google Shape;73;p16"/>
           <p:cNvSpPr txBox="1">
             <a:spLocks noGrp="1"/>
           </p:cNvSpPr>
@@ -10102,56 +10322,49 @@
               <a:buNone/>
             </a:pPr>
             <a:r>
-              <a:rPr lang="en"/>
-              <a:t>Version Control Evidence</a:t>
+              <a:rPr lang="en" dirty="0"/>
+              <a:t>Component 3 v3 (Trello screenshot)</a:t>
             </a:r>
-            <a:endParaRPr/>
+            <a:endParaRPr dirty="0"/>
           </a:p>
         </p:txBody>
       </p:sp>
-      <p:sp>
-        <p:nvSpPr>
-          <p:cNvPr id="85" name="Google Shape;85;p18"/>
-          <p:cNvSpPr txBox="1">
-            <a:spLocks noGrp="1"/>
-          </p:cNvSpPr>
-          <p:nvPr>
-            <p:ph type="body" idx="1"/>
-          </p:nvPr>
-        </p:nvSpPr>
-        <p:spPr>
-          <a:xfrm>
-            <a:off x="311700" y="1152475"/>
-            <a:ext cx="8464200" cy="3739200"/>
+      <p:pic>
+        <p:nvPicPr>
+          <p:cNvPr id="3" name="Picture 2">
+            <a:extLst>
+              <a:ext uri="{FF2B5EF4-FFF2-40B4-BE49-F238E27FC236}">
+                <a16:creationId xmlns:a16="http://schemas.microsoft.com/office/drawing/2014/main" id="{9534C8DD-F29C-43C7-AD27-3A9379359E2A}"/>
+              </a:ext>
+            </a:extLst>
+          </p:cNvPr>
+          <p:cNvPicPr>
+            <a:picLocks noChangeAspect="1"/>
+          </p:cNvPicPr>
+          <p:nvPr/>
+        </p:nvPicPr>
+        <p:blipFill>
+          <a:blip r:embed="rId3"/>
+          <a:stretch>
+            <a:fillRect/>
+          </a:stretch>
+        </p:blipFill>
+        <p:spPr>
+          <a:xfrm>
+            <a:off x="511277" y="1132864"/>
+            <a:ext cx="7934632" cy="3789675"/>
           </a:xfrm>
           <a:prstGeom prst="rect">
             <a:avLst/>
           </a:prstGeom>
         </p:spPr>
-        <p:txBody>
-          <a:bodyPr spcFirstLastPara="1" wrap="square" lIns="91425" tIns="91425" rIns="91425" bIns="91425" anchor="t" anchorCtr="0">
-            <a:noAutofit/>
-          </a:bodyPr>
-          <a:lstStyle/>
-          <a:p>
-            <a:pPr marL="0" lvl="0" indent="0" algn="l" rtl="0">
-              <a:spcBef>
-                <a:spcPts val="0"/>
-              </a:spcBef>
-              <a:spcAft>
-                <a:spcPts val="1600"/>
-              </a:spcAft>
-              <a:buNone/>
-            </a:pPr>
-            <a:r>
-              <a:rPr lang="en" i="1"/>
-              <a:t>Your version control evidence should go here.  This could be in the form of annotated screenshots which show you you managed this process or you could make a brief screencast explaining how you implemented version control.</a:t>
-            </a:r>
-            <a:endParaRPr i="1"/>
-          </a:p>
-        </p:txBody>
-      </p:sp>
+      </p:pic>
     </p:spTree>
+    <p:extLst>
+      <p:ext uri="{BB962C8B-B14F-4D97-AF65-F5344CB8AC3E}">
+        <p14:creationId xmlns:p14="http://schemas.microsoft.com/office/powerpoint/2010/main" val="2140475715"/>
+      </p:ext>
+    </p:extLst>
   </p:cSld>
   <p:clrMapOvr>
     <a:masterClrMapping/>
@@ -10162,17 +10375,9 @@
 <file path=ppt/slides/slide19.xml><?xml version="1.0" encoding="utf-8"?>
 <p:sld xmlns:a="http://schemas.openxmlformats.org/drawingml/2006/main" xmlns:r="http://schemas.openxmlformats.org/officeDocument/2006/relationships" xmlns:p="http://schemas.openxmlformats.org/presentationml/2006/main">
   <p:cSld>
-    <p:bg>
-      <p:bgPr>
-        <a:solidFill>
-          <a:srgbClr val="FFE599"/>
-        </a:solidFill>
-        <a:effectLst/>
-      </p:bgPr>
-    </p:bg>
     <p:spTree>
       <p:nvGrpSpPr>
-        <p:cNvPr id="1" name="Shape 89"/>
+        <p:cNvPr id="1" name="Shape 77"/>
         <p:cNvGrpSpPr/>
         <p:nvPr/>
       </p:nvGrpSpPr>
@@ -10186,18 +10391,18 @@
       </p:grpSpPr>
       <p:sp>
         <p:nvSpPr>
-          <p:cNvPr id="90" name="Google Shape;90;p19"/>
+          <p:cNvPr id="78" name="Google Shape;78;p17"/>
           <p:cNvSpPr txBox="1">
             <a:spLocks noGrp="1"/>
           </p:cNvSpPr>
           <p:nvPr>
-            <p:ph type="body" idx="1"/>
+            <p:ph type="title"/>
           </p:nvPr>
         </p:nvSpPr>
         <p:spPr>
           <a:xfrm>
-            <a:off x="311700" y="397700"/>
-            <a:ext cx="8520600" cy="4171200"/>
+            <a:off x="311700" y="445025"/>
+            <a:ext cx="8520600" cy="572700"/>
           </a:xfrm>
           <a:prstGeom prst="rect">
             <a:avLst/>
@@ -10214,23 +10419,294 @@
                 <a:spcPts val="0"/>
               </a:spcBef>
               <a:spcAft>
-                <a:spcPts val="1600"/>
+                <a:spcPts val="0"/>
               </a:spcAft>
               <a:buNone/>
             </a:pPr>
             <a:r>
-              <a:rPr lang="en" b="1" i="1">
-                <a:solidFill>
-                  <a:srgbClr val="595959"/>
-                </a:solidFill>
-              </a:rPr>
-              <a:t>Discusses how the information from planning, testing and trialling of components assisted in the development of a high-quality outcome</a:t>
+              <a:rPr lang="en" dirty="0"/>
+              <a:t>Component 3 v3 - Test Plan (and screenshot)</a:t>
             </a:r>
-            <a:endParaRPr/>
+            <a:endParaRPr dirty="0"/>
           </a:p>
         </p:txBody>
       </p:sp>
+      <p:graphicFrame>
+        <p:nvGraphicFramePr>
+          <p:cNvPr id="79" name="Google Shape;79;p17"/>
+          <p:cNvGraphicFramePr/>
+          <p:nvPr/>
+        </p:nvGraphicFramePr>
+        <p:xfrm>
+          <a:off x="382475" y="1267725"/>
+          <a:ext cx="8520600" cy="1737300"/>
+        </p:xfrm>
+        <a:graphic>
+          <a:graphicData uri="http://schemas.openxmlformats.org/drawingml/2006/table">
+            <a:tbl>
+              <a:tblPr>
+                <a:noFill/>
+                <a:tableStyleId>{E1099E06-0E6B-448D-9D27-60429F06E6F4}</a:tableStyleId>
+              </a:tblPr>
+              <a:tblGrid>
+                <a:gridCol w="4260300">
+                  <a:extLst>
+                    <a:ext uri="{9D8B030D-6E8A-4147-A177-3AD203B41FA5}">
+                      <a16:colId xmlns:a16="http://schemas.microsoft.com/office/drawing/2014/main" val="20000"/>
+                    </a:ext>
+                  </a:extLst>
+                </a:gridCol>
+                <a:gridCol w="4260300">
+                  <a:extLst>
+                    <a:ext uri="{9D8B030D-6E8A-4147-A177-3AD203B41FA5}">
+                      <a16:colId xmlns:a16="http://schemas.microsoft.com/office/drawing/2014/main" val="20001"/>
+                    </a:ext>
+                  </a:extLst>
+                </a:gridCol>
+              </a:tblGrid>
+              <a:tr h="381000">
+                <a:tc>
+                  <a:txBody>
+                    <a:bodyPr/>
+                    <a:lstStyle/>
+                    <a:p>
+                      <a:pPr marL="0" lvl="0" indent="0" algn="l" rtl="0">
+                        <a:spcBef>
+                          <a:spcPts val="0"/>
+                        </a:spcBef>
+                        <a:spcAft>
+                          <a:spcPts val="0"/>
+                        </a:spcAft>
+                        <a:buNone/>
+                      </a:pPr>
+                      <a:r>
+                        <a:rPr lang="en" sz="1800" b="1"/>
+                        <a:t>Test Case</a:t>
+                      </a:r>
+                      <a:endParaRPr sz="1800" b="1"/>
+                    </a:p>
+                  </a:txBody>
+                  <a:tcPr marL="91425" marR="91425" marT="91425" marB="91425">
+                    <a:solidFill>
+                      <a:srgbClr val="CCCCCC"/>
+                    </a:solidFill>
+                  </a:tcPr>
+                </a:tc>
+                <a:tc>
+                  <a:txBody>
+                    <a:bodyPr/>
+                    <a:lstStyle/>
+                    <a:p>
+                      <a:pPr marL="0" lvl="0" indent="0" algn="l" rtl="0">
+                        <a:spcBef>
+                          <a:spcPts val="0"/>
+                        </a:spcBef>
+                        <a:spcAft>
+                          <a:spcPts val="0"/>
+                        </a:spcAft>
+                        <a:buNone/>
+                      </a:pPr>
+                      <a:r>
+                        <a:rPr lang="en" sz="1800" b="1"/>
+                        <a:t>Expected Values</a:t>
+                      </a:r>
+                      <a:endParaRPr sz="1800" b="1"/>
+                    </a:p>
+                  </a:txBody>
+                  <a:tcPr marL="91425" marR="91425" marT="91425" marB="91425">
+                    <a:solidFill>
+                      <a:srgbClr val="CCCCCC"/>
+                    </a:solidFill>
+                  </a:tcPr>
+                </a:tc>
+                <a:extLst>
+                  <a:ext uri="{0D108BD9-81ED-4DB2-BD59-A6C34878D82A}">
+                    <a16:rowId xmlns:a16="http://schemas.microsoft.com/office/drawing/2014/main" val="10000"/>
+                  </a:ext>
+                </a:extLst>
+              </a:tr>
+              <a:tr h="396200">
+                <a:tc>
+                  <a:txBody>
+                    <a:bodyPr/>
+                    <a:lstStyle/>
+                    <a:p>
+                      <a:pPr marL="0" lvl="0" indent="0" algn="l" rtl="0">
+                        <a:spcBef>
+                          <a:spcPts val="0"/>
+                        </a:spcBef>
+                        <a:spcAft>
+                          <a:spcPts val="0"/>
+                        </a:spcAft>
+                        <a:buNone/>
+                      </a:pPr>
+                      <a:r>
+                        <a:rPr lang="en-NZ" sz="1800" dirty="0"/>
+                        <a:t>Input name</a:t>
+                      </a:r>
+                    </a:p>
+                    <a:p>
+                      <a:pPr marL="0" lvl="0" indent="0" algn="l" rtl="0">
+                        <a:spcBef>
+                          <a:spcPts val="0"/>
+                        </a:spcBef>
+                        <a:spcAft>
+                          <a:spcPts val="0"/>
+                        </a:spcAft>
+                        <a:buNone/>
+                      </a:pPr>
+                      <a:r>
+                        <a:rPr lang="en-NZ" sz="1800" dirty="0"/>
+                        <a:t>Input phone number</a:t>
+                      </a:r>
+                    </a:p>
+                    <a:p>
+                      <a:pPr marL="0" lvl="0" indent="0" algn="l" rtl="0">
+                        <a:spcBef>
+                          <a:spcPts val="0"/>
+                        </a:spcBef>
+                        <a:spcAft>
+                          <a:spcPts val="0"/>
+                        </a:spcAft>
+                        <a:buNone/>
+                      </a:pPr>
+                      <a:r>
+                        <a:rPr lang="en-NZ" sz="1800" dirty="0"/>
+                        <a:t>Left input blank</a:t>
+                      </a:r>
+                      <a:endParaRPr sz="1800" dirty="0"/>
+                    </a:p>
+                  </a:txBody>
+                  <a:tcPr marL="91425" marR="91425" marT="91425" marB="91425"/>
+                </a:tc>
+                <a:tc>
+                  <a:txBody>
+                    <a:bodyPr/>
+                    <a:lstStyle/>
+                    <a:p>
+                      <a:pPr marL="0" lvl="0" indent="0" algn="l" rtl="0">
+                        <a:spcBef>
+                          <a:spcPts val="0"/>
+                        </a:spcBef>
+                        <a:spcAft>
+                          <a:spcPts val="0"/>
+                        </a:spcAft>
+                        <a:buNone/>
+                      </a:pPr>
+                      <a:r>
+                        <a:rPr lang="en-NZ" sz="1800" dirty="0"/>
+                        <a:t>Printed name correctly</a:t>
+                      </a:r>
+                    </a:p>
+                    <a:p>
+                      <a:pPr marL="0" lvl="0" indent="0" algn="l" rtl="0">
+                        <a:spcBef>
+                          <a:spcPts val="0"/>
+                        </a:spcBef>
+                        <a:spcAft>
+                          <a:spcPts val="0"/>
+                        </a:spcAft>
+                        <a:buNone/>
+                      </a:pPr>
+                      <a:r>
+                        <a:rPr lang="en-NZ" sz="1800" dirty="0"/>
+                        <a:t>Printed phone number</a:t>
+                      </a:r>
+                    </a:p>
+                    <a:p>
+                      <a:pPr marL="0" lvl="0" indent="0" algn="l" rtl="0">
+                        <a:spcBef>
+                          <a:spcPts val="0"/>
+                        </a:spcBef>
+                        <a:spcAft>
+                          <a:spcPts val="0"/>
+                        </a:spcAft>
+                        <a:buNone/>
+                      </a:pPr>
+                      <a:r>
+                        <a:rPr lang="en-NZ" sz="1800" dirty="0"/>
+                        <a:t>Prints “Sorry this cannot be blank – goes back to input.</a:t>
+                      </a:r>
+                    </a:p>
+                  </a:txBody>
+                  <a:tcPr marL="91425" marR="91425" marT="91425" marB="91425"/>
+                </a:tc>
+                <a:extLst>
+                  <a:ext uri="{0D108BD9-81ED-4DB2-BD59-A6C34878D82A}">
+                    <a16:rowId xmlns:a16="http://schemas.microsoft.com/office/drawing/2014/main" val="10001"/>
+                  </a:ext>
+                </a:extLst>
+              </a:tr>
+            </a:tbl>
+          </a:graphicData>
+        </a:graphic>
+      </p:graphicFrame>
+      <p:pic>
+        <p:nvPicPr>
+          <p:cNvPr id="4" name="Picture 3">
+            <a:extLst>
+              <a:ext uri="{FF2B5EF4-FFF2-40B4-BE49-F238E27FC236}">
+                <a16:creationId xmlns:a16="http://schemas.microsoft.com/office/drawing/2014/main" id="{A5405238-2DA6-43AD-8E55-5A60303A9A52}"/>
+              </a:ext>
+            </a:extLst>
+          </p:cNvPr>
+          <p:cNvPicPr>
+            <a:picLocks noChangeAspect="1"/>
+          </p:cNvPicPr>
+          <p:nvPr/>
+        </p:nvPicPr>
+        <p:blipFill>
+          <a:blip r:embed="rId3"/>
+          <a:stretch>
+            <a:fillRect/>
+          </a:stretch>
+        </p:blipFill>
+        <p:spPr>
+          <a:xfrm>
+            <a:off x="382475" y="3023323"/>
+            <a:ext cx="2422966" cy="1996524"/>
+          </a:xfrm>
+          <a:prstGeom prst="rect">
+            <a:avLst/>
+          </a:prstGeom>
+        </p:spPr>
+      </p:pic>
+      <p:pic>
+        <p:nvPicPr>
+          <p:cNvPr id="7" name="Picture 6">
+            <a:extLst>
+              <a:ext uri="{FF2B5EF4-FFF2-40B4-BE49-F238E27FC236}">
+                <a16:creationId xmlns:a16="http://schemas.microsoft.com/office/drawing/2014/main" id="{BD33F534-7154-4E6E-AE25-0161C7008150}"/>
+              </a:ext>
+            </a:extLst>
+          </p:cNvPr>
+          <p:cNvPicPr>
+            <a:picLocks noChangeAspect="1"/>
+          </p:cNvPicPr>
+          <p:nvPr/>
+        </p:nvPicPr>
+        <p:blipFill>
+          <a:blip r:embed="rId4"/>
+          <a:stretch>
+            <a:fillRect/>
+          </a:stretch>
+        </p:blipFill>
+        <p:spPr>
+          <a:xfrm>
+            <a:off x="2996970" y="3143422"/>
+            <a:ext cx="5705475" cy="1876425"/>
+          </a:xfrm>
+          <a:prstGeom prst="rect">
+            <a:avLst/>
+          </a:prstGeom>
+        </p:spPr>
+      </p:pic>
     </p:spTree>
+    <p:extLst>
+      <p:ext uri="{BB962C8B-B14F-4D97-AF65-F5344CB8AC3E}">
+        <p14:creationId xmlns:p14="http://schemas.microsoft.com/office/powerpoint/2010/main" val="195624904"/>
+      </p:ext>
+    </p:extLst>
   </p:cSld>
   <p:clrMapOvr>
     <a:masterClrMapping/>
@@ -10389,6 +10865,202 @@
               <a:t> to learn how to do this.</a:t>
             </a:r>
             <a:endParaRPr dirty="0"/>
+          </a:p>
+        </p:txBody>
+      </p:sp>
+    </p:spTree>
+  </p:cSld>
+  <p:clrMapOvr>
+    <a:masterClrMapping/>
+  </p:clrMapOvr>
+</p:sld>
+</file>
+
+<file path=ppt/slides/slide20.xml><?xml version="1.0" encoding="utf-8"?>
+<p:sld xmlns:a="http://schemas.openxmlformats.org/drawingml/2006/main" xmlns:r="http://schemas.openxmlformats.org/officeDocument/2006/relationships" xmlns:p="http://schemas.openxmlformats.org/presentationml/2006/main">
+  <p:cSld>
+    <p:bg>
+      <p:bgPr>
+        <a:solidFill>
+          <a:srgbClr val="D9EAD3"/>
+        </a:solidFill>
+        <a:effectLst/>
+      </p:bgPr>
+    </p:bg>
+    <p:spTree>
+      <p:nvGrpSpPr>
+        <p:cNvPr id="1" name="Shape 83"/>
+        <p:cNvGrpSpPr/>
+        <p:nvPr/>
+      </p:nvGrpSpPr>
+      <p:grpSpPr>
+        <a:xfrm>
+          <a:off x="0" y="0"/>
+          <a:ext cx="0" cy="0"/>
+          <a:chOff x="0" y="0"/>
+          <a:chExt cx="0" cy="0"/>
+        </a:xfrm>
+      </p:grpSpPr>
+      <p:sp>
+        <p:nvSpPr>
+          <p:cNvPr id="84" name="Google Shape;84;p18"/>
+          <p:cNvSpPr txBox="1">
+            <a:spLocks noGrp="1"/>
+          </p:cNvSpPr>
+          <p:nvPr>
+            <p:ph type="title"/>
+          </p:nvPr>
+        </p:nvSpPr>
+        <p:spPr>
+          <a:xfrm>
+            <a:off x="311700" y="445025"/>
+            <a:ext cx="8520600" cy="572700"/>
+          </a:xfrm>
+          <a:prstGeom prst="rect">
+            <a:avLst/>
+          </a:prstGeom>
+        </p:spPr>
+        <p:txBody>
+          <a:bodyPr spcFirstLastPara="1" wrap="square" lIns="91425" tIns="91425" rIns="91425" bIns="91425" anchor="t" anchorCtr="0">
+            <a:noAutofit/>
+          </a:bodyPr>
+          <a:lstStyle/>
+          <a:p>
+            <a:pPr marL="0" lvl="0" indent="0" algn="l" rtl="0">
+              <a:spcBef>
+                <a:spcPts val="0"/>
+              </a:spcBef>
+              <a:spcAft>
+                <a:spcPts val="0"/>
+              </a:spcAft>
+              <a:buNone/>
+            </a:pPr>
+            <a:r>
+              <a:rPr lang="en"/>
+              <a:t>Version Control Evidence</a:t>
+            </a:r>
+            <a:endParaRPr/>
+          </a:p>
+        </p:txBody>
+      </p:sp>
+      <p:sp>
+        <p:nvSpPr>
+          <p:cNvPr id="85" name="Google Shape;85;p18"/>
+          <p:cNvSpPr txBox="1">
+            <a:spLocks noGrp="1"/>
+          </p:cNvSpPr>
+          <p:nvPr>
+            <p:ph type="body" idx="1"/>
+          </p:nvPr>
+        </p:nvSpPr>
+        <p:spPr>
+          <a:xfrm>
+            <a:off x="311700" y="1152475"/>
+            <a:ext cx="8464200" cy="3739200"/>
+          </a:xfrm>
+          <a:prstGeom prst="rect">
+            <a:avLst/>
+          </a:prstGeom>
+        </p:spPr>
+        <p:txBody>
+          <a:bodyPr spcFirstLastPara="1" wrap="square" lIns="91425" tIns="91425" rIns="91425" bIns="91425" anchor="t" anchorCtr="0">
+            <a:noAutofit/>
+          </a:bodyPr>
+          <a:lstStyle/>
+          <a:p>
+            <a:pPr marL="0" lvl="0" indent="0" algn="l" rtl="0">
+              <a:spcBef>
+                <a:spcPts val="0"/>
+              </a:spcBef>
+              <a:spcAft>
+                <a:spcPts val="1600"/>
+              </a:spcAft>
+              <a:buNone/>
+            </a:pPr>
+            <a:r>
+              <a:rPr lang="en" i="1"/>
+              <a:t>Your version control evidence should go here.  This could be in the form of annotated screenshots which show you you managed this process or you could make a brief screencast explaining how you implemented version control.</a:t>
+            </a:r>
+            <a:endParaRPr i="1"/>
+          </a:p>
+        </p:txBody>
+      </p:sp>
+    </p:spTree>
+  </p:cSld>
+  <p:clrMapOvr>
+    <a:masterClrMapping/>
+  </p:clrMapOvr>
+</p:sld>
+</file>
+
+<file path=ppt/slides/slide21.xml><?xml version="1.0" encoding="utf-8"?>
+<p:sld xmlns:a="http://schemas.openxmlformats.org/drawingml/2006/main" xmlns:r="http://schemas.openxmlformats.org/officeDocument/2006/relationships" xmlns:p="http://schemas.openxmlformats.org/presentationml/2006/main">
+  <p:cSld>
+    <p:bg>
+      <p:bgPr>
+        <a:solidFill>
+          <a:srgbClr val="FFE599"/>
+        </a:solidFill>
+        <a:effectLst/>
+      </p:bgPr>
+    </p:bg>
+    <p:spTree>
+      <p:nvGrpSpPr>
+        <p:cNvPr id="1" name="Shape 89"/>
+        <p:cNvGrpSpPr/>
+        <p:nvPr/>
+      </p:nvGrpSpPr>
+      <p:grpSpPr>
+        <a:xfrm>
+          <a:off x="0" y="0"/>
+          <a:ext cx="0" cy="0"/>
+          <a:chOff x="0" y="0"/>
+          <a:chExt cx="0" cy="0"/>
+        </a:xfrm>
+      </p:grpSpPr>
+      <p:sp>
+        <p:nvSpPr>
+          <p:cNvPr id="90" name="Google Shape;90;p19"/>
+          <p:cNvSpPr txBox="1">
+            <a:spLocks noGrp="1"/>
+          </p:cNvSpPr>
+          <p:nvPr>
+            <p:ph type="body" idx="1"/>
+          </p:nvPr>
+        </p:nvSpPr>
+        <p:spPr>
+          <a:xfrm>
+            <a:off x="311700" y="397700"/>
+            <a:ext cx="8520600" cy="4171200"/>
+          </a:xfrm>
+          <a:prstGeom prst="rect">
+            <a:avLst/>
+          </a:prstGeom>
+        </p:spPr>
+        <p:txBody>
+          <a:bodyPr spcFirstLastPara="1" wrap="square" lIns="91425" tIns="91425" rIns="91425" bIns="91425" anchor="t" anchorCtr="0">
+            <a:noAutofit/>
+          </a:bodyPr>
+          <a:lstStyle/>
+          <a:p>
+            <a:pPr marL="0" lvl="0" indent="0" algn="l" rtl="0">
+              <a:spcBef>
+                <a:spcPts val="0"/>
+              </a:spcBef>
+              <a:spcAft>
+                <a:spcPts val="1600"/>
+              </a:spcAft>
+              <a:buNone/>
+            </a:pPr>
+            <a:r>
+              <a:rPr lang="en" b="1" i="1">
+                <a:solidFill>
+                  <a:srgbClr val="595959"/>
+                </a:solidFill>
+              </a:rPr>
+              <a:t>Discusses how the information from planning, testing and trialling of components assisted in the development of a high-quality outcome</a:t>
+            </a:r>
+            <a:endParaRPr/>
           </a:p>
         </p:txBody>
       </p:sp>

--- a/022_91893+_+91897+Documentation.pptx
+++ b/022_91893+_+91897+Documentation.pptx
@@ -5,7 +5,7 @@
     <p:sldMasterId id="2147483659" r:id="rId1"/>
   </p:sldMasterIdLst>
   <p:notesMasterIdLst>
-    <p:notesMasterId r:id="rId23"/>
+    <p:notesMasterId r:id="rId25"/>
   </p:notesMasterIdLst>
   <p:sldIdLst>
     <p:sldId id="256" r:id="rId2"/>
@@ -27,8 +27,10 @@
     <p:sldId id="274" r:id="rId18"/>
     <p:sldId id="275" r:id="rId19"/>
     <p:sldId id="276" r:id="rId20"/>
-    <p:sldId id="261" r:id="rId21"/>
-    <p:sldId id="262" r:id="rId22"/>
+    <p:sldId id="277" r:id="rId21"/>
+    <p:sldId id="278" r:id="rId22"/>
+    <p:sldId id="261" r:id="rId23"/>
+    <p:sldId id="262" r:id="rId24"/>
   </p:sldIdLst>
   <p:sldSz cx="9144000" cy="5143500" type="screen16x9"/>
   <p:notesSz cx="6858000" cy="9144000"/>
@@ -2036,6 +2038,224 @@
   <p:cSld>
     <p:spTree>
       <p:nvGrpSpPr>
+        <p:cNvPr id="1" name="Shape 69"/>
+        <p:cNvGrpSpPr/>
+        <p:nvPr/>
+      </p:nvGrpSpPr>
+      <p:grpSpPr>
+        <a:xfrm>
+          <a:off x="0" y="0"/>
+          <a:ext cx="0" cy="0"/>
+          <a:chOff x="0" y="0"/>
+          <a:chExt cx="0" cy="0"/>
+        </a:xfrm>
+      </p:grpSpPr>
+      <p:sp>
+        <p:nvSpPr>
+          <p:cNvPr id="70" name="Google Shape;70;gac10fef634_0_16:notes"/>
+          <p:cNvSpPr>
+            <a:spLocks noGrp="1" noRot="1" noChangeAspect="1"/>
+          </p:cNvSpPr>
+          <p:nvPr>
+            <p:ph type="sldImg" idx="2"/>
+          </p:nvPr>
+        </p:nvSpPr>
+        <p:spPr>
+          <a:xfrm>
+            <a:off x="381000" y="685800"/>
+            <a:ext cx="6096000" cy="3429000"/>
+          </a:xfrm>
+          <a:custGeom>
+            <a:avLst/>
+            <a:gdLst/>
+            <a:ahLst/>
+            <a:cxnLst/>
+            <a:rect l="l" t="t" r="r" b="b"/>
+            <a:pathLst>
+              <a:path w="120000" h="120000" extrusionOk="0">
+                <a:moveTo>
+                  <a:pt x="0" y="0"/>
+                </a:moveTo>
+                <a:lnTo>
+                  <a:pt x="120000" y="0"/>
+                </a:lnTo>
+                <a:lnTo>
+                  <a:pt x="120000" y="120000"/>
+                </a:lnTo>
+                <a:lnTo>
+                  <a:pt x="0" y="120000"/>
+                </a:lnTo>
+                <a:close/>
+              </a:path>
+            </a:pathLst>
+          </a:custGeom>
+        </p:spPr>
+      </p:sp>
+      <p:sp>
+        <p:nvSpPr>
+          <p:cNvPr id="71" name="Google Shape;71;gac10fef634_0_16:notes"/>
+          <p:cNvSpPr txBox="1">
+            <a:spLocks noGrp="1"/>
+          </p:cNvSpPr>
+          <p:nvPr>
+            <p:ph type="body" idx="1"/>
+          </p:nvPr>
+        </p:nvSpPr>
+        <p:spPr>
+          <a:xfrm>
+            <a:off x="685800" y="4343400"/>
+            <a:ext cx="5486400" cy="4114800"/>
+          </a:xfrm>
+          <a:prstGeom prst="rect">
+            <a:avLst/>
+          </a:prstGeom>
+        </p:spPr>
+        <p:txBody>
+          <a:bodyPr spcFirstLastPara="1" wrap="square" lIns="91425" tIns="91425" rIns="91425" bIns="91425" anchor="t" anchorCtr="0">
+            <a:noAutofit/>
+          </a:bodyPr>
+          <a:lstStyle/>
+          <a:p>
+            <a:pPr marL="0" lvl="0" indent="0" algn="l" rtl="0">
+              <a:spcBef>
+                <a:spcPts val="0"/>
+              </a:spcBef>
+              <a:spcAft>
+                <a:spcPts val="0"/>
+              </a:spcAft>
+              <a:buNone/>
+            </a:pPr>
+            <a:endParaRPr/>
+          </a:p>
+        </p:txBody>
+      </p:sp>
+    </p:spTree>
+    <p:extLst>
+      <p:ext uri="{BB962C8B-B14F-4D97-AF65-F5344CB8AC3E}">
+        <p14:creationId xmlns:p14="http://schemas.microsoft.com/office/powerpoint/2010/main" val="1601827037"/>
+      </p:ext>
+    </p:extLst>
+  </p:cSld>
+  <p:clrMapOvr>
+    <a:masterClrMapping/>
+  </p:clrMapOvr>
+</p:notes>
+</file>
+
+<file path=ppt/notesSlides/notesSlide21.xml><?xml version="1.0" encoding="utf-8"?>
+<p:notes xmlns:a="http://schemas.openxmlformats.org/drawingml/2006/main" xmlns:r="http://schemas.openxmlformats.org/officeDocument/2006/relationships" xmlns:p="http://schemas.openxmlformats.org/presentationml/2006/main" showMasterSp="0" showMasterPhAnim="0">
+  <p:cSld>
+    <p:spTree>
+      <p:nvGrpSpPr>
+        <p:cNvPr id="1" name="Shape 74"/>
+        <p:cNvGrpSpPr/>
+        <p:nvPr/>
+      </p:nvGrpSpPr>
+      <p:grpSpPr>
+        <a:xfrm>
+          <a:off x="0" y="0"/>
+          <a:ext cx="0" cy="0"/>
+          <a:chOff x="0" y="0"/>
+          <a:chExt cx="0" cy="0"/>
+        </a:xfrm>
+      </p:grpSpPr>
+      <p:sp>
+        <p:nvSpPr>
+          <p:cNvPr id="75" name="Google Shape;75;gac10fef634_0_20:notes"/>
+          <p:cNvSpPr>
+            <a:spLocks noGrp="1" noRot="1" noChangeAspect="1"/>
+          </p:cNvSpPr>
+          <p:nvPr>
+            <p:ph type="sldImg" idx="2"/>
+          </p:nvPr>
+        </p:nvSpPr>
+        <p:spPr>
+          <a:xfrm>
+            <a:off x="381000" y="685800"/>
+            <a:ext cx="6096000" cy="3429000"/>
+          </a:xfrm>
+          <a:custGeom>
+            <a:avLst/>
+            <a:gdLst/>
+            <a:ahLst/>
+            <a:cxnLst/>
+            <a:rect l="l" t="t" r="r" b="b"/>
+            <a:pathLst>
+              <a:path w="120000" h="120000" extrusionOk="0">
+                <a:moveTo>
+                  <a:pt x="0" y="0"/>
+                </a:moveTo>
+                <a:lnTo>
+                  <a:pt x="120000" y="0"/>
+                </a:lnTo>
+                <a:lnTo>
+                  <a:pt x="120000" y="120000"/>
+                </a:lnTo>
+                <a:lnTo>
+                  <a:pt x="0" y="120000"/>
+                </a:lnTo>
+                <a:close/>
+              </a:path>
+            </a:pathLst>
+          </a:custGeom>
+        </p:spPr>
+      </p:sp>
+      <p:sp>
+        <p:nvSpPr>
+          <p:cNvPr id="76" name="Google Shape;76;gac10fef634_0_20:notes"/>
+          <p:cNvSpPr txBox="1">
+            <a:spLocks noGrp="1"/>
+          </p:cNvSpPr>
+          <p:nvPr>
+            <p:ph type="body" idx="1"/>
+          </p:nvPr>
+        </p:nvSpPr>
+        <p:spPr>
+          <a:xfrm>
+            <a:off x="685800" y="4343400"/>
+            <a:ext cx="5486400" cy="4114800"/>
+          </a:xfrm>
+          <a:prstGeom prst="rect">
+            <a:avLst/>
+          </a:prstGeom>
+        </p:spPr>
+        <p:txBody>
+          <a:bodyPr spcFirstLastPara="1" wrap="square" lIns="91425" tIns="91425" rIns="91425" bIns="91425" anchor="t" anchorCtr="0">
+            <a:noAutofit/>
+          </a:bodyPr>
+          <a:lstStyle/>
+          <a:p>
+            <a:pPr marL="0" lvl="0" indent="0" algn="l" rtl="0">
+              <a:spcBef>
+                <a:spcPts val="0"/>
+              </a:spcBef>
+              <a:spcAft>
+                <a:spcPts val="0"/>
+              </a:spcAft>
+              <a:buNone/>
+            </a:pPr>
+            <a:endParaRPr/>
+          </a:p>
+        </p:txBody>
+      </p:sp>
+    </p:spTree>
+    <p:extLst>
+      <p:ext uri="{BB962C8B-B14F-4D97-AF65-F5344CB8AC3E}">
+        <p14:creationId xmlns:p14="http://schemas.microsoft.com/office/powerpoint/2010/main" val="2835983226"/>
+      </p:ext>
+    </p:extLst>
+  </p:cSld>
+  <p:clrMapOvr>
+    <a:masterClrMapping/>
+  </p:clrMapOvr>
+</p:notes>
+</file>
+
+<file path=ppt/notesSlides/notesSlide22.xml><?xml version="1.0" encoding="utf-8"?>
+<p:notes xmlns:a="http://schemas.openxmlformats.org/drawingml/2006/main" xmlns:r="http://schemas.openxmlformats.org/officeDocument/2006/relationships" xmlns:p="http://schemas.openxmlformats.org/presentationml/2006/main" showMasterSp="0" showMasterPhAnim="0">
+  <p:cSld>
+    <p:spTree>
+      <p:nvGrpSpPr>
         <p:cNvPr id="1" name="Shape 80"/>
         <p:cNvGrpSpPr/>
         <p:nvPr/>
@@ -2156,7 +2376,7 @@
 </p:notes>
 </file>
 
-<file path=ppt/notesSlides/notesSlide21.xml><?xml version="1.0" encoding="utf-8"?>
+<file path=ppt/notesSlides/notesSlide23.xml><?xml version="1.0" encoding="utf-8"?>
 <p:notes xmlns:a="http://schemas.openxmlformats.org/drawingml/2006/main" xmlns:r="http://schemas.openxmlformats.org/officeDocument/2006/relationships" xmlns:p="http://schemas.openxmlformats.org/presentationml/2006/main" showMasterSp="0" showMasterPhAnim="0">
   <p:cSld>
     <p:spTree>
@@ -9980,7 +10200,7 @@
           <p:nvPr>
             <p:extLst>
               <p:ext uri="{D42A27DB-BD31-4B8C-83A1-F6EECF244321}">
-                <p14:modId xmlns:p14="http://schemas.microsoft.com/office/powerpoint/2010/main" val="1277154678"/>
+                <p14:modId xmlns:p14="http://schemas.microsoft.com/office/powerpoint/2010/main" val="2110965469"/>
               </p:ext>
             </p:extLst>
           </p:nvPr>
@@ -10173,7 +10393,7 @@
                       </a:pPr>
                       <a:r>
                         <a:rPr lang="en-NZ" sz="1800" dirty="0"/>
-                        <a:t>Prints “Sorry this cannot be blank – goes back to input.</a:t>
+                        <a:t>Prints “Sorry this cannot be blank – goes back to input.”</a:t>
                       </a:r>
                     </a:p>
                   </a:txBody>
@@ -10435,7 +10655,13 @@
         <p:nvGraphicFramePr>
           <p:cNvPr id="79" name="Google Shape;79;p17"/>
           <p:cNvGraphicFramePr/>
-          <p:nvPr/>
+          <p:nvPr>
+            <p:extLst>
+              <p:ext uri="{D42A27DB-BD31-4B8C-83A1-F6EECF244321}">
+                <p14:modId xmlns:p14="http://schemas.microsoft.com/office/powerpoint/2010/main" val="419281257"/>
+              </p:ext>
+            </p:extLst>
+          </p:nvPr>
         </p:nvGraphicFramePr>
         <p:xfrm>
           <a:off x="382475" y="1267725"/>
@@ -10625,7 +10851,7 @@
                       </a:pPr>
                       <a:r>
                         <a:rPr lang="en-NZ" sz="1800" dirty="0"/>
-                        <a:t>Prints “Sorry this cannot be blank – goes back to input.</a:t>
+                        <a:t>Prints “Sorry this cannot be blank – goes back to input.”</a:t>
                       </a:r>
                     </a:p>
                   </a:txBody>
@@ -10643,10 +10869,10 @@
       </p:graphicFrame>
       <p:pic>
         <p:nvPicPr>
-          <p:cNvPr id="4" name="Picture 3">
+          <p:cNvPr id="6" name="Picture 5">
             <a:extLst>
               <a:ext uri="{FF2B5EF4-FFF2-40B4-BE49-F238E27FC236}">
-                <a16:creationId xmlns:a16="http://schemas.microsoft.com/office/drawing/2014/main" id="{A5405238-2DA6-43AD-8E55-5A60303A9A52}"/>
+                <a16:creationId xmlns:a16="http://schemas.microsoft.com/office/drawing/2014/main" id="{17E73C3F-0FD7-4E8A-B49A-2FAA15E875E2}"/>
               </a:ext>
             </a:extLst>
           </p:cNvPr>
@@ -10655,16 +10881,15 @@
           </p:cNvPicPr>
           <p:nvPr/>
         </p:nvPicPr>
-        <p:blipFill>
+        <p:blipFill rotWithShape="1">
           <a:blip r:embed="rId3"/>
-          <a:stretch>
-            <a:fillRect/>
-          </a:stretch>
+          <a:srcRect t="-2266" b="1"/>
+          <a:stretch/>
         </p:blipFill>
         <p:spPr>
           <a:xfrm>
-            <a:off x="382475" y="3023323"/>
-            <a:ext cx="2422966" cy="1996524"/>
+            <a:off x="4431380" y="3005025"/>
+            <a:ext cx="3345721" cy="2081932"/>
           </a:xfrm>
           <a:prstGeom prst="rect">
             <a:avLst/>
@@ -10673,10 +10898,10 @@
       </p:pic>
       <p:pic>
         <p:nvPicPr>
-          <p:cNvPr id="7" name="Picture 6">
+          <p:cNvPr id="8" name="Picture 7">
             <a:extLst>
               <a:ext uri="{FF2B5EF4-FFF2-40B4-BE49-F238E27FC236}">
-                <a16:creationId xmlns:a16="http://schemas.microsoft.com/office/drawing/2014/main" id="{BD33F534-7154-4E6E-AE25-0161C7008150}"/>
+                <a16:creationId xmlns:a16="http://schemas.microsoft.com/office/drawing/2014/main" id="{04D15696-6B7A-4F5F-81D4-12E6D52D7C41}"/>
               </a:ext>
             </a:extLst>
           </p:cNvPr>
@@ -10693,8 +10918,8 @@
         </p:blipFill>
         <p:spPr>
           <a:xfrm>
-            <a:off x="2996970" y="3143422"/>
-            <a:ext cx="5705475" cy="1876425"/>
+            <a:off x="646753" y="2976754"/>
+            <a:ext cx="2498041" cy="2138475"/>
           </a:xfrm>
           <a:prstGeom prst="rect">
             <a:avLst/>
@@ -10889,6 +11114,464 @@
     </p:bg>
     <p:spTree>
       <p:nvGrpSpPr>
+        <p:cNvPr id="1" name="Shape 72"/>
+        <p:cNvGrpSpPr/>
+        <p:nvPr/>
+      </p:nvGrpSpPr>
+      <p:grpSpPr>
+        <a:xfrm>
+          <a:off x="0" y="0"/>
+          <a:ext cx="0" cy="0"/>
+          <a:chOff x="0" y="0"/>
+          <a:chExt cx="0" cy="0"/>
+        </a:xfrm>
+      </p:grpSpPr>
+      <p:sp>
+        <p:nvSpPr>
+          <p:cNvPr id="73" name="Google Shape;73;p16"/>
+          <p:cNvSpPr txBox="1">
+            <a:spLocks noGrp="1"/>
+          </p:cNvSpPr>
+          <p:nvPr>
+            <p:ph type="title"/>
+          </p:nvPr>
+        </p:nvSpPr>
+        <p:spPr>
+          <a:xfrm>
+            <a:off x="311700" y="445025"/>
+            <a:ext cx="8520600" cy="572700"/>
+          </a:xfrm>
+          <a:prstGeom prst="rect">
+            <a:avLst/>
+          </a:prstGeom>
+        </p:spPr>
+        <p:txBody>
+          <a:bodyPr spcFirstLastPara="1" wrap="square" lIns="91425" tIns="91425" rIns="91425" bIns="91425" anchor="t" anchorCtr="0">
+            <a:noAutofit/>
+          </a:bodyPr>
+          <a:lstStyle/>
+          <a:p>
+            <a:pPr marL="0" lvl="0" indent="0" algn="l" rtl="0">
+              <a:spcBef>
+                <a:spcPts val="0"/>
+              </a:spcBef>
+              <a:spcAft>
+                <a:spcPts val="0"/>
+              </a:spcAft>
+              <a:buNone/>
+            </a:pPr>
+            <a:r>
+              <a:rPr lang="en" dirty="0"/>
+              <a:t>Component 3 v4 (Trello screenshot)</a:t>
+            </a:r>
+            <a:endParaRPr dirty="0"/>
+          </a:p>
+        </p:txBody>
+      </p:sp>
+      <p:pic>
+        <p:nvPicPr>
+          <p:cNvPr id="4" name="Picture 3">
+            <a:extLst>
+              <a:ext uri="{FF2B5EF4-FFF2-40B4-BE49-F238E27FC236}">
+                <a16:creationId xmlns:a16="http://schemas.microsoft.com/office/drawing/2014/main" id="{11F6EACE-3048-4CCB-930D-3A1F86868D15}"/>
+              </a:ext>
+            </a:extLst>
+          </p:cNvPr>
+          <p:cNvPicPr>
+            <a:picLocks noChangeAspect="1"/>
+          </p:cNvPicPr>
+          <p:nvPr/>
+        </p:nvPicPr>
+        <p:blipFill>
+          <a:blip r:embed="rId3"/>
+          <a:stretch>
+            <a:fillRect/>
+          </a:stretch>
+        </p:blipFill>
+        <p:spPr>
+          <a:xfrm>
+            <a:off x="722869" y="1017725"/>
+            <a:ext cx="7852719" cy="4043648"/>
+          </a:xfrm>
+          <a:prstGeom prst="rect">
+            <a:avLst/>
+          </a:prstGeom>
+        </p:spPr>
+      </p:pic>
+    </p:spTree>
+    <p:extLst>
+      <p:ext uri="{BB962C8B-B14F-4D97-AF65-F5344CB8AC3E}">
+        <p14:creationId xmlns:p14="http://schemas.microsoft.com/office/powerpoint/2010/main" val="1453505615"/>
+      </p:ext>
+    </p:extLst>
+  </p:cSld>
+  <p:clrMapOvr>
+    <a:masterClrMapping/>
+  </p:clrMapOvr>
+</p:sld>
+</file>
+
+<file path=ppt/slides/slide21.xml><?xml version="1.0" encoding="utf-8"?>
+<p:sld xmlns:a="http://schemas.openxmlformats.org/drawingml/2006/main" xmlns:r="http://schemas.openxmlformats.org/officeDocument/2006/relationships" xmlns:p="http://schemas.openxmlformats.org/presentationml/2006/main">
+  <p:cSld>
+    <p:spTree>
+      <p:nvGrpSpPr>
+        <p:cNvPr id="1" name="Shape 77"/>
+        <p:cNvGrpSpPr/>
+        <p:nvPr/>
+      </p:nvGrpSpPr>
+      <p:grpSpPr>
+        <a:xfrm>
+          <a:off x="0" y="0"/>
+          <a:ext cx="0" cy="0"/>
+          <a:chOff x="0" y="0"/>
+          <a:chExt cx="0" cy="0"/>
+        </a:xfrm>
+      </p:grpSpPr>
+      <p:sp>
+        <p:nvSpPr>
+          <p:cNvPr id="78" name="Google Shape;78;p17"/>
+          <p:cNvSpPr txBox="1">
+            <a:spLocks noGrp="1"/>
+          </p:cNvSpPr>
+          <p:nvPr>
+            <p:ph type="title"/>
+          </p:nvPr>
+        </p:nvSpPr>
+        <p:spPr>
+          <a:xfrm>
+            <a:off x="311700" y="445025"/>
+            <a:ext cx="8520600" cy="572700"/>
+          </a:xfrm>
+          <a:prstGeom prst="rect">
+            <a:avLst/>
+          </a:prstGeom>
+        </p:spPr>
+        <p:txBody>
+          <a:bodyPr spcFirstLastPara="1" wrap="square" lIns="91425" tIns="91425" rIns="91425" bIns="91425" anchor="t" anchorCtr="0">
+            <a:noAutofit/>
+          </a:bodyPr>
+          <a:lstStyle/>
+          <a:p>
+            <a:pPr marL="0" lvl="0" indent="0" algn="l" rtl="0">
+              <a:spcBef>
+                <a:spcPts val="0"/>
+              </a:spcBef>
+              <a:spcAft>
+                <a:spcPts val="0"/>
+              </a:spcAft>
+              <a:buNone/>
+            </a:pPr>
+            <a:r>
+              <a:rPr lang="en" dirty="0"/>
+              <a:t>Component 3 v4 - Test Plan (and screenshot)</a:t>
+            </a:r>
+            <a:endParaRPr dirty="0"/>
+          </a:p>
+        </p:txBody>
+      </p:sp>
+      <p:graphicFrame>
+        <p:nvGraphicFramePr>
+          <p:cNvPr id="79" name="Google Shape;79;p17"/>
+          <p:cNvGraphicFramePr/>
+          <p:nvPr>
+            <p:extLst>
+              <p:ext uri="{D42A27DB-BD31-4B8C-83A1-F6EECF244321}">
+                <p14:modId xmlns:p14="http://schemas.microsoft.com/office/powerpoint/2010/main" val="3499344080"/>
+              </p:ext>
+            </p:extLst>
+          </p:nvPr>
+        </p:nvGraphicFramePr>
+        <p:xfrm>
+          <a:off x="382475" y="1267725"/>
+          <a:ext cx="8520600" cy="1737300"/>
+        </p:xfrm>
+        <a:graphic>
+          <a:graphicData uri="http://schemas.openxmlformats.org/drawingml/2006/table">
+            <a:tbl>
+              <a:tblPr>
+                <a:noFill/>
+                <a:tableStyleId>{E1099E06-0E6B-448D-9D27-60429F06E6F4}</a:tableStyleId>
+              </a:tblPr>
+              <a:tblGrid>
+                <a:gridCol w="4260300">
+                  <a:extLst>
+                    <a:ext uri="{9D8B030D-6E8A-4147-A177-3AD203B41FA5}">
+                      <a16:colId xmlns:a16="http://schemas.microsoft.com/office/drawing/2014/main" val="20000"/>
+                    </a:ext>
+                  </a:extLst>
+                </a:gridCol>
+                <a:gridCol w="4260300">
+                  <a:extLst>
+                    <a:ext uri="{9D8B030D-6E8A-4147-A177-3AD203B41FA5}">
+                      <a16:colId xmlns:a16="http://schemas.microsoft.com/office/drawing/2014/main" val="20001"/>
+                    </a:ext>
+                  </a:extLst>
+                </a:gridCol>
+              </a:tblGrid>
+              <a:tr h="381000">
+                <a:tc>
+                  <a:txBody>
+                    <a:bodyPr/>
+                    <a:lstStyle/>
+                    <a:p>
+                      <a:pPr marL="0" lvl="0" indent="0" algn="l" rtl="0">
+                        <a:spcBef>
+                          <a:spcPts val="0"/>
+                        </a:spcBef>
+                        <a:spcAft>
+                          <a:spcPts val="0"/>
+                        </a:spcAft>
+                        <a:buNone/>
+                      </a:pPr>
+                      <a:r>
+                        <a:rPr lang="en" sz="1800" b="1"/>
+                        <a:t>Test Case</a:t>
+                      </a:r>
+                      <a:endParaRPr sz="1800" b="1"/>
+                    </a:p>
+                  </a:txBody>
+                  <a:tcPr marL="91425" marR="91425" marT="91425" marB="91425">
+                    <a:solidFill>
+                      <a:srgbClr val="CCCCCC"/>
+                    </a:solidFill>
+                  </a:tcPr>
+                </a:tc>
+                <a:tc>
+                  <a:txBody>
+                    <a:bodyPr/>
+                    <a:lstStyle/>
+                    <a:p>
+                      <a:pPr marL="0" lvl="0" indent="0" algn="l" rtl="0">
+                        <a:spcBef>
+                          <a:spcPts val="0"/>
+                        </a:spcBef>
+                        <a:spcAft>
+                          <a:spcPts val="0"/>
+                        </a:spcAft>
+                        <a:buNone/>
+                      </a:pPr>
+                      <a:r>
+                        <a:rPr lang="en" sz="1800" b="1"/>
+                        <a:t>Expected Values</a:t>
+                      </a:r>
+                      <a:endParaRPr sz="1800" b="1"/>
+                    </a:p>
+                  </a:txBody>
+                  <a:tcPr marL="91425" marR="91425" marT="91425" marB="91425">
+                    <a:solidFill>
+                      <a:srgbClr val="CCCCCC"/>
+                    </a:solidFill>
+                  </a:tcPr>
+                </a:tc>
+                <a:extLst>
+                  <a:ext uri="{0D108BD9-81ED-4DB2-BD59-A6C34878D82A}">
+                    <a16:rowId xmlns:a16="http://schemas.microsoft.com/office/drawing/2014/main" val="10000"/>
+                  </a:ext>
+                </a:extLst>
+              </a:tr>
+              <a:tr h="396200">
+                <a:tc>
+                  <a:txBody>
+                    <a:bodyPr/>
+                    <a:lstStyle/>
+                    <a:p>
+                      <a:pPr marL="0" lvl="0" indent="0" algn="l" rtl="0">
+                        <a:spcBef>
+                          <a:spcPts val="0"/>
+                        </a:spcBef>
+                        <a:spcAft>
+                          <a:spcPts val="0"/>
+                        </a:spcAft>
+                        <a:buNone/>
+                      </a:pPr>
+                      <a:r>
+                        <a:rPr lang="en-NZ" sz="1800" dirty="0"/>
+                        <a:t>Input name</a:t>
+                      </a:r>
+                    </a:p>
+                    <a:p>
+                      <a:pPr marL="0" lvl="0" indent="0" algn="l" rtl="0">
+                        <a:spcBef>
+                          <a:spcPts val="0"/>
+                        </a:spcBef>
+                        <a:spcAft>
+                          <a:spcPts val="0"/>
+                        </a:spcAft>
+                        <a:buNone/>
+                      </a:pPr>
+                      <a:r>
+                        <a:rPr lang="en-NZ" sz="1800" dirty="0"/>
+                        <a:t>Input phone number</a:t>
+                      </a:r>
+                    </a:p>
+                    <a:p>
+                      <a:pPr marL="0" lvl="0" indent="0" algn="l" rtl="0">
+                        <a:spcBef>
+                          <a:spcPts val="0"/>
+                        </a:spcBef>
+                        <a:spcAft>
+                          <a:spcPts val="0"/>
+                        </a:spcAft>
+                        <a:buNone/>
+                      </a:pPr>
+                      <a:r>
+                        <a:rPr lang="en-NZ" sz="1800" dirty="0"/>
+                        <a:t>Left input blank</a:t>
+                      </a:r>
+                      <a:endParaRPr sz="1800" dirty="0"/>
+                    </a:p>
+                  </a:txBody>
+                  <a:tcPr marL="91425" marR="91425" marT="91425" marB="91425"/>
+                </a:tc>
+                <a:tc>
+                  <a:txBody>
+                    <a:bodyPr/>
+                    <a:lstStyle/>
+                    <a:p>
+                      <a:pPr marL="0" lvl="0" indent="0" algn="l" rtl="0">
+                        <a:spcBef>
+                          <a:spcPts val="0"/>
+                        </a:spcBef>
+                        <a:spcAft>
+                          <a:spcPts val="0"/>
+                        </a:spcAft>
+                        <a:buNone/>
+                      </a:pPr>
+                      <a:r>
+                        <a:rPr lang="en-NZ" sz="1800" dirty="0"/>
+                        <a:t>Printed name correctly</a:t>
+                      </a:r>
+                    </a:p>
+                    <a:p>
+                      <a:pPr marL="0" lvl="0" indent="0" algn="l" rtl="0">
+                        <a:spcBef>
+                          <a:spcPts val="0"/>
+                        </a:spcBef>
+                        <a:spcAft>
+                          <a:spcPts val="0"/>
+                        </a:spcAft>
+                        <a:buNone/>
+                      </a:pPr>
+                      <a:r>
+                        <a:rPr lang="en-NZ" sz="1800" dirty="0"/>
+                        <a:t>Printed phone number</a:t>
+                      </a:r>
+                    </a:p>
+                    <a:p>
+                      <a:pPr marL="0" lvl="0" indent="0" algn="l" rtl="0">
+                        <a:spcBef>
+                          <a:spcPts val="0"/>
+                        </a:spcBef>
+                        <a:spcAft>
+                          <a:spcPts val="0"/>
+                        </a:spcAft>
+                        <a:buNone/>
+                      </a:pPr>
+                      <a:r>
+                        <a:rPr lang="en-NZ" sz="1800" dirty="0"/>
+                        <a:t>Prints “Sorry this cannot be blank – goes back to input.”</a:t>
+                      </a:r>
+                    </a:p>
+                  </a:txBody>
+                  <a:tcPr marL="91425" marR="91425" marT="91425" marB="91425"/>
+                </a:tc>
+                <a:extLst>
+                  <a:ext uri="{0D108BD9-81ED-4DB2-BD59-A6C34878D82A}">
+                    <a16:rowId xmlns:a16="http://schemas.microsoft.com/office/drawing/2014/main" val="10001"/>
+                  </a:ext>
+                </a:extLst>
+              </a:tr>
+            </a:tbl>
+          </a:graphicData>
+        </a:graphic>
+      </p:graphicFrame>
+      <p:pic>
+        <p:nvPicPr>
+          <p:cNvPr id="9" name="Picture 8">
+            <a:extLst>
+              <a:ext uri="{FF2B5EF4-FFF2-40B4-BE49-F238E27FC236}">
+                <a16:creationId xmlns:a16="http://schemas.microsoft.com/office/drawing/2014/main" id="{9CEF92F1-AE00-4373-9672-E9EBF6B9BDFC}"/>
+              </a:ext>
+            </a:extLst>
+          </p:cNvPr>
+          <p:cNvPicPr>
+            <a:picLocks noChangeAspect="1"/>
+          </p:cNvPicPr>
+          <p:nvPr/>
+        </p:nvPicPr>
+        <p:blipFill>
+          <a:blip r:embed="rId3"/>
+          <a:stretch>
+            <a:fillRect/>
+          </a:stretch>
+        </p:blipFill>
+        <p:spPr>
+          <a:xfrm>
+            <a:off x="382475" y="2689959"/>
+            <a:ext cx="2534569" cy="2371632"/>
+          </a:xfrm>
+          <a:prstGeom prst="rect">
+            <a:avLst/>
+          </a:prstGeom>
+        </p:spPr>
+      </p:pic>
+      <p:pic>
+        <p:nvPicPr>
+          <p:cNvPr id="11" name="Picture 10">
+            <a:extLst>
+              <a:ext uri="{FF2B5EF4-FFF2-40B4-BE49-F238E27FC236}">
+                <a16:creationId xmlns:a16="http://schemas.microsoft.com/office/drawing/2014/main" id="{216F1C11-C0E7-4FB3-B74E-D407F244A152}"/>
+              </a:ext>
+            </a:extLst>
+          </p:cNvPr>
+          <p:cNvPicPr>
+            <a:picLocks noChangeAspect="1"/>
+          </p:cNvPicPr>
+          <p:nvPr/>
+        </p:nvPicPr>
+        <p:blipFill>
+          <a:blip r:embed="rId4"/>
+          <a:stretch>
+            <a:fillRect/>
+          </a:stretch>
+        </p:blipFill>
+        <p:spPr>
+          <a:xfrm>
+            <a:off x="3199451" y="3433008"/>
+            <a:ext cx="5562074" cy="1512884"/>
+          </a:xfrm>
+          <a:prstGeom prst="rect">
+            <a:avLst/>
+          </a:prstGeom>
+        </p:spPr>
+      </p:pic>
+    </p:spTree>
+    <p:extLst>
+      <p:ext uri="{BB962C8B-B14F-4D97-AF65-F5344CB8AC3E}">
+        <p14:creationId xmlns:p14="http://schemas.microsoft.com/office/powerpoint/2010/main" val="1145735164"/>
+      </p:ext>
+    </p:extLst>
+  </p:cSld>
+  <p:clrMapOvr>
+    <a:masterClrMapping/>
+  </p:clrMapOvr>
+</p:sld>
+</file>
+
+<file path=ppt/slides/slide22.xml><?xml version="1.0" encoding="utf-8"?>
+<p:sld xmlns:a="http://schemas.openxmlformats.org/drawingml/2006/main" xmlns:r="http://schemas.openxmlformats.org/officeDocument/2006/relationships" xmlns:p="http://schemas.openxmlformats.org/presentationml/2006/main">
+  <p:cSld>
+    <p:bg>
+      <p:bgPr>
+        <a:solidFill>
+          <a:srgbClr val="D9EAD3"/>
+        </a:solidFill>
+        <a:effectLst/>
+      </p:bgPr>
+    </p:bg>
+    <p:spTree>
+      <p:nvGrpSpPr>
         <p:cNvPr id="1" name="Shape 83"/>
         <p:cNvGrpSpPr/>
         <p:nvPr/>
@@ -10993,7 +11676,7 @@
 </p:sld>
 </file>
 
-<file path=ppt/slides/slide21.xml><?xml version="1.0" encoding="utf-8"?>
+<file path=ppt/slides/slide23.xml><?xml version="1.0" encoding="utf-8"?>
 <p:sld xmlns:a="http://schemas.openxmlformats.org/drawingml/2006/main" xmlns:r="http://schemas.openxmlformats.org/officeDocument/2006/relationships" xmlns:p="http://schemas.openxmlformats.org/presentationml/2006/main">
   <p:cSld>
     <p:bg>

--- a/022_91893+_+91897+Documentation.pptx
+++ b/022_91893+_+91897+Documentation.pptx
@@ -5,7 +5,7 @@
     <p:sldMasterId id="2147483659" r:id="rId1"/>
   </p:sldMasterIdLst>
   <p:notesMasterIdLst>
-    <p:notesMasterId r:id="rId25"/>
+    <p:notesMasterId r:id="rId27"/>
   </p:notesMasterIdLst>
   <p:sldIdLst>
     <p:sldId id="256" r:id="rId2"/>
@@ -29,8 +29,10 @@
     <p:sldId id="276" r:id="rId20"/>
     <p:sldId id="277" r:id="rId21"/>
     <p:sldId id="278" r:id="rId22"/>
-    <p:sldId id="261" r:id="rId23"/>
-    <p:sldId id="262" r:id="rId24"/>
+    <p:sldId id="279" r:id="rId23"/>
+    <p:sldId id="280" r:id="rId24"/>
+    <p:sldId id="261" r:id="rId25"/>
+    <p:sldId id="262" r:id="rId26"/>
   </p:sldIdLst>
   <p:sldSz cx="9144000" cy="5143500" type="screen16x9"/>
   <p:notesSz cx="6858000" cy="9144000"/>
@@ -2256,6 +2258,224 @@
   <p:cSld>
     <p:spTree>
       <p:nvGrpSpPr>
+        <p:cNvPr id="1" name="Shape 69"/>
+        <p:cNvGrpSpPr/>
+        <p:nvPr/>
+      </p:nvGrpSpPr>
+      <p:grpSpPr>
+        <a:xfrm>
+          <a:off x="0" y="0"/>
+          <a:ext cx="0" cy="0"/>
+          <a:chOff x="0" y="0"/>
+          <a:chExt cx="0" cy="0"/>
+        </a:xfrm>
+      </p:grpSpPr>
+      <p:sp>
+        <p:nvSpPr>
+          <p:cNvPr id="70" name="Google Shape;70;gac10fef634_0_16:notes"/>
+          <p:cNvSpPr>
+            <a:spLocks noGrp="1" noRot="1" noChangeAspect="1"/>
+          </p:cNvSpPr>
+          <p:nvPr>
+            <p:ph type="sldImg" idx="2"/>
+          </p:nvPr>
+        </p:nvSpPr>
+        <p:spPr>
+          <a:xfrm>
+            <a:off x="381000" y="685800"/>
+            <a:ext cx="6096000" cy="3429000"/>
+          </a:xfrm>
+          <a:custGeom>
+            <a:avLst/>
+            <a:gdLst/>
+            <a:ahLst/>
+            <a:cxnLst/>
+            <a:rect l="l" t="t" r="r" b="b"/>
+            <a:pathLst>
+              <a:path w="120000" h="120000" extrusionOk="0">
+                <a:moveTo>
+                  <a:pt x="0" y="0"/>
+                </a:moveTo>
+                <a:lnTo>
+                  <a:pt x="120000" y="0"/>
+                </a:lnTo>
+                <a:lnTo>
+                  <a:pt x="120000" y="120000"/>
+                </a:lnTo>
+                <a:lnTo>
+                  <a:pt x="0" y="120000"/>
+                </a:lnTo>
+                <a:close/>
+              </a:path>
+            </a:pathLst>
+          </a:custGeom>
+        </p:spPr>
+      </p:sp>
+      <p:sp>
+        <p:nvSpPr>
+          <p:cNvPr id="71" name="Google Shape;71;gac10fef634_0_16:notes"/>
+          <p:cNvSpPr txBox="1">
+            <a:spLocks noGrp="1"/>
+          </p:cNvSpPr>
+          <p:nvPr>
+            <p:ph type="body" idx="1"/>
+          </p:nvPr>
+        </p:nvSpPr>
+        <p:spPr>
+          <a:xfrm>
+            <a:off x="685800" y="4343400"/>
+            <a:ext cx="5486400" cy="4114800"/>
+          </a:xfrm>
+          <a:prstGeom prst="rect">
+            <a:avLst/>
+          </a:prstGeom>
+        </p:spPr>
+        <p:txBody>
+          <a:bodyPr spcFirstLastPara="1" wrap="square" lIns="91425" tIns="91425" rIns="91425" bIns="91425" anchor="t" anchorCtr="0">
+            <a:noAutofit/>
+          </a:bodyPr>
+          <a:lstStyle/>
+          <a:p>
+            <a:pPr marL="0" lvl="0" indent="0" algn="l" rtl="0">
+              <a:spcBef>
+                <a:spcPts val="0"/>
+              </a:spcBef>
+              <a:spcAft>
+                <a:spcPts val="0"/>
+              </a:spcAft>
+              <a:buNone/>
+            </a:pPr>
+            <a:endParaRPr/>
+          </a:p>
+        </p:txBody>
+      </p:sp>
+    </p:spTree>
+    <p:extLst>
+      <p:ext uri="{BB962C8B-B14F-4D97-AF65-F5344CB8AC3E}">
+        <p14:creationId xmlns:p14="http://schemas.microsoft.com/office/powerpoint/2010/main" val="286104308"/>
+      </p:ext>
+    </p:extLst>
+  </p:cSld>
+  <p:clrMapOvr>
+    <a:masterClrMapping/>
+  </p:clrMapOvr>
+</p:notes>
+</file>
+
+<file path=ppt/notesSlides/notesSlide23.xml><?xml version="1.0" encoding="utf-8"?>
+<p:notes xmlns:a="http://schemas.openxmlformats.org/drawingml/2006/main" xmlns:r="http://schemas.openxmlformats.org/officeDocument/2006/relationships" xmlns:p="http://schemas.openxmlformats.org/presentationml/2006/main" showMasterSp="0" showMasterPhAnim="0">
+  <p:cSld>
+    <p:spTree>
+      <p:nvGrpSpPr>
+        <p:cNvPr id="1" name="Shape 74"/>
+        <p:cNvGrpSpPr/>
+        <p:nvPr/>
+      </p:nvGrpSpPr>
+      <p:grpSpPr>
+        <a:xfrm>
+          <a:off x="0" y="0"/>
+          <a:ext cx="0" cy="0"/>
+          <a:chOff x="0" y="0"/>
+          <a:chExt cx="0" cy="0"/>
+        </a:xfrm>
+      </p:grpSpPr>
+      <p:sp>
+        <p:nvSpPr>
+          <p:cNvPr id="75" name="Google Shape;75;gac10fef634_0_20:notes"/>
+          <p:cNvSpPr>
+            <a:spLocks noGrp="1" noRot="1" noChangeAspect="1"/>
+          </p:cNvSpPr>
+          <p:nvPr>
+            <p:ph type="sldImg" idx="2"/>
+          </p:nvPr>
+        </p:nvSpPr>
+        <p:spPr>
+          <a:xfrm>
+            <a:off x="381000" y="685800"/>
+            <a:ext cx="6096000" cy="3429000"/>
+          </a:xfrm>
+          <a:custGeom>
+            <a:avLst/>
+            <a:gdLst/>
+            <a:ahLst/>
+            <a:cxnLst/>
+            <a:rect l="l" t="t" r="r" b="b"/>
+            <a:pathLst>
+              <a:path w="120000" h="120000" extrusionOk="0">
+                <a:moveTo>
+                  <a:pt x="0" y="0"/>
+                </a:moveTo>
+                <a:lnTo>
+                  <a:pt x="120000" y="0"/>
+                </a:lnTo>
+                <a:lnTo>
+                  <a:pt x="120000" y="120000"/>
+                </a:lnTo>
+                <a:lnTo>
+                  <a:pt x="0" y="120000"/>
+                </a:lnTo>
+                <a:close/>
+              </a:path>
+            </a:pathLst>
+          </a:custGeom>
+        </p:spPr>
+      </p:sp>
+      <p:sp>
+        <p:nvSpPr>
+          <p:cNvPr id="76" name="Google Shape;76;gac10fef634_0_20:notes"/>
+          <p:cNvSpPr txBox="1">
+            <a:spLocks noGrp="1"/>
+          </p:cNvSpPr>
+          <p:nvPr>
+            <p:ph type="body" idx="1"/>
+          </p:nvPr>
+        </p:nvSpPr>
+        <p:spPr>
+          <a:xfrm>
+            <a:off x="685800" y="4343400"/>
+            <a:ext cx="5486400" cy="4114800"/>
+          </a:xfrm>
+          <a:prstGeom prst="rect">
+            <a:avLst/>
+          </a:prstGeom>
+        </p:spPr>
+        <p:txBody>
+          <a:bodyPr spcFirstLastPara="1" wrap="square" lIns="91425" tIns="91425" rIns="91425" bIns="91425" anchor="t" anchorCtr="0">
+            <a:noAutofit/>
+          </a:bodyPr>
+          <a:lstStyle/>
+          <a:p>
+            <a:pPr marL="0" lvl="0" indent="0" algn="l" rtl="0">
+              <a:spcBef>
+                <a:spcPts val="0"/>
+              </a:spcBef>
+              <a:spcAft>
+                <a:spcPts val="0"/>
+              </a:spcAft>
+              <a:buNone/>
+            </a:pPr>
+            <a:endParaRPr/>
+          </a:p>
+        </p:txBody>
+      </p:sp>
+    </p:spTree>
+    <p:extLst>
+      <p:ext uri="{BB962C8B-B14F-4D97-AF65-F5344CB8AC3E}">
+        <p14:creationId xmlns:p14="http://schemas.microsoft.com/office/powerpoint/2010/main" val="3522833182"/>
+      </p:ext>
+    </p:extLst>
+  </p:cSld>
+  <p:clrMapOvr>
+    <a:masterClrMapping/>
+  </p:clrMapOvr>
+</p:notes>
+</file>
+
+<file path=ppt/notesSlides/notesSlide24.xml><?xml version="1.0" encoding="utf-8"?>
+<p:notes xmlns:a="http://schemas.openxmlformats.org/drawingml/2006/main" xmlns:r="http://schemas.openxmlformats.org/officeDocument/2006/relationships" xmlns:p="http://schemas.openxmlformats.org/presentationml/2006/main" showMasterSp="0" showMasterPhAnim="0">
+  <p:cSld>
+    <p:spTree>
+      <p:nvGrpSpPr>
         <p:cNvPr id="1" name="Shape 80"/>
         <p:cNvGrpSpPr/>
         <p:nvPr/>
@@ -2376,7 +2596,7 @@
 </p:notes>
 </file>
 
-<file path=ppt/notesSlides/notesSlide23.xml><?xml version="1.0" encoding="utf-8"?>
+<file path=ppt/notesSlides/notesSlide25.xml><?xml version="1.0" encoding="utf-8"?>
 <p:notes xmlns:a="http://schemas.openxmlformats.org/drawingml/2006/main" xmlns:r="http://schemas.openxmlformats.org/officeDocument/2006/relationships" xmlns:p="http://schemas.openxmlformats.org/presentationml/2006/main" showMasterSp="0" showMasterPhAnim="0">
   <p:cSld>
     <p:spTree>
@@ -11562,6 +11782,545 @@
 <file path=ppt/slides/slide22.xml><?xml version="1.0" encoding="utf-8"?>
 <p:sld xmlns:a="http://schemas.openxmlformats.org/drawingml/2006/main" xmlns:r="http://schemas.openxmlformats.org/officeDocument/2006/relationships" xmlns:p="http://schemas.openxmlformats.org/presentationml/2006/main">
   <p:cSld>
+    <p:spTree>
+      <p:nvGrpSpPr>
+        <p:cNvPr id="1" name="Shape 72"/>
+        <p:cNvGrpSpPr/>
+        <p:nvPr/>
+      </p:nvGrpSpPr>
+      <p:grpSpPr>
+        <a:xfrm>
+          <a:off x="0" y="0"/>
+          <a:ext cx="0" cy="0"/>
+          <a:chOff x="0" y="0"/>
+          <a:chExt cx="0" cy="0"/>
+        </a:xfrm>
+      </p:grpSpPr>
+      <p:sp>
+        <p:nvSpPr>
+          <p:cNvPr id="73" name="Google Shape;73;p16"/>
+          <p:cNvSpPr txBox="1">
+            <a:spLocks noGrp="1"/>
+          </p:cNvSpPr>
+          <p:nvPr>
+            <p:ph type="title"/>
+          </p:nvPr>
+        </p:nvSpPr>
+        <p:spPr>
+          <a:xfrm>
+            <a:off x="311700" y="445025"/>
+            <a:ext cx="8520600" cy="572700"/>
+          </a:xfrm>
+          <a:prstGeom prst="rect">
+            <a:avLst/>
+          </a:prstGeom>
+        </p:spPr>
+        <p:txBody>
+          <a:bodyPr spcFirstLastPara="1" wrap="square" lIns="91425" tIns="91425" rIns="91425" bIns="91425" anchor="t" anchorCtr="0">
+            <a:noAutofit/>
+          </a:bodyPr>
+          <a:lstStyle/>
+          <a:p>
+            <a:pPr marL="0" lvl="0" indent="0" algn="l" rtl="0">
+              <a:spcBef>
+                <a:spcPts val="0"/>
+              </a:spcBef>
+              <a:spcAft>
+                <a:spcPts val="0"/>
+              </a:spcAft>
+              <a:buNone/>
+            </a:pPr>
+            <a:r>
+              <a:rPr lang="en" dirty="0"/>
+              <a:t>Component 4 delivery info (Trello screenshot)</a:t>
+            </a:r>
+            <a:endParaRPr dirty="0"/>
+          </a:p>
+        </p:txBody>
+      </p:sp>
+      <p:pic>
+        <p:nvPicPr>
+          <p:cNvPr id="4" name="Picture 3">
+            <a:extLst>
+              <a:ext uri="{FF2B5EF4-FFF2-40B4-BE49-F238E27FC236}">
+                <a16:creationId xmlns:a16="http://schemas.microsoft.com/office/drawing/2014/main" id="{D66E1240-2920-4B2A-A01F-2E0804882D11}"/>
+              </a:ext>
+            </a:extLst>
+          </p:cNvPr>
+          <p:cNvPicPr>
+            <a:picLocks noChangeAspect="1"/>
+          </p:cNvPicPr>
+          <p:nvPr/>
+        </p:nvPicPr>
+        <p:blipFill rotWithShape="1">
+          <a:blip r:embed="rId3"/>
+          <a:srcRect b="11095"/>
+          <a:stretch/>
+        </p:blipFill>
+        <p:spPr>
+          <a:xfrm>
+            <a:off x="549828" y="1190848"/>
+            <a:ext cx="8044343" cy="3678085"/>
+          </a:xfrm>
+          <a:prstGeom prst="rect">
+            <a:avLst/>
+          </a:prstGeom>
+        </p:spPr>
+      </p:pic>
+    </p:spTree>
+    <p:extLst>
+      <p:ext uri="{BB962C8B-B14F-4D97-AF65-F5344CB8AC3E}">
+        <p14:creationId xmlns:p14="http://schemas.microsoft.com/office/powerpoint/2010/main" val="413396913"/>
+      </p:ext>
+    </p:extLst>
+  </p:cSld>
+  <p:clrMapOvr>
+    <a:masterClrMapping/>
+  </p:clrMapOvr>
+</p:sld>
+</file>
+
+<file path=ppt/slides/slide23.xml><?xml version="1.0" encoding="utf-8"?>
+<p:sld xmlns:a="http://schemas.openxmlformats.org/drawingml/2006/main" xmlns:r="http://schemas.openxmlformats.org/officeDocument/2006/relationships" xmlns:p="http://schemas.openxmlformats.org/presentationml/2006/main">
+  <p:cSld>
+    <p:spTree>
+      <p:nvGrpSpPr>
+        <p:cNvPr id="1" name="Shape 77"/>
+        <p:cNvGrpSpPr/>
+        <p:nvPr/>
+      </p:nvGrpSpPr>
+      <p:grpSpPr>
+        <a:xfrm>
+          <a:off x="0" y="0"/>
+          <a:ext cx="0" cy="0"/>
+          <a:chOff x="0" y="0"/>
+          <a:chExt cx="0" cy="0"/>
+        </a:xfrm>
+      </p:grpSpPr>
+      <p:sp>
+        <p:nvSpPr>
+          <p:cNvPr id="78" name="Google Shape;78;p17"/>
+          <p:cNvSpPr txBox="1">
+            <a:spLocks noGrp="1"/>
+          </p:cNvSpPr>
+          <p:nvPr>
+            <p:ph type="title"/>
+          </p:nvPr>
+        </p:nvSpPr>
+        <p:spPr>
+          <a:xfrm>
+            <a:off x="311700" y="445025"/>
+            <a:ext cx="8520600" cy="572700"/>
+          </a:xfrm>
+          <a:prstGeom prst="rect">
+            <a:avLst/>
+          </a:prstGeom>
+        </p:spPr>
+        <p:txBody>
+          <a:bodyPr spcFirstLastPara="1" wrap="square" lIns="91425" tIns="91425" rIns="91425" bIns="91425" anchor="t" anchorCtr="0">
+            <a:noAutofit/>
+          </a:bodyPr>
+          <a:lstStyle/>
+          <a:p>
+            <a:pPr marL="0" lvl="0" indent="0" algn="l" rtl="0">
+              <a:spcBef>
+                <a:spcPts val="0"/>
+              </a:spcBef>
+              <a:spcAft>
+                <a:spcPts val="0"/>
+              </a:spcAft>
+              <a:buNone/>
+            </a:pPr>
+            <a:r>
+              <a:rPr lang="en" dirty="0"/>
+              <a:t>Component 4 v1 - Test Plan (and screenshot)</a:t>
+            </a:r>
+            <a:endParaRPr dirty="0"/>
+          </a:p>
+        </p:txBody>
+      </p:sp>
+      <p:graphicFrame>
+        <p:nvGraphicFramePr>
+          <p:cNvPr id="79" name="Google Shape;79;p17"/>
+          <p:cNvGraphicFramePr/>
+          <p:nvPr>
+            <p:extLst>
+              <p:ext uri="{D42A27DB-BD31-4B8C-83A1-F6EECF244321}">
+                <p14:modId xmlns:p14="http://schemas.microsoft.com/office/powerpoint/2010/main" val="1869937764"/>
+              </p:ext>
+            </p:extLst>
+          </p:nvPr>
+        </p:nvGraphicFramePr>
+        <p:xfrm>
+          <a:off x="3852672" y="1017725"/>
+          <a:ext cx="5238576" cy="2692411"/>
+        </p:xfrm>
+        <a:graphic>
+          <a:graphicData uri="http://schemas.openxmlformats.org/drawingml/2006/table">
+            <a:tbl>
+              <a:tblPr>
+                <a:noFill/>
+                <a:tableStyleId>{E1099E06-0E6B-448D-9D27-60429F06E6F4}</a:tableStyleId>
+              </a:tblPr>
+              <a:tblGrid>
+                <a:gridCol w="2619288">
+                  <a:extLst>
+                    <a:ext uri="{9D8B030D-6E8A-4147-A177-3AD203B41FA5}">
+                      <a16:colId xmlns:a16="http://schemas.microsoft.com/office/drawing/2014/main" val="20000"/>
+                    </a:ext>
+                  </a:extLst>
+                </a:gridCol>
+                <a:gridCol w="2619288">
+                  <a:extLst>
+                    <a:ext uri="{9D8B030D-6E8A-4147-A177-3AD203B41FA5}">
+                      <a16:colId xmlns:a16="http://schemas.microsoft.com/office/drawing/2014/main" val="20001"/>
+                    </a:ext>
+                  </a:extLst>
+                </a:gridCol>
+              </a:tblGrid>
+              <a:tr h="429831">
+                <a:tc>
+                  <a:txBody>
+                    <a:bodyPr/>
+                    <a:lstStyle/>
+                    <a:p>
+                      <a:pPr marL="0" lvl="0" indent="0" algn="l" rtl="0">
+                        <a:spcBef>
+                          <a:spcPts val="0"/>
+                        </a:spcBef>
+                        <a:spcAft>
+                          <a:spcPts val="0"/>
+                        </a:spcAft>
+                        <a:buNone/>
+                      </a:pPr>
+                      <a:r>
+                        <a:rPr lang="en" sz="1800" b="1" dirty="0"/>
+                        <a:t>Test Case</a:t>
+                      </a:r>
+                      <a:endParaRPr sz="1800" b="1" dirty="0"/>
+                    </a:p>
+                  </a:txBody>
+                  <a:tcPr marL="91425" marR="91425" marT="91425" marB="91425">
+                    <a:solidFill>
+                      <a:srgbClr val="CCCCCC"/>
+                    </a:solidFill>
+                  </a:tcPr>
+                </a:tc>
+                <a:tc>
+                  <a:txBody>
+                    <a:bodyPr/>
+                    <a:lstStyle/>
+                    <a:p>
+                      <a:pPr marL="0" lvl="0" indent="0" algn="l" rtl="0">
+                        <a:spcBef>
+                          <a:spcPts val="0"/>
+                        </a:spcBef>
+                        <a:spcAft>
+                          <a:spcPts val="0"/>
+                        </a:spcAft>
+                        <a:buNone/>
+                      </a:pPr>
+                      <a:r>
+                        <a:rPr lang="en" sz="1800" b="1"/>
+                        <a:t>Expected Values</a:t>
+                      </a:r>
+                      <a:endParaRPr sz="1800" b="1"/>
+                    </a:p>
+                  </a:txBody>
+                  <a:tcPr marL="91425" marR="91425" marT="91425" marB="91425">
+                    <a:solidFill>
+                      <a:srgbClr val="CCCCCC"/>
+                    </a:solidFill>
+                  </a:tcPr>
+                </a:tc>
+                <a:extLst>
+                  <a:ext uri="{0D108BD9-81ED-4DB2-BD59-A6C34878D82A}">
+                    <a16:rowId xmlns:a16="http://schemas.microsoft.com/office/drawing/2014/main" val="10000"/>
+                  </a:ext>
+                </a:extLst>
+              </a:tr>
+              <a:tr h="2235241">
+                <a:tc>
+                  <a:txBody>
+                    <a:bodyPr/>
+                    <a:lstStyle/>
+                    <a:p>
+                      <a:pPr marL="0" lvl="0" indent="0" algn="l" rtl="0">
+                        <a:spcBef>
+                          <a:spcPts val="0"/>
+                        </a:spcBef>
+                        <a:spcAft>
+                          <a:spcPts val="0"/>
+                        </a:spcAft>
+                        <a:buNone/>
+                      </a:pPr>
+                      <a:r>
+                        <a:rPr lang="en-NZ" sz="1800" dirty="0"/>
+                        <a:t>Input name</a:t>
+                      </a:r>
+                    </a:p>
+                    <a:p>
+                      <a:pPr marL="0" lvl="0" indent="0" algn="l" rtl="0">
+                        <a:spcBef>
+                          <a:spcPts val="0"/>
+                        </a:spcBef>
+                        <a:spcAft>
+                          <a:spcPts val="0"/>
+                        </a:spcAft>
+                        <a:buNone/>
+                      </a:pPr>
+                      <a:r>
+                        <a:rPr lang="en-NZ" sz="1800" dirty="0"/>
+                        <a:t>Input phone number</a:t>
+                      </a:r>
+                    </a:p>
+                    <a:p>
+                      <a:pPr marL="0" lvl="0" indent="0" algn="l" rtl="0">
+                        <a:spcBef>
+                          <a:spcPts val="0"/>
+                        </a:spcBef>
+                        <a:spcAft>
+                          <a:spcPts val="0"/>
+                        </a:spcAft>
+                        <a:buNone/>
+                      </a:pPr>
+                      <a:r>
+                        <a:rPr lang="en-NZ" sz="1800" dirty="0"/>
+                        <a:t>Input house number</a:t>
+                      </a:r>
+                    </a:p>
+                    <a:p>
+                      <a:pPr marL="0" lvl="0" indent="0" algn="l" rtl="0">
+                        <a:spcBef>
+                          <a:spcPts val="0"/>
+                        </a:spcBef>
+                        <a:spcAft>
+                          <a:spcPts val="0"/>
+                        </a:spcAft>
+                        <a:buNone/>
+                      </a:pPr>
+                      <a:r>
+                        <a:rPr lang="en-NZ" sz="1800" dirty="0"/>
+                        <a:t>Input street name</a:t>
+                      </a:r>
+                    </a:p>
+                    <a:p>
+                      <a:pPr marL="0" lvl="0" indent="0" algn="l" rtl="0">
+                        <a:spcBef>
+                          <a:spcPts val="0"/>
+                        </a:spcBef>
+                        <a:spcAft>
+                          <a:spcPts val="0"/>
+                        </a:spcAft>
+                        <a:buNone/>
+                      </a:pPr>
+                      <a:r>
+                        <a:rPr lang="en-NZ" sz="1800" dirty="0"/>
+                        <a:t>Input suburb name</a:t>
+                      </a:r>
+                    </a:p>
+                    <a:p>
+                      <a:pPr marL="0" lvl="0" indent="0" algn="l" rtl="0">
+                        <a:spcBef>
+                          <a:spcPts val="0"/>
+                        </a:spcBef>
+                        <a:spcAft>
+                          <a:spcPts val="0"/>
+                        </a:spcAft>
+                        <a:buNone/>
+                      </a:pPr>
+                      <a:r>
+                        <a:rPr lang="en-NZ" sz="1800" dirty="0"/>
+                        <a:t>Left input blank</a:t>
+                      </a:r>
+                      <a:endParaRPr sz="1800" dirty="0"/>
+                    </a:p>
+                  </a:txBody>
+                  <a:tcPr marL="91425" marR="91425" marT="91425" marB="91425"/>
+                </a:tc>
+                <a:tc>
+                  <a:txBody>
+                    <a:bodyPr/>
+                    <a:lstStyle/>
+                    <a:p>
+                      <a:pPr marL="0" lvl="0" indent="0" algn="l" rtl="0">
+                        <a:spcBef>
+                          <a:spcPts val="0"/>
+                        </a:spcBef>
+                        <a:spcAft>
+                          <a:spcPts val="0"/>
+                        </a:spcAft>
+                        <a:buNone/>
+                      </a:pPr>
+                      <a:r>
+                        <a:rPr lang="en-NZ" sz="1800" dirty="0"/>
+                        <a:t>Printed name correctly</a:t>
+                      </a:r>
+                    </a:p>
+                    <a:p>
+                      <a:pPr marL="0" lvl="0" indent="0" algn="l" rtl="0">
+                        <a:spcBef>
+                          <a:spcPts val="0"/>
+                        </a:spcBef>
+                        <a:spcAft>
+                          <a:spcPts val="0"/>
+                        </a:spcAft>
+                        <a:buNone/>
+                      </a:pPr>
+                      <a:r>
+                        <a:rPr lang="en-NZ" sz="1800" dirty="0"/>
+                        <a:t>Printed phone number</a:t>
+                      </a:r>
+                    </a:p>
+                    <a:p>
+                      <a:pPr marL="0" lvl="0" indent="0" algn="l" rtl="0">
+                        <a:spcBef>
+                          <a:spcPts val="0"/>
+                        </a:spcBef>
+                        <a:spcAft>
+                          <a:spcPts val="0"/>
+                        </a:spcAft>
+                        <a:buNone/>
+                      </a:pPr>
+                      <a:r>
+                        <a:rPr lang="en-NZ" sz="1800" dirty="0"/>
+                        <a:t>Accepted blank and printed blank input</a:t>
+                      </a:r>
+                    </a:p>
+                    <a:p>
+                      <a:pPr marL="0" lvl="0" indent="0" algn="l" rtl="0">
+                        <a:spcBef>
+                          <a:spcPts val="0"/>
+                        </a:spcBef>
+                        <a:spcAft>
+                          <a:spcPts val="0"/>
+                        </a:spcAft>
+                        <a:buNone/>
+                      </a:pPr>
+                      <a:r>
+                        <a:rPr lang="en-NZ" sz="1800" dirty="0"/>
+                        <a:t>Printed street name</a:t>
+                      </a:r>
+                    </a:p>
+                    <a:p>
+                      <a:pPr marL="0" lvl="0" indent="0" algn="l" rtl="0">
+                        <a:spcBef>
+                          <a:spcPts val="0"/>
+                        </a:spcBef>
+                        <a:spcAft>
+                          <a:spcPts val="0"/>
+                        </a:spcAft>
+                        <a:buNone/>
+                      </a:pPr>
+                      <a:r>
+                        <a:rPr lang="en-NZ" sz="1800" dirty="0"/>
+                        <a:t>Printed suburb name</a:t>
+                      </a:r>
+                    </a:p>
+                    <a:p>
+                      <a:pPr marL="0" lvl="0" indent="0" algn="l" rtl="0">
+                        <a:spcBef>
+                          <a:spcPts val="0"/>
+                        </a:spcBef>
+                        <a:spcAft>
+                          <a:spcPts val="0"/>
+                        </a:spcAft>
+                        <a:buNone/>
+                      </a:pPr>
+                      <a:r>
+                        <a:rPr lang="en-NZ" sz="1800" dirty="0"/>
+                        <a:t>Asked for input again</a:t>
+                      </a:r>
+                    </a:p>
+                  </a:txBody>
+                  <a:tcPr marL="91425" marR="91425" marT="91425" marB="91425"/>
+                </a:tc>
+                <a:extLst>
+                  <a:ext uri="{0D108BD9-81ED-4DB2-BD59-A6C34878D82A}">
+                    <a16:rowId xmlns:a16="http://schemas.microsoft.com/office/drawing/2014/main" val="10001"/>
+                  </a:ext>
+                </a:extLst>
+              </a:tr>
+            </a:tbl>
+          </a:graphicData>
+        </a:graphic>
+      </p:graphicFrame>
+      <p:pic>
+        <p:nvPicPr>
+          <p:cNvPr id="6" name="Picture 5">
+            <a:extLst>
+              <a:ext uri="{FF2B5EF4-FFF2-40B4-BE49-F238E27FC236}">
+                <a16:creationId xmlns:a16="http://schemas.microsoft.com/office/drawing/2014/main" id="{F2032651-660F-44F9-A5A8-52A59FF0F54C}"/>
+              </a:ext>
+            </a:extLst>
+          </p:cNvPr>
+          <p:cNvPicPr>
+            <a:picLocks noChangeAspect="1"/>
+          </p:cNvPicPr>
+          <p:nvPr/>
+        </p:nvPicPr>
+        <p:blipFill>
+          <a:blip r:embed="rId3"/>
+          <a:stretch>
+            <a:fillRect/>
+          </a:stretch>
+        </p:blipFill>
+        <p:spPr>
+          <a:xfrm>
+            <a:off x="52752" y="2363930"/>
+            <a:ext cx="1941443" cy="2665071"/>
+          </a:xfrm>
+          <a:prstGeom prst="rect">
+            <a:avLst/>
+          </a:prstGeom>
+        </p:spPr>
+      </p:pic>
+      <p:pic>
+        <p:nvPicPr>
+          <p:cNvPr id="8" name="Picture 7">
+            <a:extLst>
+              <a:ext uri="{FF2B5EF4-FFF2-40B4-BE49-F238E27FC236}">
+                <a16:creationId xmlns:a16="http://schemas.microsoft.com/office/drawing/2014/main" id="{E3B4C725-4764-4A14-B612-C5C0E1D521C0}"/>
+              </a:ext>
+            </a:extLst>
+          </p:cNvPr>
+          <p:cNvPicPr>
+            <a:picLocks noChangeAspect="1"/>
+          </p:cNvPicPr>
+          <p:nvPr/>
+        </p:nvPicPr>
+        <p:blipFill>
+          <a:blip r:embed="rId4"/>
+          <a:stretch>
+            <a:fillRect/>
+          </a:stretch>
+        </p:blipFill>
+        <p:spPr>
+          <a:xfrm>
+            <a:off x="1494504" y="1017725"/>
+            <a:ext cx="2241360" cy="1770621"/>
+          </a:xfrm>
+          <a:prstGeom prst="rect">
+            <a:avLst/>
+          </a:prstGeom>
+        </p:spPr>
+      </p:pic>
+    </p:spTree>
+    <p:extLst>
+      <p:ext uri="{BB962C8B-B14F-4D97-AF65-F5344CB8AC3E}">
+        <p14:creationId xmlns:p14="http://schemas.microsoft.com/office/powerpoint/2010/main" val="3798914776"/>
+      </p:ext>
+    </p:extLst>
+  </p:cSld>
+  <p:clrMapOvr>
+    <a:masterClrMapping/>
+  </p:clrMapOvr>
+</p:sld>
+</file>
+
+<file path=ppt/slides/slide24.xml><?xml version="1.0" encoding="utf-8"?>
+<p:sld xmlns:a="http://schemas.openxmlformats.org/drawingml/2006/main" xmlns:r="http://schemas.openxmlformats.org/officeDocument/2006/relationships" xmlns:p="http://schemas.openxmlformats.org/presentationml/2006/main">
+  <p:cSld>
     <p:bg>
       <p:bgPr>
         <a:solidFill>
@@ -11676,7 +12435,7 @@
 </p:sld>
 </file>
 
-<file path=ppt/slides/slide23.xml><?xml version="1.0" encoding="utf-8"?>
+<file path=ppt/slides/slide25.xml><?xml version="1.0" encoding="utf-8"?>
 <p:sld xmlns:a="http://schemas.openxmlformats.org/drawingml/2006/main" xmlns:r="http://schemas.openxmlformats.org/officeDocument/2006/relationships" xmlns:p="http://schemas.openxmlformats.org/presentationml/2006/main">
   <p:cSld>
     <p:bg>
